--- a/HTML-CSS-JS/slides/2-HTML.pptx
+++ b/HTML-CSS-JS/slides/2-HTML.pptx
@@ -5233,262 +5233,6 @@
       </p:sp>
       <p:sp>
         <p:nvSpPr>
-          <p:cNvPr id="42" name="CustomShape 4"/>
-          <p:cNvSpPr/>
-          <p:nvPr/>
-        </p:nvSpPr>
-        <p:spPr>
-          <a:xfrm>
-            <a:off x="0" y="1554480"/>
-            <a:ext cx="12191760" cy="3748320"/>
-          </a:xfrm>
-          <a:prstGeom prst="rect">
-            <a:avLst/>
-          </a:prstGeom>
-          <a:noFill/>
-          <a:ln>
-            <a:noFill/>
-          </a:ln>
-        </p:spPr>
-        <p:style>
-          <a:lnRef idx="0">
-            <a:scrgbClr r="0" g="0" b="0"/>
-          </a:lnRef>
-          <a:fillRef idx="0">
-            <a:scrgbClr r="0" g="0" b="0"/>
-          </a:fillRef>
-          <a:effectRef idx="0">
-            <a:scrgbClr r="0" g="0" b="0"/>
-          </a:effectRef>
-          <a:fontRef idx="minor"/>
-        </p:style>
-        <p:txBody>
-          <a:bodyPr lIns="90000" tIns="45000" rIns="90000" bIns="45000" anchor="ctr"/>
-          <a:lstStyle/>
-          <a:p>
-            <a:pPr marL="457200" indent="-456840">
-              <a:lnSpc>
-                <a:spcPct val="150000"/>
-              </a:lnSpc>
-              <a:buClr>
-                <a:srgbClr val="FFFFFF"/>
-              </a:buClr>
-              <a:buFont typeface="Calibri Light"/>
-              <a:buAutoNum type="arabicPeriod"/>
-            </a:pPr>
-            <a:r>
-              <a:rPr lang="en-US" sz="2400" strike="noStrike" spc="-1" dirty="0">
-                <a:solidFill>
-                  <a:srgbClr val="FFFFFF"/>
-                </a:solidFill>
-                <a:uFill>
-                  <a:solidFill>
-                    <a:srgbClr val="FFFFFF"/>
-                  </a:solidFill>
-                </a:uFill>
-                <a:latin typeface="Lato"/>
-                <a:ea typeface="Roboto"/>
-              </a:rPr>
-              <a:t>Using Windows.</a:t>
-            </a:r>
-            <a:endParaRPr lang="en-US" sz="1800" strike="noStrike" spc="-1" dirty="0">
-              <a:solidFill>
-                <a:srgbClr val="000000"/>
-              </a:solidFill>
-              <a:uFill>
-                <a:solidFill>
-                  <a:srgbClr val="FFFFFF"/>
-                </a:solidFill>
-              </a:uFill>
-              <a:latin typeface="Arial"/>
-            </a:endParaRPr>
-          </a:p>
-          <a:p>
-            <a:pPr marL="457200" indent="-456840">
-              <a:lnSpc>
-                <a:spcPct val="150000"/>
-              </a:lnSpc>
-              <a:buClr>
-                <a:srgbClr val="FFFFFF"/>
-              </a:buClr>
-              <a:buFont typeface="Calibri Light"/>
-              <a:buAutoNum type="arabicPeriod"/>
-            </a:pPr>
-            <a:r>
-              <a:rPr lang="en-US" sz="2400" strike="noStrike" spc="-1" dirty="0">
-                <a:solidFill>
-                  <a:srgbClr val="FFFFFF"/>
-                </a:solidFill>
-                <a:uFill>
-                  <a:solidFill>
-                    <a:srgbClr val="FFFFFF"/>
-                  </a:solidFill>
-                </a:uFill>
-                <a:latin typeface="Lato"/>
-                <a:ea typeface="Roboto"/>
-              </a:rPr>
-              <a:t>Install Git.</a:t>
-            </a:r>
-            <a:endParaRPr lang="en-US" sz="1800" strike="noStrike" spc="-1" dirty="0">
-              <a:solidFill>
-                <a:srgbClr val="000000"/>
-              </a:solidFill>
-              <a:uFill>
-                <a:solidFill>
-                  <a:srgbClr val="FFFFFF"/>
-                </a:solidFill>
-              </a:uFill>
-              <a:latin typeface="Arial"/>
-            </a:endParaRPr>
-          </a:p>
-          <a:p>
-            <a:pPr marL="457200" indent="-456840">
-              <a:lnSpc>
-                <a:spcPct val="150000"/>
-              </a:lnSpc>
-              <a:buClr>
-                <a:srgbClr val="FFFFFF"/>
-              </a:buClr>
-              <a:buFont typeface="Calibri Light"/>
-              <a:buAutoNum type="arabicPeriod"/>
-            </a:pPr>
-            <a:r>
-              <a:rPr lang="en-US" sz="2400" strike="noStrike" spc="-1" dirty="0">
-                <a:solidFill>
-                  <a:srgbClr val="FFFFFF"/>
-                </a:solidFill>
-                <a:uFill>
-                  <a:solidFill>
-                    <a:srgbClr val="FFFFFF"/>
-                  </a:solidFill>
-                </a:uFill>
-                <a:latin typeface="Lato"/>
-                <a:ea typeface="Roboto"/>
-              </a:rPr>
-              <a:t>Install Visual Studio Code Text Editor – with extensions :  Beautify, Bootstrap 4 Snippet, HTML Snippets, Live Server.</a:t>
-            </a:r>
-            <a:endParaRPr lang="en-US" sz="1800" strike="noStrike" spc="-1" dirty="0">
-              <a:solidFill>
-                <a:srgbClr val="000000"/>
-              </a:solidFill>
-              <a:uFill>
-                <a:solidFill>
-                  <a:srgbClr val="FFFFFF"/>
-                </a:solidFill>
-              </a:uFill>
-              <a:latin typeface="Arial"/>
-            </a:endParaRPr>
-          </a:p>
-          <a:p>
-            <a:pPr marL="457200" indent="-456840">
-              <a:lnSpc>
-                <a:spcPct val="150000"/>
-              </a:lnSpc>
-              <a:buClr>
-                <a:srgbClr val="FFFFFF"/>
-              </a:buClr>
-              <a:buFont typeface="Calibri Light"/>
-              <a:buAutoNum type="arabicPeriod"/>
-            </a:pPr>
-            <a:r>
-              <a:rPr lang="en-US" sz="2400" strike="noStrike" spc="-1" dirty="0">
-                <a:solidFill>
-                  <a:srgbClr val="FFFFFF"/>
-                </a:solidFill>
-                <a:uFill>
-                  <a:solidFill>
-                    <a:srgbClr val="FFFFFF"/>
-                  </a:solidFill>
-                </a:uFill>
-                <a:latin typeface="Lato"/>
-                <a:ea typeface="Roboto"/>
-              </a:rPr>
-              <a:t>Chrome Web Browser – with extensions : </a:t>
-            </a:r>
-            <a:r>
-              <a:rPr lang="en-US" sz="2400" strike="noStrike" spc="-1" dirty="0" err="1">
-                <a:solidFill>
-                  <a:srgbClr val="FFFFFF"/>
-                </a:solidFill>
-                <a:uFill>
-                  <a:solidFill>
-                    <a:srgbClr val="FFFFFF"/>
-                  </a:solidFill>
-                </a:uFill>
-                <a:latin typeface="Lato"/>
-                <a:ea typeface="Roboto"/>
-              </a:rPr>
-              <a:t>Ddict</a:t>
-            </a:r>
-            <a:r>
-              <a:rPr lang="en-US" sz="2400" strike="noStrike" spc="-1" dirty="0">
-                <a:solidFill>
-                  <a:srgbClr val="FFFFFF"/>
-                </a:solidFill>
-                <a:uFill>
-                  <a:solidFill>
-                    <a:srgbClr val="FFFFFF"/>
-                  </a:solidFill>
-                </a:uFill>
-                <a:latin typeface="Lato"/>
-                <a:ea typeface="Roboto"/>
-              </a:rPr>
-              <a:t> Translate.</a:t>
-            </a:r>
-            <a:endParaRPr lang="en-US" sz="1800" strike="noStrike" spc="-1" dirty="0">
-              <a:solidFill>
-                <a:srgbClr val="000000"/>
-              </a:solidFill>
-              <a:uFill>
-                <a:solidFill>
-                  <a:srgbClr val="FFFFFF"/>
-                </a:solidFill>
-              </a:uFill>
-              <a:latin typeface="Arial"/>
-            </a:endParaRPr>
-          </a:p>
-          <a:p>
-            <a:pPr marL="457200" indent="-456840">
-              <a:lnSpc>
-                <a:spcPct val="150000"/>
-              </a:lnSpc>
-              <a:buClr>
-                <a:srgbClr val="FFFFFF"/>
-              </a:buClr>
-              <a:buFont typeface="Calibri Light"/>
-              <a:buAutoNum type="arabicPeriod"/>
-            </a:pPr>
-            <a:r>
-              <a:rPr lang="en-US" sz="2400" strike="noStrike" spc="-1" dirty="0">
-                <a:solidFill>
-                  <a:srgbClr val="FFFFFF"/>
-                </a:solidFill>
-                <a:uFill>
-                  <a:solidFill>
-                    <a:srgbClr val="FFFFFF"/>
-                  </a:solidFill>
-                </a:uFill>
-                <a:latin typeface="Lato"/>
-                <a:ea typeface="Roboto"/>
-              </a:rPr>
-              <a:t>Register an account in Github.com &amp; create your Repository in Git Hub with convention: Aptech-php-13-your-name</a:t>
-            </a:r>
-            <a:endParaRPr lang="en-US" sz="1800" strike="noStrike" spc="-1" dirty="0">
-              <a:solidFill>
-                <a:srgbClr val="000000"/>
-              </a:solidFill>
-              <a:uFill>
-                <a:solidFill>
-                  <a:srgbClr val="FFFFFF"/>
-                </a:solidFill>
-              </a:uFill>
-              <a:latin typeface="Arial"/>
-            </a:endParaRPr>
-          </a:p>
-        </p:txBody>
-      </p:sp>
-      <p:sp>
-        <p:nvSpPr>
           <p:cNvPr id="43" name="CustomShape 5"/>
           <p:cNvSpPr/>
           <p:nvPr/>
@@ -5528,7 +5272,7 @@
               </a:lnSpc>
             </a:pPr>
             <a:r>
-              <a:rPr lang="en-US" sz="1800" b="0" strike="noStrike" spc="-1">
+              <a:rPr lang="en-US" sz="1800" b="0" strike="noStrike" spc="-1" dirty="0">
                 <a:solidFill>
                   <a:srgbClr val="FFFFFF"/>
                 </a:solidFill>
@@ -5543,7 +5287,7 @@
               <a:t>* Note it on your paper then we move on to next slide, install it immediately</a:t>
             </a:r>
             <a:r>
-              <a:rPr lang="en-US" sz="1200" b="0" strike="noStrike" spc="-1">
+              <a:rPr lang="en-US" sz="1200" b="0" strike="noStrike" spc="-1" dirty="0">
                 <a:solidFill>
                   <a:srgbClr val="FFFFFF"/>
                 </a:solidFill>
@@ -5557,7 +5301,7 @@
               </a:rPr>
               <a:t>.</a:t>
             </a:r>
-            <a:endParaRPr lang="en-US" sz="1800" b="0" strike="noStrike" spc="-1">
+            <a:endParaRPr lang="en-US" sz="1800" b="0" strike="noStrike" spc="-1" dirty="0">
               <a:solidFill>
                 <a:srgbClr val="000000"/>
               </a:solidFill>
@@ -5567,6 +5311,179 @@
                 </a:solidFill>
               </a:uFill>
               <a:latin typeface="Arial"/>
+            </a:endParaRPr>
+          </a:p>
+        </p:txBody>
+      </p:sp>
+      <p:sp>
+        <p:nvSpPr>
+          <p:cNvPr id="7" name="TextBox 6">
+            <a:extLst>
+              <a:ext uri="{FF2B5EF4-FFF2-40B4-BE49-F238E27FC236}">
+                <a16:creationId xmlns:a16="http://schemas.microsoft.com/office/drawing/2014/main" id="{B6BB8585-1359-49D9-BCFC-3EA37001BEEE}"/>
+              </a:ext>
+            </a:extLst>
+          </p:cNvPr>
+          <p:cNvSpPr txBox="1"/>
+          <p:nvPr/>
+        </p:nvSpPr>
+        <p:spPr>
+          <a:xfrm>
+            <a:off x="0" y="1505880"/>
+            <a:ext cx="12192000" cy="4114800"/>
+          </a:xfrm>
+          <a:prstGeom prst="rect">
+            <a:avLst/>
+          </a:prstGeom>
+          <a:noFill/>
+        </p:spPr>
+        <p:txBody>
+          <a:bodyPr wrap="square" numCol="2" rtlCol="0" anchor="ctr">
+            <a:spAutoFit/>
+          </a:bodyPr>
+          <a:lstStyle/>
+          <a:p>
+            <a:pPr marL="457200" indent="-457200">
+              <a:lnSpc>
+                <a:spcPct val="150000"/>
+              </a:lnSpc>
+              <a:buFont typeface="+mj-lt"/>
+              <a:buAutoNum type="arabicPeriod"/>
+            </a:pPr>
+            <a:r>
+              <a:rPr lang="en-US" sz="2400" dirty="0">
+                <a:solidFill>
+                  <a:schemeClr val="bg1"/>
+                </a:solidFill>
+                <a:latin typeface="Lato" panose="020F0502020204030203" pitchFamily="34" charset="0"/>
+                <a:ea typeface="Roboto" panose="02000000000000000000" pitchFamily="2" charset="0"/>
+              </a:rPr>
+              <a:t>Using Windows 10 or Ubuntu 16.04.</a:t>
+            </a:r>
+          </a:p>
+          <a:p>
+            <a:pPr marL="457200" indent="-457200">
+              <a:lnSpc>
+                <a:spcPct val="150000"/>
+              </a:lnSpc>
+              <a:buFont typeface="+mj-lt"/>
+              <a:buAutoNum type="arabicPeriod"/>
+            </a:pPr>
+            <a:r>
+              <a:rPr lang="en-US" sz="2400" dirty="0">
+                <a:solidFill>
+                  <a:schemeClr val="bg1"/>
+                </a:solidFill>
+                <a:latin typeface="Lato" panose="020F0502020204030203" pitchFamily="34" charset="0"/>
+                <a:ea typeface="Roboto" panose="02000000000000000000" pitchFamily="2" charset="0"/>
+              </a:rPr>
+              <a:t>Installed Git.</a:t>
+            </a:r>
+          </a:p>
+          <a:p>
+            <a:pPr marL="457200" indent="-457200">
+              <a:lnSpc>
+                <a:spcPct val="150000"/>
+              </a:lnSpc>
+              <a:buFont typeface="+mj-lt"/>
+              <a:buAutoNum type="arabicPeriod"/>
+            </a:pPr>
+            <a:r>
+              <a:rPr lang="en-US" sz="2400" dirty="0">
+                <a:solidFill>
+                  <a:schemeClr val="bg1"/>
+                </a:solidFill>
+                <a:latin typeface="Lato" panose="020F0502020204030203" pitchFamily="34" charset="0"/>
+                <a:ea typeface="Roboto" panose="02000000000000000000" pitchFamily="2" charset="0"/>
+              </a:rPr>
+              <a:t>Installed Visual Studio Code – with extensions with extensions : Live server, Prettier, HTML CSS Support, IntelliSense for CSS classes, Auto Close Tag, HTML Snippets, Bootstrap 4 Snippets, Material Theme, Material Icons …</a:t>
+            </a:r>
+          </a:p>
+          <a:p>
+            <a:pPr marL="457200" indent="-457200">
+              <a:lnSpc>
+                <a:spcPct val="150000"/>
+              </a:lnSpc>
+              <a:buFont typeface="+mj-lt"/>
+              <a:buAutoNum type="arabicPeriod"/>
+            </a:pPr>
+            <a:r>
+              <a:rPr lang="en-US" sz="2400" dirty="0">
+                <a:solidFill>
+                  <a:schemeClr val="bg1"/>
+                </a:solidFill>
+                <a:latin typeface="Lato" panose="020F0502020204030203" pitchFamily="34" charset="0"/>
+                <a:ea typeface="Roboto" panose="02000000000000000000" pitchFamily="2" charset="0"/>
+              </a:rPr>
+              <a:t>Chrome Web Browser – with extensions : </a:t>
+            </a:r>
+            <a:r>
+              <a:rPr lang="en-US" sz="2400" dirty="0" err="1">
+                <a:solidFill>
+                  <a:schemeClr val="bg1"/>
+                </a:solidFill>
+                <a:latin typeface="Lato" panose="020F0502020204030203" pitchFamily="34" charset="0"/>
+                <a:ea typeface="Roboto" panose="02000000000000000000" pitchFamily="2" charset="0"/>
+              </a:rPr>
+              <a:t>Ddict</a:t>
+            </a:r>
+            <a:r>
+              <a:rPr lang="en-US" sz="2400" dirty="0">
+                <a:solidFill>
+                  <a:schemeClr val="bg1"/>
+                </a:solidFill>
+                <a:latin typeface="Lato" panose="020F0502020204030203" pitchFamily="34" charset="0"/>
+                <a:ea typeface="Roboto" panose="02000000000000000000" pitchFamily="2" charset="0"/>
+              </a:rPr>
+              <a:t> Translate.</a:t>
+            </a:r>
+          </a:p>
+          <a:p>
+            <a:pPr marL="457200" indent="-457200">
+              <a:lnSpc>
+                <a:spcPct val="150000"/>
+              </a:lnSpc>
+              <a:buFont typeface="+mj-lt"/>
+              <a:buAutoNum type="arabicPeriod"/>
+            </a:pPr>
+            <a:r>
+              <a:rPr lang="en-US" sz="2400" spc="-1" dirty="0">
+                <a:solidFill>
+                  <a:srgbClr val="FFFFFF"/>
+                </a:solidFill>
+                <a:uFill>
+                  <a:solidFill>
+                    <a:srgbClr val="FFFFFF"/>
+                  </a:solidFill>
+                </a:uFill>
+                <a:latin typeface="Lato"/>
+                <a:ea typeface="Roboto"/>
+              </a:rPr>
+              <a:t>Register &amp; create your Repository on GitHub.com with convention: Aptech-php-13-your-name</a:t>
+            </a:r>
+            <a:endParaRPr lang="en-US" spc="-1" dirty="0">
+              <a:solidFill>
+                <a:srgbClr val="000000"/>
+              </a:solidFill>
+              <a:uFill>
+                <a:solidFill>
+                  <a:srgbClr val="FFFFFF"/>
+                </a:solidFill>
+              </a:uFill>
+            </a:endParaRPr>
+          </a:p>
+          <a:p>
+            <a:pPr>
+              <a:lnSpc>
+                <a:spcPct val="150000"/>
+              </a:lnSpc>
+            </a:pPr>
+            <a:endParaRPr lang="vi-VN" sz="2400" dirty="0">
+              <a:solidFill>
+                <a:schemeClr val="bg1"/>
+              </a:solidFill>
+              <a:latin typeface="Lato" panose="020F0502020204030203" pitchFamily="34" charset="0"/>
+              <a:ea typeface="Roboto" panose="02000000000000000000" pitchFamily="2" charset="0"/>
             </a:endParaRPr>
           </a:p>
         </p:txBody>

--- a/HTML-CSS-JS/slides/2-HTML.pptx
+++ b/HTML-CSS-JS/slides/2-HTML.pptx
@@ -7,18 +7,19 @@
   <p:sldIdLst>
     <p:sldId id="256" r:id="rId2"/>
     <p:sldId id="257" r:id="rId3"/>
-    <p:sldId id="258" r:id="rId4"/>
-    <p:sldId id="259" r:id="rId5"/>
-    <p:sldId id="260" r:id="rId6"/>
-    <p:sldId id="261" r:id="rId7"/>
-    <p:sldId id="262" r:id="rId8"/>
-    <p:sldId id="263" r:id="rId9"/>
-    <p:sldId id="264" r:id="rId10"/>
-    <p:sldId id="265" r:id="rId11"/>
-    <p:sldId id="266" r:id="rId12"/>
-    <p:sldId id="267" r:id="rId13"/>
-    <p:sldId id="268" r:id="rId14"/>
-    <p:sldId id="272" r:id="rId15"/>
+    <p:sldId id="273" r:id="rId4"/>
+    <p:sldId id="258" r:id="rId5"/>
+    <p:sldId id="259" r:id="rId6"/>
+    <p:sldId id="260" r:id="rId7"/>
+    <p:sldId id="261" r:id="rId8"/>
+    <p:sldId id="262" r:id="rId9"/>
+    <p:sldId id="263" r:id="rId10"/>
+    <p:sldId id="264" r:id="rId11"/>
+    <p:sldId id="265" r:id="rId12"/>
+    <p:sldId id="266" r:id="rId13"/>
+    <p:sldId id="267" r:id="rId14"/>
+    <p:sldId id="268" r:id="rId15"/>
+    <p:sldId id="272" r:id="rId16"/>
   </p:sldIdLst>
   <p:sldSz cx="12192000" cy="6858000"/>
   <p:notesSz cx="7559675" cy="10691813"/>
@@ -678,6 +679,36 @@
 </p:sldLayout>
 </file>
 
+<file path=ppt/slideLayouts/slideLayout13.xml><?xml version="1.0" encoding="utf-8"?>
+<p:sldLayout xmlns:a="http://schemas.openxmlformats.org/drawingml/2006/main" xmlns:r="http://schemas.openxmlformats.org/officeDocument/2006/relationships" xmlns:p="http://schemas.openxmlformats.org/presentationml/2006/main" userDrawn="1">
+  <p:cSld name="Main Slide">
+    <p:spTree>
+      <p:nvGrpSpPr>
+        <p:cNvPr id="1" name=""/>
+        <p:cNvGrpSpPr/>
+        <p:nvPr/>
+      </p:nvGrpSpPr>
+      <p:grpSpPr>
+        <a:xfrm>
+          <a:off x="0" y="0"/>
+          <a:ext cx="0" cy="0"/>
+          <a:chOff x="0" y="0"/>
+          <a:chExt cx="0" cy="0"/>
+        </a:xfrm>
+      </p:grpSpPr>
+    </p:spTree>
+    <p:extLst>
+      <p:ext uri="{BB962C8B-B14F-4D97-AF65-F5344CB8AC3E}">
+        <p14:creationId xmlns:p14="http://schemas.microsoft.com/office/powerpoint/2010/main" val="2741829218"/>
+      </p:ext>
+    </p:extLst>
+  </p:cSld>
+  <p:clrMapOvr>
+    <a:masterClrMapping/>
+  </p:clrMapOvr>
+</p:sldLayout>
+</file>
+
 <file path=ppt/slideLayouts/slideLayout2.xml><?xml version="1.0" encoding="utf-8"?>
 <p:sldLayout xmlns:a="http://schemas.openxmlformats.org/drawingml/2006/main" xmlns:r="http://schemas.openxmlformats.org/officeDocument/2006/relationships" xmlns:p="http://schemas.openxmlformats.org/presentationml/2006/main" type="tx" preserve="1">
   <p:cSld name="Title Slide">
@@ -1930,6 +1961,7 @@
     <p:sldLayoutId id="2147483658" r:id="rId10"/>
     <p:sldLayoutId id="2147483659" r:id="rId11"/>
     <p:sldLayoutId id="2147483660" r:id="rId12"/>
+    <p:sldLayoutId id="2147483661" r:id="rId13"/>
   </p:sldLayoutIdLst>
   <p:txStyles>
     <p:titleStyle>
@@ -2423,7 +2455,7 @@
       </p:grpSpPr>
       <p:sp>
         <p:nvSpPr>
-          <p:cNvPr id="82" name="CustomShape 1"/>
+          <p:cNvPr id="77" name="CustomShape 1"/>
           <p:cNvSpPr/>
           <p:nvPr/>
         </p:nvSpPr>
@@ -2459,14 +2491,14 @@
       </p:sp>
       <p:sp>
         <p:nvSpPr>
-          <p:cNvPr id="83" name="CustomShape 2"/>
+          <p:cNvPr id="78" name="CustomShape 2"/>
           <p:cNvSpPr/>
           <p:nvPr/>
         </p:nvSpPr>
         <p:spPr>
           <a:xfrm>
-            <a:off x="-240" y="859680"/>
-            <a:ext cx="12192240" cy="639000"/>
+            <a:off x="1560" y="859680"/>
+            <a:ext cx="12188640" cy="639000"/>
           </a:xfrm>
           <a:prstGeom prst="rect">
             <a:avLst/>
@@ -2509,7 +2541,7 @@
                 </a:uFill>
                 <a:latin typeface="Lato"/>
               </a:rPr>
-              <a:t>HTML IMAGES</a:t>
+              <a:t>HTML LINKS</a:t>
             </a:r>
             <a:endParaRPr lang="en-US" sz="1800" b="0" strike="noStrike" spc="-1" dirty="0">
               <a:solidFill>
@@ -2527,14 +2559,14 @@
       </p:sp>
       <p:sp>
         <p:nvSpPr>
-          <p:cNvPr id="84" name="CustomShape 3"/>
+          <p:cNvPr id="79" name="CustomShape 3"/>
           <p:cNvSpPr/>
           <p:nvPr/>
         </p:nvSpPr>
         <p:spPr>
           <a:xfrm>
             <a:off x="-12960" y="1505880"/>
-            <a:ext cx="12204360" cy="2655606"/>
+            <a:ext cx="12204360" cy="3366010"/>
           </a:xfrm>
           <a:prstGeom prst="rect">
             <a:avLst/>
@@ -2571,74 +2603,18 @@
               <a:buChar char=""/>
             </a:pPr>
             <a:r>
-              <a:rPr lang="en-US" sz="2400" b="0" strike="noStrike" spc="-1" dirty="0">
-                <a:solidFill>
-                  <a:srgbClr val="FFFFFF"/>
-                </a:solidFill>
-                <a:uFill>
-                  <a:solidFill>
-                    <a:srgbClr val="FFFFFF"/>
-                  </a:solidFill>
-                </a:uFill>
-                <a:latin typeface="Lato"/>
-              </a:rPr>
-              <a:t>IN HTML, images are defined with the </a:t>
-            </a:r>
-            <a:r>
-              <a:rPr lang="en-US" sz="2400" b="1" strike="noStrike" spc="-1" dirty="0">
-                <a:solidFill>
-                  <a:srgbClr val="FFFF00"/>
-                </a:solidFill>
-                <a:uFill>
-                  <a:solidFill>
-                    <a:srgbClr val="FFFFFF"/>
-                  </a:solidFill>
-                </a:uFill>
-                <a:latin typeface="Lato"/>
-              </a:rPr>
-              <a:t>&lt;</a:t>
-            </a:r>
-            <a:r>
-              <a:rPr lang="en-US" sz="2400" b="1" strike="noStrike" spc="-1" dirty="0" err="1">
-                <a:solidFill>
-                  <a:srgbClr val="FFFF00"/>
-                </a:solidFill>
-                <a:uFill>
-                  <a:solidFill>
-                    <a:srgbClr val="FFFFFF"/>
-                  </a:solidFill>
-                </a:uFill>
-                <a:latin typeface="Lato"/>
-              </a:rPr>
-              <a:t>img</a:t>
-            </a:r>
-            <a:r>
-              <a:rPr lang="en-US" sz="2400" b="1" strike="noStrike" spc="-1" dirty="0">
-                <a:solidFill>
-                  <a:srgbClr val="FFFF00"/>
-                </a:solidFill>
-                <a:uFill>
-                  <a:solidFill>
-                    <a:srgbClr val="FFFFFF"/>
-                  </a:solidFill>
-                </a:uFill>
-                <a:latin typeface="Lato"/>
-              </a:rPr>
-              <a:t>&gt; </a:t>
-            </a:r>
-            <a:r>
-              <a:rPr lang="en-US" sz="2400" b="0" strike="noStrike" spc="-1" dirty="0">
-                <a:solidFill>
-                  <a:srgbClr val="FFFFFF"/>
-                </a:solidFill>
-                <a:uFill>
-                  <a:solidFill>
-                    <a:srgbClr val="FFFFFF"/>
-                  </a:solidFill>
-                </a:uFill>
-                <a:latin typeface="Lato"/>
-              </a:rPr>
-              <a:t>tag.</a:t>
+              <a:rPr lang="en-US" sz="2400" spc="-1" dirty="0">
+                <a:solidFill>
+                  <a:srgbClr val="FFFFFF"/>
+                </a:solidFill>
+                <a:uFill>
+                  <a:solidFill>
+                    <a:srgbClr val="FFFFFF"/>
+                  </a:solidFill>
+                </a:uFill>
+                <a:latin typeface="Lato"/>
+              </a:rPr>
+              <a:t>HTML Links element are hyperlinks and allow users to click their way from page to page.</a:t>
             </a:r>
           </a:p>
           <a:p>
@@ -2664,7 +2640,7 @@
                 </a:uFill>
                 <a:latin typeface="Lato"/>
               </a:rPr>
-              <a:t>The </a:t>
+              <a:t>Links are defined with the </a:t>
             </a:r>
             <a:r>
               <a:rPr lang="en-US" sz="2400" b="1" spc="-1" dirty="0">
@@ -2678,35 +2654,7 @@
                 </a:uFill>
                 <a:latin typeface="Lato"/>
               </a:rPr>
-              <a:t>&lt;</a:t>
-            </a:r>
-            <a:r>
-              <a:rPr lang="en-US" sz="2400" b="1" spc="-1" dirty="0" err="1">
-                <a:solidFill>
-                  <a:srgbClr val="FFFF00"/>
-                </a:solidFill>
-                <a:uFill>
-                  <a:solidFill>
-                    <a:srgbClr val="FFFFFF"/>
-                  </a:solidFill>
-                </a:uFill>
-                <a:latin typeface="Lato"/>
-              </a:rPr>
-              <a:t>img</a:t>
-            </a:r>
-            <a:r>
-              <a:rPr lang="en-US" sz="2400" b="1" spc="-1" dirty="0">
-                <a:solidFill>
-                  <a:srgbClr val="FFFF00"/>
-                </a:solidFill>
-                <a:uFill>
-                  <a:solidFill>
-                    <a:srgbClr val="FFFFFF"/>
-                  </a:solidFill>
-                </a:uFill>
-                <a:latin typeface="Lato"/>
-              </a:rPr>
-              <a:t>&gt;</a:t>
+              <a:t>&lt;a&gt;</a:t>
             </a:r>
             <a:r>
               <a:rPr lang="en-US" sz="2400" spc="-1" dirty="0">
@@ -2720,7 +2668,7 @@
                 </a:uFill>
                 <a:latin typeface="Lato"/>
               </a:rPr>
-              <a:t> tag is empty, it contains attributes and does not have a closing tag.</a:t>
+              <a:t> tag.</a:t>
             </a:r>
           </a:p>
           <a:p>
@@ -2734,116 +2682,6 @@
               <a:buFont typeface="Wingdings" charset="2"/>
               <a:buChar char=""/>
             </a:pPr>
-            <a:r>
-              <a:rPr lang="en-US" sz="2400" b="0" strike="noStrike" spc="-1" dirty="0">
-                <a:solidFill>
-                  <a:srgbClr val="FFFFFF"/>
-                </a:solidFill>
-                <a:uFill>
-                  <a:solidFill>
-                    <a:srgbClr val="FFFFFF"/>
-                  </a:solidFill>
-                </a:uFill>
-                <a:latin typeface="Lato"/>
-              </a:rPr>
-              <a:t>The </a:t>
-            </a:r>
-            <a:r>
-              <a:rPr lang="en-US" sz="2400" b="1" spc="-1" dirty="0" err="1">
-                <a:solidFill>
-                  <a:srgbClr val="FFFF00"/>
-                </a:solidFill>
-                <a:uFill>
-                  <a:solidFill>
-                    <a:srgbClr val="FFFFFF"/>
-                  </a:solidFill>
-                </a:uFill>
-                <a:latin typeface="Lato"/>
-              </a:rPr>
-              <a:t>src</a:t>
-            </a:r>
-            <a:r>
-              <a:rPr lang="en-US" sz="2400" spc="-1" dirty="0">
-                <a:solidFill>
-                  <a:srgbClr val="FFFFFF"/>
-                </a:solidFill>
-                <a:uFill>
-                  <a:solidFill>
-                    <a:srgbClr val="FFFFFF"/>
-                  </a:solidFill>
-                </a:uFill>
-                <a:latin typeface="Lato"/>
-              </a:rPr>
-              <a:t> attribute specifies URL of the image.</a:t>
-            </a:r>
-          </a:p>
-          <a:p>
-            <a:pPr marL="457200" indent="-456840">
-              <a:lnSpc>
-                <a:spcPct val="150000"/>
-              </a:lnSpc>
-              <a:buClr>
-                <a:srgbClr val="FFFFFF"/>
-              </a:buClr>
-              <a:buFont typeface="Wingdings" charset="2"/>
-              <a:buChar char=""/>
-            </a:pPr>
-            <a:r>
-              <a:rPr lang="en-US" sz="2400" b="0" strike="noStrike" spc="-1" dirty="0">
-                <a:solidFill>
-                  <a:srgbClr val="FFFFFF"/>
-                </a:solidFill>
-                <a:uFill>
-                  <a:solidFill>
-                    <a:srgbClr val="FFFFFF"/>
-                  </a:solidFill>
-                </a:uFill>
-                <a:latin typeface="Lato"/>
-              </a:rPr>
-              <a:t>The </a:t>
-            </a:r>
-            <a:r>
-              <a:rPr lang="en-US" sz="2400" b="1" strike="noStrike" spc="-1" dirty="0">
-                <a:solidFill>
-                  <a:srgbClr val="FFFF00"/>
-                </a:solidFill>
-                <a:uFill>
-                  <a:solidFill>
-                    <a:srgbClr val="FFFFFF"/>
-                  </a:solidFill>
-                </a:uFill>
-                <a:latin typeface="Lato"/>
-              </a:rPr>
-              <a:t>a</a:t>
-            </a:r>
-            <a:r>
-              <a:rPr lang="en-US" sz="2400" b="1" spc="-1" dirty="0">
-                <a:solidFill>
-                  <a:srgbClr val="FFFF00"/>
-                </a:solidFill>
-                <a:uFill>
-                  <a:solidFill>
-                    <a:srgbClr val="FFFFFF"/>
-                  </a:solidFill>
-                </a:uFill>
-                <a:latin typeface="Lato"/>
-              </a:rPr>
-              <a:t>lt</a:t>
-            </a:r>
-            <a:r>
-              <a:rPr lang="en-US" sz="2400" spc="-1" dirty="0">
-                <a:solidFill>
-                  <a:srgbClr val="FFFFFF"/>
-                </a:solidFill>
-                <a:uFill>
-                  <a:solidFill>
-                    <a:srgbClr val="FFFFFF"/>
-                  </a:solidFill>
-                </a:uFill>
-                <a:latin typeface="Lato"/>
-              </a:rPr>
-              <a:t> attribute provides an alternate text for an image.</a:t>
-            </a:r>
             <a:endParaRPr lang="en-US" sz="1800" b="0" strike="noStrike" spc="-1" dirty="0">
               <a:solidFill>
                 <a:srgbClr val="000000"/>
@@ -2860,7 +2698,7 @@
       </p:sp>
       <p:sp>
         <p:nvSpPr>
-          <p:cNvPr id="85" name="Line 4"/>
+          <p:cNvPr id="80" name="Line 4"/>
           <p:cNvSpPr/>
           <p:nvPr/>
         </p:nvSpPr>
@@ -2896,7 +2734,7 @@
           <p:cNvPr id="3" name="Picture 2">
             <a:extLst>
               <a:ext uri="{FF2B5EF4-FFF2-40B4-BE49-F238E27FC236}">
-                <a16:creationId xmlns:a16="http://schemas.microsoft.com/office/drawing/2014/main" id="{A3695B17-D278-413E-B879-0FBEE5CE5038}"/>
+                <a16:creationId xmlns:a16="http://schemas.microsoft.com/office/drawing/2014/main" id="{DDD9ED7C-A717-4162-8EB3-9CFD11291638}"/>
               </a:ext>
             </a:extLst>
           </p:cNvPr>
@@ -2919,14 +2757,273 @@
         </p:blipFill>
         <p:spPr>
           <a:xfrm>
-            <a:off x="2772336" y="4517669"/>
-            <a:ext cx="6647327" cy="834451"/>
+            <a:off x="450522" y="3226381"/>
+            <a:ext cx="11277396" cy="917138"/>
           </a:xfrm>
           <a:prstGeom prst="rect">
             <a:avLst/>
           </a:prstGeom>
         </p:spPr>
       </p:pic>
+      <p:sp>
+        <p:nvSpPr>
+          <p:cNvPr id="9" name="CustomShape 3">
+            <a:extLst>
+              <a:ext uri="{FF2B5EF4-FFF2-40B4-BE49-F238E27FC236}">
+                <a16:creationId xmlns:a16="http://schemas.microsoft.com/office/drawing/2014/main" id="{33A49FE1-E933-4126-A0F3-EEA482FA842F}"/>
+              </a:ext>
+            </a:extLst>
+          </p:cNvPr>
+          <p:cNvSpPr/>
+          <p:nvPr/>
+        </p:nvSpPr>
+        <p:spPr>
+          <a:xfrm>
+            <a:off x="-15120" y="4192846"/>
+            <a:ext cx="12204360" cy="1804755"/>
+          </a:xfrm>
+          <a:prstGeom prst="rect">
+            <a:avLst/>
+          </a:prstGeom>
+          <a:noFill/>
+          <a:ln>
+            <a:noFill/>
+          </a:ln>
+        </p:spPr>
+        <p:style>
+          <a:lnRef idx="0">
+            <a:scrgbClr r="0" g="0" b="0"/>
+          </a:lnRef>
+          <a:fillRef idx="0">
+            <a:scrgbClr r="0" g="0" b="0"/>
+          </a:fillRef>
+          <a:effectRef idx="0">
+            <a:scrgbClr r="0" g="0" b="0"/>
+          </a:effectRef>
+          <a:fontRef idx="minor"/>
+        </p:style>
+        <p:txBody>
+          <a:bodyPr lIns="90000" tIns="45000" rIns="90000" bIns="45000"/>
+          <a:lstStyle/>
+          <a:p>
+            <a:pPr marL="457200" indent="-456840">
+              <a:lnSpc>
+                <a:spcPct val="150000"/>
+              </a:lnSpc>
+              <a:buClr>
+                <a:srgbClr val="FFFFFF"/>
+              </a:buClr>
+              <a:buFont typeface="Wingdings" charset="2"/>
+              <a:buChar char=""/>
+            </a:pPr>
+            <a:r>
+              <a:rPr lang="en-US" sz="2400" spc="-1" dirty="0">
+                <a:solidFill>
+                  <a:srgbClr val="FFFFFF"/>
+                </a:solidFill>
+                <a:uFill>
+                  <a:solidFill>
+                    <a:srgbClr val="FFFFFF"/>
+                  </a:solidFill>
+                </a:uFill>
+                <a:latin typeface="Lato"/>
+              </a:rPr>
+              <a:t>The </a:t>
+            </a:r>
+            <a:r>
+              <a:rPr lang="en-US" sz="2400" b="1" spc="-1" dirty="0" err="1">
+                <a:solidFill>
+                  <a:srgbClr val="FFFF00"/>
+                </a:solidFill>
+                <a:uFill>
+                  <a:solidFill>
+                    <a:srgbClr val="FFFFFF"/>
+                  </a:solidFill>
+                </a:uFill>
+                <a:latin typeface="Lato"/>
+              </a:rPr>
+              <a:t>href</a:t>
+            </a:r>
+            <a:r>
+              <a:rPr lang="en-US" sz="2400" spc="-1" dirty="0">
+                <a:solidFill>
+                  <a:srgbClr val="FFFFFF"/>
+                </a:solidFill>
+                <a:uFill>
+                  <a:solidFill>
+                    <a:srgbClr val="FFFFFF"/>
+                  </a:solidFill>
+                </a:uFill>
+                <a:latin typeface="Lato"/>
+              </a:rPr>
+              <a:t> attribute specifies the destination address. </a:t>
+            </a:r>
+            <a:r>
+              <a:rPr lang="en-US" sz="2400" b="1" spc="-1" dirty="0" err="1">
+                <a:solidFill>
+                  <a:srgbClr val="FFFF00"/>
+                </a:solidFill>
+                <a:uFill>
+                  <a:solidFill>
+                    <a:srgbClr val="FFFFFF"/>
+                  </a:solidFill>
+                </a:uFill>
+                <a:latin typeface="Lato"/>
+              </a:rPr>
+              <a:t>Href</a:t>
+            </a:r>
+            <a:r>
+              <a:rPr lang="en-US" sz="2400" spc="-1" dirty="0">
+                <a:solidFill>
+                  <a:srgbClr val="FFFFFF"/>
+                </a:solidFill>
+                <a:uFill>
+                  <a:solidFill>
+                    <a:srgbClr val="FFFFFF"/>
+                  </a:solidFill>
+                </a:uFill>
+                <a:latin typeface="Lato"/>
+              </a:rPr>
+              <a:t> is stand for </a:t>
+            </a:r>
+            <a:r>
+              <a:rPr lang="en-US" sz="2400" spc="-1" dirty="0" err="1">
+                <a:solidFill>
+                  <a:srgbClr val="FFFFFF"/>
+                </a:solidFill>
+                <a:uFill>
+                  <a:solidFill>
+                    <a:srgbClr val="FFFFFF"/>
+                  </a:solidFill>
+                </a:uFill>
+                <a:latin typeface="Lato"/>
+              </a:rPr>
+              <a:t>HyperText</a:t>
+            </a:r>
+            <a:r>
+              <a:rPr lang="en-US" sz="2400" spc="-1" dirty="0">
+                <a:solidFill>
+                  <a:srgbClr val="FFFFFF"/>
+                </a:solidFill>
+                <a:uFill>
+                  <a:solidFill>
+                    <a:srgbClr val="FFFFFF"/>
+                  </a:solidFill>
+                </a:uFill>
+                <a:latin typeface="Lato"/>
+              </a:rPr>
+              <a:t> Reference.</a:t>
+            </a:r>
+          </a:p>
+          <a:p>
+            <a:pPr marL="457200" indent="-456840">
+              <a:lnSpc>
+                <a:spcPct val="150000"/>
+              </a:lnSpc>
+              <a:buClr>
+                <a:srgbClr val="FFFFFF"/>
+              </a:buClr>
+              <a:buFont typeface="Wingdings" charset="2"/>
+              <a:buChar char=""/>
+            </a:pPr>
+            <a:r>
+              <a:rPr lang="en-US" sz="2400" b="0" strike="noStrike" spc="-1" dirty="0">
+                <a:solidFill>
+                  <a:srgbClr val="FFFFFF"/>
+                </a:solidFill>
+                <a:uFill>
+                  <a:solidFill>
+                    <a:srgbClr val="FFFFFF"/>
+                  </a:solidFill>
+                </a:uFill>
+                <a:latin typeface="Lato"/>
+              </a:rPr>
+              <a:t>The </a:t>
+            </a:r>
+            <a:r>
+              <a:rPr lang="en-US" sz="2400" b="1" strike="noStrike" spc="-1" dirty="0">
+                <a:solidFill>
+                  <a:srgbClr val="FFFF00"/>
+                </a:solidFill>
+                <a:uFill>
+                  <a:solidFill>
+                    <a:srgbClr val="FFFFFF"/>
+                  </a:solidFill>
+                </a:uFill>
+                <a:latin typeface="Lato"/>
+              </a:rPr>
+              <a:t>target=“</a:t>
+            </a:r>
+            <a:r>
+              <a:rPr lang="en-US" sz="2400" b="1" spc="-1" dirty="0">
+                <a:solidFill>
+                  <a:srgbClr val="FFFF00"/>
+                </a:solidFill>
+                <a:uFill>
+                  <a:solidFill>
+                    <a:srgbClr val="FFFFFF"/>
+                  </a:solidFill>
+                </a:uFill>
+                <a:latin typeface="Lato"/>
+              </a:rPr>
+              <a:t>_blank</a:t>
+            </a:r>
+            <a:r>
+              <a:rPr lang="en-US" sz="2400" b="1" strike="noStrike" spc="-1" dirty="0">
+                <a:solidFill>
+                  <a:srgbClr val="FFFF00"/>
+                </a:solidFill>
+                <a:uFill>
+                  <a:solidFill>
+                    <a:srgbClr val="FFFFFF"/>
+                  </a:solidFill>
+                </a:uFill>
+                <a:latin typeface="Lato"/>
+              </a:rPr>
+              <a:t>”</a:t>
+            </a:r>
+            <a:r>
+              <a:rPr lang="en-US" sz="2400" b="0" strike="noStrike" spc="-1" dirty="0">
+                <a:solidFill>
+                  <a:srgbClr val="FFFFFF"/>
+                </a:solidFill>
+                <a:uFill>
+                  <a:solidFill>
+                    <a:srgbClr val="FFFFFF"/>
+                  </a:solidFill>
+                </a:uFill>
+                <a:latin typeface="Lato"/>
+              </a:rPr>
+              <a:t> attribute </a:t>
+            </a:r>
+            <a:r>
+              <a:rPr lang="en-US" sz="2400" spc="-1" dirty="0">
+                <a:solidFill>
+                  <a:srgbClr val="FFFFFF"/>
+                </a:solidFill>
+                <a:uFill>
+                  <a:solidFill>
+                    <a:srgbClr val="FFFFFF"/>
+                  </a:solidFill>
+                </a:uFill>
+                <a:latin typeface="Lato"/>
+              </a:rPr>
+              <a:t>specifies open new window in browser.</a:t>
+            </a:r>
+            <a:endParaRPr lang="en-US" sz="1800" b="0" strike="noStrike" spc="-1" dirty="0">
+              <a:solidFill>
+                <a:srgbClr val="000000"/>
+              </a:solidFill>
+              <a:uFill>
+                <a:solidFill>
+                  <a:srgbClr val="FFFFFF"/>
+                </a:solidFill>
+              </a:uFill>
+              <a:latin typeface="Arial"/>
+            </a:endParaRPr>
+          </a:p>
+        </p:txBody>
+      </p:sp>
     </p:spTree>
   </p:cSld>
   <p:clrMapOvr>
@@ -2981,7 +3078,7 @@
       </p:grpSpPr>
       <p:sp>
         <p:nvSpPr>
-          <p:cNvPr id="89" name="CustomShape 1"/>
+          <p:cNvPr id="82" name="CustomShape 1"/>
           <p:cNvSpPr/>
           <p:nvPr/>
         </p:nvSpPr>
@@ -3017,14 +3114,14 @@
       </p:sp>
       <p:sp>
         <p:nvSpPr>
-          <p:cNvPr id="90" name="CustomShape 2"/>
+          <p:cNvPr id="83" name="CustomShape 2"/>
           <p:cNvSpPr/>
           <p:nvPr/>
         </p:nvSpPr>
         <p:spPr>
           <a:xfrm>
-            <a:off x="1560" y="859680"/>
-            <a:ext cx="12188640" cy="639000"/>
+            <a:off x="-240" y="859680"/>
+            <a:ext cx="12192240" cy="639000"/>
           </a:xfrm>
           <a:prstGeom prst="rect">
             <a:avLst/>
@@ -3067,7 +3164,7 @@
                 </a:uFill>
                 <a:latin typeface="Lato"/>
               </a:rPr>
-              <a:t>HTML LISTS</a:t>
+              <a:t>HTML IMAGES</a:t>
             </a:r>
             <a:endParaRPr lang="en-US" sz="1800" b="0" strike="noStrike" spc="-1" dirty="0">
               <a:solidFill>
@@ -3085,46 +3182,7 @@
       </p:sp>
       <p:sp>
         <p:nvSpPr>
-          <p:cNvPr id="92" name="Line 4"/>
-          <p:cNvSpPr/>
-          <p:nvPr/>
-        </p:nvSpPr>
-        <p:spPr>
-          <a:xfrm>
-            <a:off x="0" y="1505880"/>
-            <a:ext cx="12191760" cy="360"/>
-          </a:xfrm>
-          <a:prstGeom prst="line">
-            <a:avLst/>
-          </a:prstGeom>
-          <a:ln>
-            <a:solidFill>
-              <a:schemeClr val="bg1"/>
-            </a:solidFill>
-          </a:ln>
-        </p:spPr>
-        <p:style>
-          <a:lnRef idx="1">
-            <a:schemeClr val="accent1"/>
-          </a:lnRef>
-          <a:fillRef idx="0">
-            <a:schemeClr val="accent1"/>
-          </a:fillRef>
-          <a:effectRef idx="0">
-            <a:schemeClr val="accent1"/>
-          </a:effectRef>
-          <a:fontRef idx="minor"/>
-        </p:style>
-      </p:sp>
-      <p:sp>
-        <p:nvSpPr>
-          <p:cNvPr id="9" name="CustomShape 3">
-            <a:extLst>
-              <a:ext uri="{FF2B5EF4-FFF2-40B4-BE49-F238E27FC236}">
-                <a16:creationId xmlns:a16="http://schemas.microsoft.com/office/drawing/2014/main" id="{B6D9F6FD-7C82-4934-8B3C-72E97DCF8E44}"/>
-              </a:ext>
-            </a:extLst>
-          </p:cNvPr>
+          <p:cNvPr id="84" name="CustomShape 3"/>
           <p:cNvSpPr/>
           <p:nvPr/>
         </p:nvSpPr>
@@ -3158,6 +3216,9 @@
           <a:lstStyle/>
           <a:p>
             <a:pPr marL="457200" indent="-456840">
+              <a:lnSpc>
+                <a:spcPct val="150000"/>
+              </a:lnSpc>
               <a:buClr>
                 <a:srgbClr val="FFFFFF"/>
               </a:buClr>
@@ -3176,7 +3237,7 @@
                 </a:uFill>
                 <a:latin typeface="Lato"/>
               </a:rPr>
-              <a:t>There are 2 types of HTML List element : </a:t>
+              <a:t>IN HTML, images are defined with the </a:t>
             </a:r>
             <a:r>
               <a:rPr lang="en-US" sz="2400" b="1" strike="noStrike" spc="-1" dirty="0">
@@ -3190,7 +3251,35 @@
                 </a:uFill>
                 <a:latin typeface="Lato"/>
               </a:rPr>
-              <a:t>Unordered List </a:t>
+              <a:t>&lt;</a:t>
+            </a:r>
+            <a:r>
+              <a:rPr lang="en-US" sz="2400" b="1" strike="noStrike" spc="-1" dirty="0" err="1">
+                <a:solidFill>
+                  <a:srgbClr val="FFFF00"/>
+                </a:solidFill>
+                <a:uFill>
+                  <a:solidFill>
+                    <a:srgbClr val="FFFFFF"/>
+                  </a:solidFill>
+                </a:uFill>
+                <a:latin typeface="Lato"/>
+              </a:rPr>
+              <a:t>img</a:t>
+            </a:r>
+            <a:r>
+              <a:rPr lang="en-US" sz="2400" b="1" strike="noStrike" spc="-1" dirty="0">
+                <a:solidFill>
+                  <a:srgbClr val="FFFF00"/>
+                </a:solidFill>
+                <a:uFill>
+                  <a:solidFill>
+                    <a:srgbClr val="FFFFFF"/>
+                  </a:solidFill>
+                </a:uFill>
+                <a:latin typeface="Lato"/>
+              </a:rPr>
+              <a:t>&gt; </a:t>
             </a:r>
             <a:r>
               <a:rPr lang="en-US" sz="2400" b="0" strike="noStrike" spc="-1" dirty="0">
@@ -3204,39 +3293,14 @@
                 </a:uFill>
                 <a:latin typeface="Lato"/>
               </a:rPr>
-              <a:t>and </a:t>
-            </a:r>
-            <a:r>
-              <a:rPr lang="en-US" sz="2400" b="1" strike="noStrike" spc="-1" dirty="0">
-                <a:solidFill>
-                  <a:srgbClr val="FFFF00"/>
-                </a:solidFill>
-                <a:uFill>
-                  <a:solidFill>
-                    <a:srgbClr val="FFFFFF"/>
-                  </a:solidFill>
-                </a:uFill>
-                <a:latin typeface="Lato"/>
-              </a:rPr>
-              <a:t>Ordered List</a:t>
-            </a:r>
-            <a:r>
-              <a:rPr lang="en-US" sz="2400" b="0" strike="noStrike" spc="-1" dirty="0">
-                <a:solidFill>
-                  <a:srgbClr val="FFFFFF"/>
-                </a:solidFill>
-                <a:uFill>
-                  <a:solidFill>
-                    <a:srgbClr val="FFFFFF"/>
-                  </a:solidFill>
-                </a:uFill>
-                <a:latin typeface="Lato"/>
-              </a:rPr>
-              <a:t>.</a:t>
+              <a:t>tag.</a:t>
             </a:r>
           </a:p>
           <a:p>
             <a:pPr marL="457200" indent="-456840">
+              <a:lnSpc>
+                <a:spcPct val="150000"/>
+              </a:lnSpc>
               <a:buClr>
                 <a:srgbClr val="FFFFFF"/>
               </a:buClr>
@@ -3255,7 +3319,7 @@
                 </a:uFill>
                 <a:latin typeface="Lato"/>
               </a:rPr>
-              <a:t>An </a:t>
+              <a:t>The </a:t>
             </a:r>
             <a:r>
               <a:rPr lang="en-US" sz="2400" b="1" spc="-1" dirty="0">
@@ -3269,7 +3333,35 @@
                 </a:uFill>
                 <a:latin typeface="Lato"/>
               </a:rPr>
-              <a:t>unordered list</a:t>
+              <a:t>&lt;</a:t>
+            </a:r>
+            <a:r>
+              <a:rPr lang="en-US" sz="2400" b="1" spc="-1" dirty="0" err="1">
+                <a:solidFill>
+                  <a:srgbClr val="FFFF00"/>
+                </a:solidFill>
+                <a:uFill>
+                  <a:solidFill>
+                    <a:srgbClr val="FFFFFF"/>
+                  </a:solidFill>
+                </a:uFill>
+                <a:latin typeface="Lato"/>
+              </a:rPr>
+              <a:t>img</a:t>
+            </a:r>
+            <a:r>
+              <a:rPr lang="en-US" sz="2400" b="1" spc="-1" dirty="0">
+                <a:solidFill>
+                  <a:srgbClr val="FFFF00"/>
+                </a:solidFill>
+                <a:uFill>
+                  <a:solidFill>
+                    <a:srgbClr val="FFFFFF"/>
+                  </a:solidFill>
+                </a:uFill>
+                <a:latin typeface="Lato"/>
+              </a:rPr>
+              <a:t>&gt;</a:t>
             </a:r>
             <a:r>
               <a:rPr lang="en-US" sz="2400" spc="-1" dirty="0">
@@ -3283,151 +3375,14 @@
                 </a:uFill>
                 <a:latin typeface="Lato"/>
               </a:rPr>
-              <a:t> is using the </a:t>
-            </a:r>
-            <a:r>
-              <a:rPr lang="en-US" sz="2400" b="1" spc="-1" dirty="0">
-                <a:solidFill>
-                  <a:srgbClr val="FFFF00"/>
-                </a:solidFill>
-                <a:uFill>
-                  <a:solidFill>
-                    <a:srgbClr val="FFFFFF"/>
-                  </a:solidFill>
-                </a:uFill>
-                <a:latin typeface="Lato"/>
-              </a:rPr>
-              <a:t>&lt;ul&gt; &lt;/ul&gt; </a:t>
-            </a:r>
-            <a:r>
-              <a:rPr lang="en-US" sz="2400" spc="-1" dirty="0">
-                <a:solidFill>
-                  <a:srgbClr val="FFFFFF"/>
-                </a:solidFill>
-                <a:uFill>
-                  <a:solidFill>
-                    <a:srgbClr val="FFFFFF"/>
-                  </a:solidFill>
-                </a:uFill>
-                <a:latin typeface="Lato"/>
-              </a:rPr>
-              <a:t>tag and an </a:t>
-            </a:r>
-            <a:r>
-              <a:rPr lang="en-US" sz="2400" b="1" spc="-1" dirty="0">
-                <a:solidFill>
-                  <a:srgbClr val="FFFF00"/>
-                </a:solidFill>
-                <a:uFill>
-                  <a:solidFill>
-                    <a:srgbClr val="FFFFFF"/>
-                  </a:solidFill>
-                </a:uFill>
-                <a:latin typeface="Lato"/>
-              </a:rPr>
-              <a:t>ordered list </a:t>
-            </a:r>
-            <a:r>
-              <a:rPr lang="en-US" sz="2400" spc="-1" dirty="0">
-                <a:solidFill>
-                  <a:srgbClr val="FFFFFF"/>
-                </a:solidFill>
-                <a:uFill>
-                  <a:solidFill>
-                    <a:srgbClr val="FFFFFF"/>
-                  </a:solidFill>
-                </a:uFill>
-                <a:latin typeface="Lato"/>
-              </a:rPr>
-              <a:t>use the </a:t>
-            </a:r>
-            <a:r>
-              <a:rPr lang="en-US" sz="2400" b="1" spc="-1" dirty="0">
-                <a:solidFill>
-                  <a:srgbClr val="FFFF00"/>
-                </a:solidFill>
-                <a:uFill>
-                  <a:solidFill>
-                    <a:srgbClr val="FFFFFF"/>
-                  </a:solidFill>
-                </a:uFill>
-                <a:latin typeface="Lato"/>
-              </a:rPr>
-              <a:t>&lt;</a:t>
-            </a:r>
-            <a:r>
-              <a:rPr lang="en-US" sz="2400" b="1" spc="-1" dirty="0" err="1">
-                <a:solidFill>
-                  <a:srgbClr val="FFFF00"/>
-                </a:solidFill>
-                <a:uFill>
-                  <a:solidFill>
-                    <a:srgbClr val="FFFFFF"/>
-                  </a:solidFill>
-                </a:uFill>
-                <a:latin typeface="Lato"/>
-              </a:rPr>
-              <a:t>ol</a:t>
-            </a:r>
-            <a:r>
-              <a:rPr lang="en-US" sz="2400" b="1" spc="-1" dirty="0">
-                <a:solidFill>
-                  <a:srgbClr val="FFFF00"/>
-                </a:solidFill>
-                <a:uFill>
-                  <a:solidFill>
-                    <a:srgbClr val="FFFFFF"/>
-                  </a:solidFill>
-                </a:uFill>
-                <a:latin typeface="Lato"/>
-              </a:rPr>
-              <a:t>&gt; &lt;/</a:t>
-            </a:r>
-            <a:r>
-              <a:rPr lang="en-US" sz="2400" b="1" spc="-1" dirty="0" err="1">
-                <a:solidFill>
-                  <a:srgbClr val="FFFF00"/>
-                </a:solidFill>
-                <a:uFill>
-                  <a:solidFill>
-                    <a:srgbClr val="FFFFFF"/>
-                  </a:solidFill>
-                </a:uFill>
-                <a:latin typeface="Lato"/>
-              </a:rPr>
-              <a:t>ol</a:t>
-            </a:r>
-            <a:r>
-              <a:rPr lang="en-US" sz="2400" b="1" spc="-1" dirty="0">
-                <a:solidFill>
-                  <a:srgbClr val="FFFF00"/>
-                </a:solidFill>
-                <a:uFill>
-                  <a:solidFill>
-                    <a:srgbClr val="FFFFFF"/>
-                  </a:solidFill>
-                </a:uFill>
-                <a:latin typeface="Lato"/>
-              </a:rPr>
-              <a:t>&gt; </a:t>
-            </a:r>
-            <a:r>
-              <a:rPr lang="en-US" sz="2400" spc="-1" dirty="0">
-                <a:solidFill>
-                  <a:srgbClr val="FFFFFF"/>
-                </a:solidFill>
-                <a:uFill>
-                  <a:solidFill>
-                    <a:srgbClr val="FFFFFF"/>
-                  </a:solidFill>
-                </a:uFill>
-                <a:latin typeface="Lato"/>
-              </a:rPr>
-              <a:t>tag.</a:t>
+              <a:t> tag is empty, it contains attributes and does not have a closing tag.</a:t>
             </a:r>
           </a:p>
           <a:p>
             <a:pPr marL="457200" indent="-456840">
+              <a:lnSpc>
+                <a:spcPct val="150000"/>
+              </a:lnSpc>
               <a:buClr>
                 <a:srgbClr val="FFFFFF"/>
               </a:buClr>
@@ -3446,7 +3401,61 @@
                 </a:uFill>
                 <a:latin typeface="Lato"/>
               </a:rPr>
-              <a:t>Each list item inside them is using the </a:t>
+              <a:t>The </a:t>
+            </a:r>
+            <a:r>
+              <a:rPr lang="en-US" sz="2400" b="1" spc="-1" dirty="0" err="1">
+                <a:solidFill>
+                  <a:srgbClr val="FFFF00"/>
+                </a:solidFill>
+                <a:uFill>
+                  <a:solidFill>
+                    <a:srgbClr val="FFFFFF"/>
+                  </a:solidFill>
+                </a:uFill>
+                <a:latin typeface="Lato"/>
+              </a:rPr>
+              <a:t>src</a:t>
+            </a:r>
+            <a:r>
+              <a:rPr lang="en-US" sz="2400" spc="-1" dirty="0">
+                <a:solidFill>
+                  <a:srgbClr val="FFFFFF"/>
+                </a:solidFill>
+                <a:uFill>
+                  <a:solidFill>
+                    <a:srgbClr val="FFFFFF"/>
+                  </a:solidFill>
+                </a:uFill>
+                <a:latin typeface="Lato"/>
+              </a:rPr>
+              <a:t> attribute specifies URL of the image.</a:t>
+            </a:r>
+          </a:p>
+          <a:p>
+            <a:pPr marL="457200" indent="-456840">
+              <a:lnSpc>
+                <a:spcPct val="150000"/>
+              </a:lnSpc>
+              <a:buClr>
+                <a:srgbClr val="FFFFFF"/>
+              </a:buClr>
+              <a:buFont typeface="Wingdings" charset="2"/>
+              <a:buChar char=""/>
+            </a:pPr>
+            <a:r>
+              <a:rPr lang="en-US" sz="2400" b="0" strike="noStrike" spc="-1" dirty="0">
+                <a:solidFill>
+                  <a:srgbClr val="FFFFFF"/>
+                </a:solidFill>
+                <a:uFill>
+                  <a:solidFill>
+                    <a:srgbClr val="FFFFFF"/>
+                  </a:solidFill>
+                </a:uFill>
+                <a:latin typeface="Lato"/>
+              </a:rPr>
+              <a:t>The </a:t>
             </a:r>
             <a:r>
               <a:rPr lang="en-US" sz="2400" b="1" strike="noStrike" spc="-1" dirty="0">
@@ -3460,21 +3469,35 @@
                 </a:uFill>
                 <a:latin typeface="Lato"/>
               </a:rPr>
-              <a:t>&lt;li&gt; &lt;/li&gt; </a:t>
-            </a:r>
-            <a:r>
-              <a:rPr lang="en-US" sz="2400" b="0" strike="noStrike" spc="-1" dirty="0">
-                <a:solidFill>
-                  <a:srgbClr val="FFFFFF"/>
-                </a:solidFill>
-                <a:uFill>
-                  <a:solidFill>
-                    <a:srgbClr val="FFFFFF"/>
-                  </a:solidFill>
-                </a:uFill>
-                <a:latin typeface="Lato"/>
-              </a:rPr>
-              <a:t>tag.</a:t>
+              <a:t>a</a:t>
+            </a:r>
+            <a:r>
+              <a:rPr lang="en-US" sz="2400" b="1" spc="-1" dirty="0">
+                <a:solidFill>
+                  <a:srgbClr val="FFFF00"/>
+                </a:solidFill>
+                <a:uFill>
+                  <a:solidFill>
+                    <a:srgbClr val="FFFFFF"/>
+                  </a:solidFill>
+                </a:uFill>
+                <a:latin typeface="Lato"/>
+              </a:rPr>
+              <a:t>lt</a:t>
+            </a:r>
+            <a:r>
+              <a:rPr lang="en-US" sz="2400" spc="-1" dirty="0">
+                <a:solidFill>
+                  <a:srgbClr val="FFFFFF"/>
+                </a:solidFill>
+                <a:uFill>
+                  <a:solidFill>
+                    <a:srgbClr val="FFFFFF"/>
+                  </a:solidFill>
+                </a:uFill>
+                <a:latin typeface="Lato"/>
+              </a:rPr>
+              <a:t> attribute provides an alternate text for an image.</a:t>
             </a:r>
             <a:endParaRPr lang="en-US" sz="1800" b="0" strike="noStrike" spc="-1" dirty="0">
               <a:solidFill>
@@ -3489,13 +3512,46 @@
             </a:endParaRPr>
           </a:p>
         </p:txBody>
+      </p:sp>
+      <p:sp>
+        <p:nvSpPr>
+          <p:cNvPr id="85" name="Line 4"/>
+          <p:cNvSpPr/>
+          <p:nvPr/>
+        </p:nvSpPr>
+        <p:spPr>
+          <a:xfrm>
+            <a:off x="0" y="1505880"/>
+            <a:ext cx="12191760" cy="360"/>
+          </a:xfrm>
+          <a:prstGeom prst="line">
+            <a:avLst/>
+          </a:prstGeom>
+          <a:ln>
+            <a:solidFill>
+              <a:schemeClr val="bg1"/>
+            </a:solidFill>
+          </a:ln>
+        </p:spPr>
+        <p:style>
+          <a:lnRef idx="1">
+            <a:schemeClr val="accent1"/>
+          </a:lnRef>
+          <a:fillRef idx="0">
+            <a:schemeClr val="accent1"/>
+          </a:fillRef>
+          <a:effectRef idx="0">
+            <a:schemeClr val="accent1"/>
+          </a:effectRef>
+          <a:fontRef idx="minor"/>
+        </p:style>
       </p:sp>
       <p:pic>
         <p:nvPicPr>
           <p:cNvPr id="3" name="Picture 2">
             <a:extLst>
               <a:ext uri="{FF2B5EF4-FFF2-40B4-BE49-F238E27FC236}">
-                <a16:creationId xmlns:a16="http://schemas.microsoft.com/office/drawing/2014/main" id="{89E7B927-2B74-45E2-B2EB-8CC5F0F96D7D}"/>
+                <a16:creationId xmlns:a16="http://schemas.microsoft.com/office/drawing/2014/main" id="{A3695B17-D278-413E-B879-0FBEE5CE5038}"/>
               </a:ext>
             </a:extLst>
           </p:cNvPr>
@@ -3518,80 +3574,8 @@
         </p:blipFill>
         <p:spPr>
           <a:xfrm>
-            <a:off x="123385" y="3472430"/>
-            <a:ext cx="6173061" cy="2295845"/>
-          </a:xfrm>
-          <a:prstGeom prst="rect">
-            <a:avLst/>
-          </a:prstGeom>
-        </p:spPr>
-      </p:pic>
-      <p:pic>
-        <p:nvPicPr>
-          <p:cNvPr id="5" name="Picture 4">
-            <a:extLst>
-              <a:ext uri="{FF2B5EF4-FFF2-40B4-BE49-F238E27FC236}">
-                <a16:creationId xmlns:a16="http://schemas.microsoft.com/office/drawing/2014/main" id="{919D4818-8186-48A1-9CE2-FF482E241BEE}"/>
-              </a:ext>
-            </a:extLst>
-          </p:cNvPr>
-          <p:cNvPicPr>
-            <a:picLocks noChangeAspect="1"/>
-          </p:cNvPicPr>
-          <p:nvPr/>
-        </p:nvPicPr>
-        <p:blipFill>
-          <a:blip r:embed="rId3">
-            <a:extLst>
-              <a:ext uri="{28A0092B-C50C-407E-A947-70E740481C1C}">
-                <a14:useLocalDpi xmlns:a14="http://schemas.microsoft.com/office/drawing/2010/main" val="0"/>
-              </a:ext>
-            </a:extLst>
-          </a:blip>
-          <a:stretch>
-            <a:fillRect/>
-          </a:stretch>
-        </p:blipFill>
-        <p:spPr>
-          <a:xfrm>
-            <a:off x="6388849" y="3472430"/>
-            <a:ext cx="2812291" cy="2294237"/>
-          </a:xfrm>
-          <a:prstGeom prst="rect">
-            <a:avLst/>
-          </a:prstGeom>
-        </p:spPr>
-      </p:pic>
-      <p:pic>
-        <p:nvPicPr>
-          <p:cNvPr id="10" name="Picture 9">
-            <a:extLst>
-              <a:ext uri="{FF2B5EF4-FFF2-40B4-BE49-F238E27FC236}">
-                <a16:creationId xmlns:a16="http://schemas.microsoft.com/office/drawing/2014/main" id="{2BA34129-D7A6-42E4-8965-401995776B4B}"/>
-              </a:ext>
-            </a:extLst>
-          </p:cNvPr>
-          <p:cNvPicPr>
-            <a:picLocks noChangeAspect="1"/>
-          </p:cNvPicPr>
-          <p:nvPr/>
-        </p:nvPicPr>
-        <p:blipFill>
-          <a:blip r:embed="rId4">
-            <a:extLst>
-              <a:ext uri="{28A0092B-C50C-407E-A947-70E740481C1C}">
-                <a14:useLocalDpi xmlns:a14="http://schemas.microsoft.com/office/drawing/2010/main" val="0"/>
-              </a:ext>
-            </a:extLst>
-          </a:blip>
-          <a:stretch>
-            <a:fillRect/>
-          </a:stretch>
-        </p:blipFill>
-        <p:spPr>
-          <a:xfrm>
-            <a:off x="9317238" y="3472430"/>
-            <a:ext cx="2743572" cy="2288836"/>
+            <a:off x="2772336" y="4517669"/>
+            <a:ext cx="6647327" cy="834451"/>
           </a:xfrm>
           <a:prstGeom prst="rect">
             <a:avLst/>
@@ -3652,7 +3636,7 @@
       </p:grpSpPr>
       <p:sp>
         <p:nvSpPr>
-          <p:cNvPr id="96" name="CustomShape 1"/>
+          <p:cNvPr id="89" name="CustomShape 1"/>
           <p:cNvSpPr/>
           <p:nvPr/>
         </p:nvSpPr>
@@ -3688,7 +3672,7 @@
       </p:sp>
       <p:sp>
         <p:nvSpPr>
-          <p:cNvPr id="97" name="CustomShape 2"/>
+          <p:cNvPr id="90" name="CustomShape 2"/>
           <p:cNvSpPr/>
           <p:nvPr/>
         </p:nvSpPr>
@@ -3738,7 +3722,7 @@
                 </a:uFill>
                 <a:latin typeface="Lato"/>
               </a:rPr>
-              <a:t>HTML TABLE</a:t>
+              <a:t>HTML LISTS</a:t>
             </a:r>
             <a:endParaRPr lang="en-US" sz="1800" b="0" strike="noStrike" spc="-1" dirty="0">
               <a:solidFill>
@@ -3756,14 +3740,53 @@
       </p:sp>
       <p:sp>
         <p:nvSpPr>
-          <p:cNvPr id="98" name="CustomShape 3"/>
+          <p:cNvPr id="92" name="Line 4"/>
           <p:cNvSpPr/>
           <p:nvPr/>
         </p:nvSpPr>
         <p:spPr>
           <a:xfrm>
+            <a:off x="0" y="1505880"/>
+            <a:ext cx="12191760" cy="360"/>
+          </a:xfrm>
+          <a:prstGeom prst="line">
+            <a:avLst/>
+          </a:prstGeom>
+          <a:ln>
+            <a:solidFill>
+              <a:schemeClr val="bg1"/>
+            </a:solidFill>
+          </a:ln>
+        </p:spPr>
+        <p:style>
+          <a:lnRef idx="1">
+            <a:schemeClr val="accent1"/>
+          </a:lnRef>
+          <a:fillRef idx="0">
+            <a:schemeClr val="accent1"/>
+          </a:fillRef>
+          <a:effectRef idx="0">
+            <a:schemeClr val="accent1"/>
+          </a:effectRef>
+          <a:fontRef idx="minor"/>
+        </p:style>
+      </p:sp>
+      <p:sp>
+        <p:nvSpPr>
+          <p:cNvPr id="9" name="CustomShape 3">
+            <a:extLst>
+              <a:ext uri="{FF2B5EF4-FFF2-40B4-BE49-F238E27FC236}">
+                <a16:creationId xmlns:a16="http://schemas.microsoft.com/office/drawing/2014/main" id="{B6D9F6FD-7C82-4934-8B3C-72E97DCF8E44}"/>
+              </a:ext>
+            </a:extLst>
+          </p:cNvPr>
+          <p:cNvSpPr/>
+          <p:nvPr/>
+        </p:nvSpPr>
+        <p:spPr>
+          <a:xfrm>
             <a:off x="-12960" y="1505880"/>
-            <a:ext cx="12204360" cy="2257436"/>
+            <a:ext cx="12204360" cy="2655606"/>
           </a:xfrm>
           <a:prstGeom prst="rect">
             <a:avLst/>
@@ -3790,9 +3813,6 @@
           <a:lstStyle/>
           <a:p>
             <a:pPr marL="457200" indent="-456840">
-              <a:lnSpc>
-                <a:spcPct val="150000"/>
-              </a:lnSpc>
               <a:buClr>
                 <a:srgbClr val="FFFFFF"/>
               </a:buClr>
@@ -3811,7 +3831,7 @@
                 </a:uFill>
                 <a:latin typeface="Lato"/>
               </a:rPr>
-              <a:t>An HTML </a:t>
+              <a:t>There are 2 types of HTML List element : </a:t>
             </a:r>
             <a:r>
               <a:rPr lang="en-US" sz="2400" b="1" strike="noStrike" spc="-1" dirty="0">
@@ -3825,7 +3845,7 @@
                 </a:uFill>
                 <a:latin typeface="Lato"/>
               </a:rPr>
-              <a:t>Table</a:t>
+              <a:t>Unordered List </a:t>
             </a:r>
             <a:r>
               <a:rPr lang="en-US" sz="2400" b="0" strike="noStrike" spc="-1" dirty="0">
@@ -3839,7 +3859,7 @@
                 </a:uFill>
                 <a:latin typeface="Lato"/>
               </a:rPr>
-              <a:t> is defined with the </a:t>
+              <a:t>and </a:t>
             </a:r>
             <a:r>
               <a:rPr lang="en-US" sz="2400" b="1" strike="noStrike" spc="-1" dirty="0">
@@ -3853,7 +3873,7 @@
                 </a:uFill>
                 <a:latin typeface="Lato"/>
               </a:rPr>
-              <a:t>&lt;table&gt; &lt;/table&gt;</a:t>
+              <a:t>Ordered List</a:t>
             </a:r>
             <a:r>
               <a:rPr lang="en-US" sz="2400" b="0" strike="noStrike" spc="-1" dirty="0">
@@ -3867,14 +3887,11 @@
                 </a:uFill>
                 <a:latin typeface="Lato"/>
               </a:rPr>
-              <a:t> tag.</a:t>
+              <a:t>.</a:t>
             </a:r>
           </a:p>
           <a:p>
             <a:pPr marL="457200" indent="-456840">
-              <a:lnSpc>
-                <a:spcPct val="150000"/>
-              </a:lnSpc>
               <a:buClr>
                 <a:srgbClr val="FFFFFF"/>
               </a:buClr>
@@ -3893,7 +3910,7 @@
                 </a:uFill>
                 <a:latin typeface="Lato"/>
               </a:rPr>
-              <a:t>Table </a:t>
+              <a:t>An </a:t>
             </a:r>
             <a:r>
               <a:rPr lang="en-US" sz="2400" b="1" spc="-1" dirty="0">
@@ -3907,7 +3924,7 @@
                 </a:uFill>
                 <a:latin typeface="Lato"/>
               </a:rPr>
-              <a:t>Row</a:t>
+              <a:t>unordered list</a:t>
             </a:r>
             <a:r>
               <a:rPr lang="en-US" sz="2400" spc="-1" dirty="0">
@@ -3921,7 +3938,7 @@
                 </a:uFill>
                 <a:latin typeface="Lato"/>
               </a:rPr>
-              <a:t> is defined with the </a:t>
+              <a:t> is using the </a:t>
             </a:r>
             <a:r>
               <a:rPr lang="en-US" sz="2400" b="1" spc="-1" dirty="0">
@@ -3935,7 +3952,7 @@
                 </a:uFill>
                 <a:latin typeface="Lato"/>
               </a:rPr>
-              <a:t>&lt;tr&gt; &lt;/tr&gt;</a:t>
+              <a:t>&lt;ul&gt; &lt;/ul&gt; </a:t>
             </a:r>
             <a:r>
               <a:rPr lang="en-US" sz="2400" spc="-1" dirty="0">
@@ -3949,14 +3966,123 @@
                 </a:uFill>
                 <a:latin typeface="Lato"/>
               </a:rPr>
-              <a:t> tag.</a:t>
+              <a:t>tag and an </a:t>
+            </a:r>
+            <a:r>
+              <a:rPr lang="en-US" sz="2400" b="1" spc="-1" dirty="0">
+                <a:solidFill>
+                  <a:srgbClr val="FFFF00"/>
+                </a:solidFill>
+                <a:uFill>
+                  <a:solidFill>
+                    <a:srgbClr val="FFFFFF"/>
+                  </a:solidFill>
+                </a:uFill>
+                <a:latin typeface="Lato"/>
+              </a:rPr>
+              <a:t>ordered list </a:t>
+            </a:r>
+            <a:r>
+              <a:rPr lang="en-US" sz="2400" spc="-1" dirty="0">
+                <a:solidFill>
+                  <a:srgbClr val="FFFFFF"/>
+                </a:solidFill>
+                <a:uFill>
+                  <a:solidFill>
+                    <a:srgbClr val="FFFFFF"/>
+                  </a:solidFill>
+                </a:uFill>
+                <a:latin typeface="Lato"/>
+              </a:rPr>
+              <a:t>use the </a:t>
+            </a:r>
+            <a:r>
+              <a:rPr lang="en-US" sz="2400" b="1" spc="-1" dirty="0">
+                <a:solidFill>
+                  <a:srgbClr val="FFFF00"/>
+                </a:solidFill>
+                <a:uFill>
+                  <a:solidFill>
+                    <a:srgbClr val="FFFFFF"/>
+                  </a:solidFill>
+                </a:uFill>
+                <a:latin typeface="Lato"/>
+              </a:rPr>
+              <a:t>&lt;</a:t>
+            </a:r>
+            <a:r>
+              <a:rPr lang="en-US" sz="2400" b="1" spc="-1" dirty="0" err="1">
+                <a:solidFill>
+                  <a:srgbClr val="FFFF00"/>
+                </a:solidFill>
+                <a:uFill>
+                  <a:solidFill>
+                    <a:srgbClr val="FFFFFF"/>
+                  </a:solidFill>
+                </a:uFill>
+                <a:latin typeface="Lato"/>
+              </a:rPr>
+              <a:t>ol</a:t>
+            </a:r>
+            <a:r>
+              <a:rPr lang="en-US" sz="2400" b="1" spc="-1" dirty="0">
+                <a:solidFill>
+                  <a:srgbClr val="FFFF00"/>
+                </a:solidFill>
+                <a:uFill>
+                  <a:solidFill>
+                    <a:srgbClr val="FFFFFF"/>
+                  </a:solidFill>
+                </a:uFill>
+                <a:latin typeface="Lato"/>
+              </a:rPr>
+              <a:t>&gt; &lt;/</a:t>
+            </a:r>
+            <a:r>
+              <a:rPr lang="en-US" sz="2400" b="1" spc="-1" dirty="0" err="1">
+                <a:solidFill>
+                  <a:srgbClr val="FFFF00"/>
+                </a:solidFill>
+                <a:uFill>
+                  <a:solidFill>
+                    <a:srgbClr val="FFFFFF"/>
+                  </a:solidFill>
+                </a:uFill>
+                <a:latin typeface="Lato"/>
+              </a:rPr>
+              <a:t>ol</a:t>
+            </a:r>
+            <a:r>
+              <a:rPr lang="en-US" sz="2400" b="1" spc="-1" dirty="0">
+                <a:solidFill>
+                  <a:srgbClr val="FFFF00"/>
+                </a:solidFill>
+                <a:uFill>
+                  <a:solidFill>
+                    <a:srgbClr val="FFFFFF"/>
+                  </a:solidFill>
+                </a:uFill>
+                <a:latin typeface="Lato"/>
+              </a:rPr>
+              <a:t>&gt; </a:t>
+            </a:r>
+            <a:r>
+              <a:rPr lang="en-US" sz="2400" spc="-1" dirty="0">
+                <a:solidFill>
+                  <a:srgbClr val="FFFFFF"/>
+                </a:solidFill>
+                <a:uFill>
+                  <a:solidFill>
+                    <a:srgbClr val="FFFFFF"/>
+                  </a:solidFill>
+                </a:uFill>
+                <a:latin typeface="Lato"/>
+              </a:rPr>
+              <a:t>tag.</a:t>
             </a:r>
           </a:p>
           <a:p>
             <a:pPr marL="457200" indent="-456840">
-              <a:lnSpc>
-                <a:spcPct val="150000"/>
-              </a:lnSpc>
               <a:buClr>
                 <a:srgbClr val="FFFFFF"/>
               </a:buClr>
@@ -3964,21 +4090,21 @@
               <a:buChar char=""/>
             </a:pPr>
             <a:r>
-              <a:rPr lang="en-US" sz="2400" spc="-1" dirty="0">
-                <a:solidFill>
-                  <a:srgbClr val="FFFFFF"/>
-                </a:solidFill>
-                <a:uFill>
-                  <a:solidFill>
-                    <a:srgbClr val="FFFFFF"/>
-                  </a:solidFill>
-                </a:uFill>
-                <a:latin typeface="Lato"/>
-              </a:rPr>
-              <a:t>Table </a:t>
-            </a:r>
-            <a:r>
-              <a:rPr lang="en-US" sz="2400" b="1" spc="-1" dirty="0">
+              <a:rPr lang="en-US" sz="2400" b="0" strike="noStrike" spc="-1" dirty="0">
+                <a:solidFill>
+                  <a:srgbClr val="FFFFFF"/>
+                </a:solidFill>
+                <a:uFill>
+                  <a:solidFill>
+                    <a:srgbClr val="FFFFFF"/>
+                  </a:solidFill>
+                </a:uFill>
+                <a:latin typeface="Lato"/>
+              </a:rPr>
+              <a:t>Each list item inside them is using the </a:t>
+            </a:r>
+            <a:r>
+              <a:rPr lang="en-US" sz="2400" b="1" strike="noStrike" spc="-1" dirty="0">
                 <a:solidFill>
                   <a:srgbClr val="FFFF00"/>
                 </a:solidFill>
@@ -3989,105 +4115,7 @@
                 </a:uFill>
                 <a:latin typeface="Lato"/>
               </a:rPr>
-              <a:t>Header</a:t>
-            </a:r>
-            <a:r>
-              <a:rPr lang="en-US" sz="2400" spc="-1" dirty="0">
-                <a:solidFill>
-                  <a:srgbClr val="FFFFFF"/>
-                </a:solidFill>
-                <a:uFill>
-                  <a:solidFill>
-                    <a:srgbClr val="FFFFFF"/>
-                  </a:solidFill>
-                </a:uFill>
-                <a:latin typeface="Lato"/>
-              </a:rPr>
-              <a:t> is defined with the </a:t>
-            </a:r>
-            <a:r>
-              <a:rPr lang="en-US" sz="2400" b="1" spc="-1" dirty="0">
-                <a:solidFill>
-                  <a:srgbClr val="FFFF00"/>
-                </a:solidFill>
-                <a:uFill>
-                  <a:solidFill>
-                    <a:srgbClr val="FFFFFF"/>
-                  </a:solidFill>
-                </a:uFill>
-                <a:latin typeface="Lato"/>
-              </a:rPr>
-              <a:t>&lt;</a:t>
-            </a:r>
-            <a:r>
-              <a:rPr lang="en-US" sz="2400" b="1" spc="-1" dirty="0" err="1">
-                <a:solidFill>
-                  <a:srgbClr val="FFFF00"/>
-                </a:solidFill>
-                <a:uFill>
-                  <a:solidFill>
-                    <a:srgbClr val="FFFFFF"/>
-                  </a:solidFill>
-                </a:uFill>
-                <a:latin typeface="Lato"/>
-              </a:rPr>
-              <a:t>th</a:t>
-            </a:r>
-            <a:r>
-              <a:rPr lang="en-US" sz="2400" b="1" spc="-1" dirty="0">
-                <a:solidFill>
-                  <a:srgbClr val="FFFF00"/>
-                </a:solidFill>
-                <a:uFill>
-                  <a:solidFill>
-                    <a:srgbClr val="FFFFFF"/>
-                  </a:solidFill>
-                </a:uFill>
-                <a:latin typeface="Lato"/>
-              </a:rPr>
-              <a:t>&gt; &lt;/</a:t>
-            </a:r>
-            <a:r>
-              <a:rPr lang="en-US" sz="2400" b="1" spc="-1" dirty="0" err="1">
-                <a:solidFill>
-                  <a:srgbClr val="FFFF00"/>
-                </a:solidFill>
-                <a:uFill>
-                  <a:solidFill>
-                    <a:srgbClr val="FFFFFF"/>
-                  </a:solidFill>
-                </a:uFill>
-                <a:latin typeface="Lato"/>
-              </a:rPr>
-              <a:t>th</a:t>
-            </a:r>
-            <a:r>
-              <a:rPr lang="en-US" sz="2400" b="1" spc="-1" dirty="0">
-                <a:solidFill>
-                  <a:srgbClr val="FFFF00"/>
-                </a:solidFill>
-                <a:uFill>
-                  <a:solidFill>
-                    <a:srgbClr val="FFFFFF"/>
-                  </a:solidFill>
-                </a:uFill>
-                <a:latin typeface="Lato"/>
-              </a:rPr>
-              <a:t>&gt;</a:t>
-            </a:r>
-            <a:r>
-              <a:rPr lang="en-US" sz="2400" spc="-1" dirty="0">
-                <a:solidFill>
-                  <a:srgbClr val="FFFFFF"/>
-                </a:solidFill>
-                <a:uFill>
-                  <a:solidFill>
-                    <a:srgbClr val="FFFFFF"/>
-                  </a:solidFill>
-                </a:uFill>
-                <a:latin typeface="Lato"/>
-              </a:rPr>
-              <a:t> tag </a:t>
+              <a:t>&lt;li&gt; &lt;/li&gt; </a:t>
             </a:r>
             <a:r>
               <a:rPr lang="en-US" sz="2400" b="0" strike="noStrike" spc="-1" dirty="0">
@@ -4101,63 +4129,7 @@
                 </a:uFill>
                 <a:latin typeface="Lato"/>
               </a:rPr>
-              <a:t>and </a:t>
-            </a:r>
-            <a:r>
-              <a:rPr lang="en-US" sz="2400" b="1" strike="noStrike" spc="-1" dirty="0">
-                <a:solidFill>
-                  <a:srgbClr val="FFFF00"/>
-                </a:solidFill>
-                <a:uFill>
-                  <a:solidFill>
-                    <a:srgbClr val="FFFFFF"/>
-                  </a:solidFill>
-                </a:uFill>
-                <a:latin typeface="Lato"/>
-              </a:rPr>
-              <a:t>data/cell </a:t>
-            </a:r>
-            <a:r>
-              <a:rPr lang="en-US" sz="2400" b="0" strike="noStrike" spc="-1" dirty="0">
-                <a:solidFill>
-                  <a:srgbClr val="FFFFFF"/>
-                </a:solidFill>
-                <a:uFill>
-                  <a:solidFill>
-                    <a:srgbClr val="FFFFFF"/>
-                  </a:solidFill>
-                </a:uFill>
-                <a:latin typeface="Lato"/>
-              </a:rPr>
-              <a:t>is defined with the </a:t>
-            </a:r>
-            <a:r>
-              <a:rPr lang="en-US" sz="2400" b="1" strike="noStrike" spc="-1" dirty="0">
-                <a:solidFill>
-                  <a:srgbClr val="FFFF00"/>
-                </a:solidFill>
-                <a:uFill>
-                  <a:solidFill>
-                    <a:srgbClr val="FFFFFF"/>
-                  </a:solidFill>
-                </a:uFill>
-                <a:latin typeface="Lato"/>
-              </a:rPr>
-              <a:t>&lt;td&gt; &lt;/td&gt;</a:t>
-            </a:r>
-            <a:r>
-              <a:rPr lang="en-US" sz="2400" b="0" strike="noStrike" spc="-1" dirty="0">
-                <a:solidFill>
-                  <a:srgbClr val="FFFFFF"/>
-                </a:solidFill>
-                <a:uFill>
-                  <a:solidFill>
-                    <a:srgbClr val="FFFFFF"/>
-                  </a:solidFill>
-                </a:uFill>
-                <a:latin typeface="Lato"/>
-              </a:rPr>
-              <a:t> tag.</a:t>
+              <a:t>tag.</a:t>
             </a:r>
             <a:endParaRPr lang="en-US" sz="1800" b="0" strike="noStrike" spc="-1" dirty="0">
               <a:solidFill>
@@ -4172,46 +4144,13 @@
             </a:endParaRPr>
           </a:p>
         </p:txBody>
-      </p:sp>
-      <p:sp>
-        <p:nvSpPr>
-          <p:cNvPr id="99" name="Line 4"/>
-          <p:cNvSpPr/>
-          <p:nvPr/>
-        </p:nvSpPr>
-        <p:spPr>
-          <a:xfrm>
-            <a:off x="0" y="1505880"/>
-            <a:ext cx="12191760" cy="360"/>
-          </a:xfrm>
-          <a:prstGeom prst="line">
-            <a:avLst/>
-          </a:prstGeom>
-          <a:ln>
-            <a:solidFill>
-              <a:schemeClr val="bg1"/>
-            </a:solidFill>
-          </a:ln>
-        </p:spPr>
-        <p:style>
-          <a:lnRef idx="1">
-            <a:schemeClr val="accent1"/>
-          </a:lnRef>
-          <a:fillRef idx="0">
-            <a:schemeClr val="accent1"/>
-          </a:fillRef>
-          <a:effectRef idx="0">
-            <a:schemeClr val="accent1"/>
-          </a:effectRef>
-          <a:fontRef idx="minor"/>
-        </p:style>
       </p:sp>
       <p:pic>
         <p:nvPicPr>
           <p:cNvPr id="3" name="Picture 2">
             <a:extLst>
               <a:ext uri="{FF2B5EF4-FFF2-40B4-BE49-F238E27FC236}">
-                <a16:creationId xmlns:a16="http://schemas.microsoft.com/office/drawing/2014/main" id="{EAF792D8-1ABB-464F-8771-3160FFA31315}"/>
+                <a16:creationId xmlns:a16="http://schemas.microsoft.com/office/drawing/2014/main" id="{89E7B927-2B74-45E2-B2EB-8CC5F0F96D7D}"/>
               </a:ext>
             </a:extLst>
           </p:cNvPr>
@@ -4234,8 +4173,8 @@
         </p:blipFill>
         <p:spPr>
           <a:xfrm>
-            <a:off x="4148921" y="3235433"/>
-            <a:ext cx="7878249" cy="2653343"/>
+            <a:off x="123385" y="3472430"/>
+            <a:ext cx="6173061" cy="2295845"/>
           </a:xfrm>
           <a:prstGeom prst="rect">
             <a:avLst/>
@@ -4247,7 +4186,7 @@
           <p:cNvPr id="5" name="Picture 4">
             <a:extLst>
               <a:ext uri="{FF2B5EF4-FFF2-40B4-BE49-F238E27FC236}">
-                <a16:creationId xmlns:a16="http://schemas.microsoft.com/office/drawing/2014/main" id="{CD605A93-2E52-4F6E-9776-09530BB6FDA7}"/>
+                <a16:creationId xmlns:a16="http://schemas.microsoft.com/office/drawing/2014/main" id="{919D4818-8186-48A1-9CE2-FF482E241BEE}"/>
               </a:ext>
             </a:extLst>
           </p:cNvPr>
@@ -4270,8 +4209,44 @@
         </p:blipFill>
         <p:spPr>
           <a:xfrm>
-            <a:off x="164830" y="3771237"/>
-            <a:ext cx="2514951" cy="2152950"/>
+            <a:off x="6388849" y="3472430"/>
+            <a:ext cx="2812291" cy="2294237"/>
+          </a:xfrm>
+          <a:prstGeom prst="rect">
+            <a:avLst/>
+          </a:prstGeom>
+        </p:spPr>
+      </p:pic>
+      <p:pic>
+        <p:nvPicPr>
+          <p:cNvPr id="10" name="Picture 9">
+            <a:extLst>
+              <a:ext uri="{FF2B5EF4-FFF2-40B4-BE49-F238E27FC236}">
+                <a16:creationId xmlns:a16="http://schemas.microsoft.com/office/drawing/2014/main" id="{2BA34129-D7A6-42E4-8965-401995776B4B}"/>
+              </a:ext>
+            </a:extLst>
+          </p:cNvPr>
+          <p:cNvPicPr>
+            <a:picLocks noChangeAspect="1"/>
+          </p:cNvPicPr>
+          <p:nvPr/>
+        </p:nvPicPr>
+        <p:blipFill>
+          <a:blip r:embed="rId4">
+            <a:extLst>
+              <a:ext uri="{28A0092B-C50C-407E-A947-70E740481C1C}">
+                <a14:useLocalDpi xmlns:a14="http://schemas.microsoft.com/office/drawing/2010/main" val="0"/>
+              </a:ext>
+            </a:extLst>
+          </a:blip>
+          <a:stretch>
+            <a:fillRect/>
+          </a:stretch>
+        </p:blipFill>
+        <p:spPr>
+          <a:xfrm>
+            <a:off x="9317238" y="3472430"/>
+            <a:ext cx="2743572" cy="2288836"/>
           </a:xfrm>
           <a:prstGeom prst="rect">
             <a:avLst/>
@@ -4332,6 +4307,686 @@
       </p:grpSpPr>
       <p:sp>
         <p:nvSpPr>
+          <p:cNvPr id="96" name="CustomShape 1"/>
+          <p:cNvSpPr/>
+          <p:nvPr/>
+        </p:nvSpPr>
+        <p:spPr>
+          <a:xfrm>
+            <a:off x="1800" y="859680"/>
+            <a:ext cx="12191760" cy="5138280"/>
+          </a:xfrm>
+          <a:prstGeom prst="rect">
+            <a:avLst/>
+          </a:prstGeom>
+          <a:solidFill>
+            <a:srgbClr val="4F5B93"/>
+          </a:solidFill>
+          <a:ln>
+            <a:noFill/>
+          </a:ln>
+        </p:spPr>
+        <p:style>
+          <a:lnRef idx="2">
+            <a:schemeClr val="accent1">
+              <a:shade val="50000"/>
+            </a:schemeClr>
+          </a:lnRef>
+          <a:fillRef idx="1">
+            <a:schemeClr val="accent1"/>
+          </a:fillRef>
+          <a:effectRef idx="0">
+            <a:schemeClr val="accent1"/>
+          </a:effectRef>
+          <a:fontRef idx="minor"/>
+        </p:style>
+      </p:sp>
+      <p:sp>
+        <p:nvSpPr>
+          <p:cNvPr id="97" name="CustomShape 2"/>
+          <p:cNvSpPr/>
+          <p:nvPr/>
+        </p:nvSpPr>
+        <p:spPr>
+          <a:xfrm>
+            <a:off x="1560" y="859680"/>
+            <a:ext cx="12188640" cy="639000"/>
+          </a:xfrm>
+          <a:prstGeom prst="rect">
+            <a:avLst/>
+          </a:prstGeom>
+          <a:noFill/>
+          <a:ln>
+            <a:noFill/>
+          </a:ln>
+        </p:spPr>
+        <p:style>
+          <a:lnRef idx="0">
+            <a:scrgbClr r="0" g="0" b="0"/>
+          </a:lnRef>
+          <a:fillRef idx="0">
+            <a:scrgbClr r="0" g="0" b="0"/>
+          </a:fillRef>
+          <a:effectRef idx="0">
+            <a:scrgbClr r="0" g="0" b="0"/>
+          </a:effectRef>
+          <a:fontRef idx="minor"/>
+        </p:style>
+        <p:txBody>
+          <a:bodyPr wrap="none" lIns="90000" tIns="45000" rIns="90000" bIns="45000"/>
+          <a:lstStyle/>
+          <a:p>
+            <a:pPr algn="ctr">
+              <a:lnSpc>
+                <a:spcPct val="100000"/>
+              </a:lnSpc>
+            </a:pPr>
+            <a:r>
+              <a:rPr lang="en-US" sz="3600" b="0" strike="noStrike" spc="-1" dirty="0">
+                <a:solidFill>
+                  <a:srgbClr val="FFFFFF"/>
+                </a:solidFill>
+                <a:uFill>
+                  <a:solidFill>
+                    <a:srgbClr val="FFFFFF"/>
+                  </a:solidFill>
+                </a:uFill>
+                <a:latin typeface="Lato"/>
+              </a:rPr>
+              <a:t>HTML TABLE</a:t>
+            </a:r>
+            <a:endParaRPr lang="en-US" sz="1800" b="0" strike="noStrike" spc="-1" dirty="0">
+              <a:solidFill>
+                <a:srgbClr val="000000"/>
+              </a:solidFill>
+              <a:uFill>
+                <a:solidFill>
+                  <a:srgbClr val="FFFFFF"/>
+                </a:solidFill>
+              </a:uFill>
+              <a:latin typeface="Arial"/>
+            </a:endParaRPr>
+          </a:p>
+        </p:txBody>
+      </p:sp>
+      <p:sp>
+        <p:nvSpPr>
+          <p:cNvPr id="98" name="CustomShape 3"/>
+          <p:cNvSpPr/>
+          <p:nvPr/>
+        </p:nvSpPr>
+        <p:spPr>
+          <a:xfrm>
+            <a:off x="-12960" y="1505880"/>
+            <a:ext cx="12204360" cy="2257436"/>
+          </a:xfrm>
+          <a:prstGeom prst="rect">
+            <a:avLst/>
+          </a:prstGeom>
+          <a:noFill/>
+          <a:ln>
+            <a:noFill/>
+          </a:ln>
+        </p:spPr>
+        <p:style>
+          <a:lnRef idx="0">
+            <a:scrgbClr r="0" g="0" b="0"/>
+          </a:lnRef>
+          <a:fillRef idx="0">
+            <a:scrgbClr r="0" g="0" b="0"/>
+          </a:fillRef>
+          <a:effectRef idx="0">
+            <a:scrgbClr r="0" g="0" b="0"/>
+          </a:effectRef>
+          <a:fontRef idx="minor"/>
+        </p:style>
+        <p:txBody>
+          <a:bodyPr lIns="90000" tIns="45000" rIns="90000" bIns="45000"/>
+          <a:lstStyle/>
+          <a:p>
+            <a:pPr marL="457200" indent="-456840">
+              <a:lnSpc>
+                <a:spcPct val="150000"/>
+              </a:lnSpc>
+              <a:buClr>
+                <a:srgbClr val="FFFFFF"/>
+              </a:buClr>
+              <a:buFont typeface="Wingdings" charset="2"/>
+              <a:buChar char=""/>
+            </a:pPr>
+            <a:r>
+              <a:rPr lang="en-US" sz="2400" b="0" strike="noStrike" spc="-1" dirty="0">
+                <a:solidFill>
+                  <a:srgbClr val="FFFFFF"/>
+                </a:solidFill>
+                <a:uFill>
+                  <a:solidFill>
+                    <a:srgbClr val="FFFFFF"/>
+                  </a:solidFill>
+                </a:uFill>
+                <a:latin typeface="Lato"/>
+              </a:rPr>
+              <a:t>An HTML </a:t>
+            </a:r>
+            <a:r>
+              <a:rPr lang="en-US" sz="2400" b="1" strike="noStrike" spc="-1" dirty="0">
+                <a:solidFill>
+                  <a:srgbClr val="FFFF00"/>
+                </a:solidFill>
+                <a:uFill>
+                  <a:solidFill>
+                    <a:srgbClr val="FFFFFF"/>
+                  </a:solidFill>
+                </a:uFill>
+                <a:latin typeface="Lato"/>
+              </a:rPr>
+              <a:t>Table</a:t>
+            </a:r>
+            <a:r>
+              <a:rPr lang="en-US" sz="2400" b="0" strike="noStrike" spc="-1" dirty="0">
+                <a:solidFill>
+                  <a:srgbClr val="FFFFFF"/>
+                </a:solidFill>
+                <a:uFill>
+                  <a:solidFill>
+                    <a:srgbClr val="FFFFFF"/>
+                  </a:solidFill>
+                </a:uFill>
+                <a:latin typeface="Lato"/>
+              </a:rPr>
+              <a:t> is defined with the </a:t>
+            </a:r>
+            <a:r>
+              <a:rPr lang="en-US" sz="2400" b="1" strike="noStrike" spc="-1" dirty="0">
+                <a:solidFill>
+                  <a:srgbClr val="FFFF00"/>
+                </a:solidFill>
+                <a:uFill>
+                  <a:solidFill>
+                    <a:srgbClr val="FFFFFF"/>
+                  </a:solidFill>
+                </a:uFill>
+                <a:latin typeface="Lato"/>
+              </a:rPr>
+              <a:t>&lt;table&gt; &lt;/table&gt;</a:t>
+            </a:r>
+            <a:r>
+              <a:rPr lang="en-US" sz="2400" b="0" strike="noStrike" spc="-1" dirty="0">
+                <a:solidFill>
+                  <a:srgbClr val="FFFFFF"/>
+                </a:solidFill>
+                <a:uFill>
+                  <a:solidFill>
+                    <a:srgbClr val="FFFFFF"/>
+                  </a:solidFill>
+                </a:uFill>
+                <a:latin typeface="Lato"/>
+              </a:rPr>
+              <a:t> tag.</a:t>
+            </a:r>
+          </a:p>
+          <a:p>
+            <a:pPr marL="457200" indent="-456840">
+              <a:lnSpc>
+                <a:spcPct val="150000"/>
+              </a:lnSpc>
+              <a:buClr>
+                <a:srgbClr val="FFFFFF"/>
+              </a:buClr>
+              <a:buFont typeface="Wingdings" charset="2"/>
+              <a:buChar char=""/>
+            </a:pPr>
+            <a:r>
+              <a:rPr lang="en-US" sz="2400" spc="-1" dirty="0">
+                <a:solidFill>
+                  <a:srgbClr val="FFFFFF"/>
+                </a:solidFill>
+                <a:uFill>
+                  <a:solidFill>
+                    <a:srgbClr val="FFFFFF"/>
+                  </a:solidFill>
+                </a:uFill>
+                <a:latin typeface="Lato"/>
+              </a:rPr>
+              <a:t>Table </a:t>
+            </a:r>
+            <a:r>
+              <a:rPr lang="en-US" sz="2400" b="1" spc="-1" dirty="0">
+                <a:solidFill>
+                  <a:srgbClr val="FFFF00"/>
+                </a:solidFill>
+                <a:uFill>
+                  <a:solidFill>
+                    <a:srgbClr val="FFFFFF"/>
+                  </a:solidFill>
+                </a:uFill>
+                <a:latin typeface="Lato"/>
+              </a:rPr>
+              <a:t>Row</a:t>
+            </a:r>
+            <a:r>
+              <a:rPr lang="en-US" sz="2400" spc="-1" dirty="0">
+                <a:solidFill>
+                  <a:srgbClr val="FFFFFF"/>
+                </a:solidFill>
+                <a:uFill>
+                  <a:solidFill>
+                    <a:srgbClr val="FFFFFF"/>
+                  </a:solidFill>
+                </a:uFill>
+                <a:latin typeface="Lato"/>
+              </a:rPr>
+              <a:t> is defined with the </a:t>
+            </a:r>
+            <a:r>
+              <a:rPr lang="en-US" sz="2400" b="1" spc="-1" dirty="0">
+                <a:solidFill>
+                  <a:srgbClr val="FFFF00"/>
+                </a:solidFill>
+                <a:uFill>
+                  <a:solidFill>
+                    <a:srgbClr val="FFFFFF"/>
+                  </a:solidFill>
+                </a:uFill>
+                <a:latin typeface="Lato"/>
+              </a:rPr>
+              <a:t>&lt;tr&gt; &lt;/tr&gt;</a:t>
+            </a:r>
+            <a:r>
+              <a:rPr lang="en-US" sz="2400" spc="-1" dirty="0">
+                <a:solidFill>
+                  <a:srgbClr val="FFFFFF"/>
+                </a:solidFill>
+                <a:uFill>
+                  <a:solidFill>
+                    <a:srgbClr val="FFFFFF"/>
+                  </a:solidFill>
+                </a:uFill>
+                <a:latin typeface="Lato"/>
+              </a:rPr>
+              <a:t> tag.</a:t>
+            </a:r>
+          </a:p>
+          <a:p>
+            <a:pPr marL="457200" indent="-456840">
+              <a:lnSpc>
+                <a:spcPct val="150000"/>
+              </a:lnSpc>
+              <a:buClr>
+                <a:srgbClr val="FFFFFF"/>
+              </a:buClr>
+              <a:buFont typeface="Wingdings" charset="2"/>
+              <a:buChar char=""/>
+            </a:pPr>
+            <a:r>
+              <a:rPr lang="en-US" sz="2400" spc="-1" dirty="0">
+                <a:solidFill>
+                  <a:srgbClr val="FFFFFF"/>
+                </a:solidFill>
+                <a:uFill>
+                  <a:solidFill>
+                    <a:srgbClr val="FFFFFF"/>
+                  </a:solidFill>
+                </a:uFill>
+                <a:latin typeface="Lato"/>
+              </a:rPr>
+              <a:t>Table </a:t>
+            </a:r>
+            <a:r>
+              <a:rPr lang="en-US" sz="2400" b="1" spc="-1" dirty="0">
+                <a:solidFill>
+                  <a:srgbClr val="FFFF00"/>
+                </a:solidFill>
+                <a:uFill>
+                  <a:solidFill>
+                    <a:srgbClr val="FFFFFF"/>
+                  </a:solidFill>
+                </a:uFill>
+                <a:latin typeface="Lato"/>
+              </a:rPr>
+              <a:t>Header</a:t>
+            </a:r>
+            <a:r>
+              <a:rPr lang="en-US" sz="2400" spc="-1" dirty="0">
+                <a:solidFill>
+                  <a:srgbClr val="FFFFFF"/>
+                </a:solidFill>
+                <a:uFill>
+                  <a:solidFill>
+                    <a:srgbClr val="FFFFFF"/>
+                  </a:solidFill>
+                </a:uFill>
+                <a:latin typeface="Lato"/>
+              </a:rPr>
+              <a:t> is defined with the </a:t>
+            </a:r>
+            <a:r>
+              <a:rPr lang="en-US" sz="2400" b="1" spc="-1" dirty="0">
+                <a:solidFill>
+                  <a:srgbClr val="FFFF00"/>
+                </a:solidFill>
+                <a:uFill>
+                  <a:solidFill>
+                    <a:srgbClr val="FFFFFF"/>
+                  </a:solidFill>
+                </a:uFill>
+                <a:latin typeface="Lato"/>
+              </a:rPr>
+              <a:t>&lt;</a:t>
+            </a:r>
+            <a:r>
+              <a:rPr lang="en-US" sz="2400" b="1" spc="-1" dirty="0" err="1">
+                <a:solidFill>
+                  <a:srgbClr val="FFFF00"/>
+                </a:solidFill>
+                <a:uFill>
+                  <a:solidFill>
+                    <a:srgbClr val="FFFFFF"/>
+                  </a:solidFill>
+                </a:uFill>
+                <a:latin typeface="Lato"/>
+              </a:rPr>
+              <a:t>th</a:t>
+            </a:r>
+            <a:r>
+              <a:rPr lang="en-US" sz="2400" b="1" spc="-1" dirty="0">
+                <a:solidFill>
+                  <a:srgbClr val="FFFF00"/>
+                </a:solidFill>
+                <a:uFill>
+                  <a:solidFill>
+                    <a:srgbClr val="FFFFFF"/>
+                  </a:solidFill>
+                </a:uFill>
+                <a:latin typeface="Lato"/>
+              </a:rPr>
+              <a:t>&gt; &lt;/</a:t>
+            </a:r>
+            <a:r>
+              <a:rPr lang="en-US" sz="2400" b="1" spc="-1" dirty="0" err="1">
+                <a:solidFill>
+                  <a:srgbClr val="FFFF00"/>
+                </a:solidFill>
+                <a:uFill>
+                  <a:solidFill>
+                    <a:srgbClr val="FFFFFF"/>
+                  </a:solidFill>
+                </a:uFill>
+                <a:latin typeface="Lato"/>
+              </a:rPr>
+              <a:t>th</a:t>
+            </a:r>
+            <a:r>
+              <a:rPr lang="en-US" sz="2400" b="1" spc="-1" dirty="0">
+                <a:solidFill>
+                  <a:srgbClr val="FFFF00"/>
+                </a:solidFill>
+                <a:uFill>
+                  <a:solidFill>
+                    <a:srgbClr val="FFFFFF"/>
+                  </a:solidFill>
+                </a:uFill>
+                <a:latin typeface="Lato"/>
+              </a:rPr>
+              <a:t>&gt;</a:t>
+            </a:r>
+            <a:r>
+              <a:rPr lang="en-US" sz="2400" spc="-1" dirty="0">
+                <a:solidFill>
+                  <a:srgbClr val="FFFFFF"/>
+                </a:solidFill>
+                <a:uFill>
+                  <a:solidFill>
+                    <a:srgbClr val="FFFFFF"/>
+                  </a:solidFill>
+                </a:uFill>
+                <a:latin typeface="Lato"/>
+              </a:rPr>
+              <a:t> tag </a:t>
+            </a:r>
+            <a:r>
+              <a:rPr lang="en-US" sz="2400" b="0" strike="noStrike" spc="-1" dirty="0">
+                <a:solidFill>
+                  <a:srgbClr val="FFFFFF"/>
+                </a:solidFill>
+                <a:uFill>
+                  <a:solidFill>
+                    <a:srgbClr val="FFFFFF"/>
+                  </a:solidFill>
+                </a:uFill>
+                <a:latin typeface="Lato"/>
+              </a:rPr>
+              <a:t>and </a:t>
+            </a:r>
+            <a:r>
+              <a:rPr lang="en-US" sz="2400" b="1" strike="noStrike" spc="-1" dirty="0">
+                <a:solidFill>
+                  <a:srgbClr val="FFFF00"/>
+                </a:solidFill>
+                <a:uFill>
+                  <a:solidFill>
+                    <a:srgbClr val="FFFFFF"/>
+                  </a:solidFill>
+                </a:uFill>
+                <a:latin typeface="Lato"/>
+              </a:rPr>
+              <a:t>data/cell </a:t>
+            </a:r>
+            <a:r>
+              <a:rPr lang="en-US" sz="2400" b="0" strike="noStrike" spc="-1" dirty="0">
+                <a:solidFill>
+                  <a:srgbClr val="FFFFFF"/>
+                </a:solidFill>
+                <a:uFill>
+                  <a:solidFill>
+                    <a:srgbClr val="FFFFFF"/>
+                  </a:solidFill>
+                </a:uFill>
+                <a:latin typeface="Lato"/>
+              </a:rPr>
+              <a:t>is defined with the </a:t>
+            </a:r>
+            <a:r>
+              <a:rPr lang="en-US" sz="2400" b="1" strike="noStrike" spc="-1" dirty="0">
+                <a:solidFill>
+                  <a:srgbClr val="FFFF00"/>
+                </a:solidFill>
+                <a:uFill>
+                  <a:solidFill>
+                    <a:srgbClr val="FFFFFF"/>
+                  </a:solidFill>
+                </a:uFill>
+                <a:latin typeface="Lato"/>
+              </a:rPr>
+              <a:t>&lt;td&gt; &lt;/td&gt;</a:t>
+            </a:r>
+            <a:r>
+              <a:rPr lang="en-US" sz="2400" b="0" strike="noStrike" spc="-1" dirty="0">
+                <a:solidFill>
+                  <a:srgbClr val="FFFFFF"/>
+                </a:solidFill>
+                <a:uFill>
+                  <a:solidFill>
+                    <a:srgbClr val="FFFFFF"/>
+                  </a:solidFill>
+                </a:uFill>
+                <a:latin typeface="Lato"/>
+              </a:rPr>
+              <a:t> tag.</a:t>
+            </a:r>
+            <a:endParaRPr lang="en-US" sz="1800" b="0" strike="noStrike" spc="-1" dirty="0">
+              <a:solidFill>
+                <a:srgbClr val="000000"/>
+              </a:solidFill>
+              <a:uFill>
+                <a:solidFill>
+                  <a:srgbClr val="FFFFFF"/>
+                </a:solidFill>
+              </a:uFill>
+              <a:latin typeface="Arial"/>
+            </a:endParaRPr>
+          </a:p>
+        </p:txBody>
+      </p:sp>
+      <p:sp>
+        <p:nvSpPr>
+          <p:cNvPr id="99" name="Line 4"/>
+          <p:cNvSpPr/>
+          <p:nvPr/>
+        </p:nvSpPr>
+        <p:spPr>
+          <a:xfrm>
+            <a:off x="0" y="1505880"/>
+            <a:ext cx="12191760" cy="360"/>
+          </a:xfrm>
+          <a:prstGeom prst="line">
+            <a:avLst/>
+          </a:prstGeom>
+          <a:ln>
+            <a:solidFill>
+              <a:schemeClr val="bg1"/>
+            </a:solidFill>
+          </a:ln>
+        </p:spPr>
+        <p:style>
+          <a:lnRef idx="1">
+            <a:schemeClr val="accent1"/>
+          </a:lnRef>
+          <a:fillRef idx="0">
+            <a:schemeClr val="accent1"/>
+          </a:fillRef>
+          <a:effectRef idx="0">
+            <a:schemeClr val="accent1"/>
+          </a:effectRef>
+          <a:fontRef idx="minor"/>
+        </p:style>
+      </p:sp>
+      <p:pic>
+        <p:nvPicPr>
+          <p:cNvPr id="3" name="Picture 2">
+            <a:extLst>
+              <a:ext uri="{FF2B5EF4-FFF2-40B4-BE49-F238E27FC236}">
+                <a16:creationId xmlns:a16="http://schemas.microsoft.com/office/drawing/2014/main" id="{EAF792D8-1ABB-464F-8771-3160FFA31315}"/>
+              </a:ext>
+            </a:extLst>
+          </p:cNvPr>
+          <p:cNvPicPr>
+            <a:picLocks noChangeAspect="1"/>
+          </p:cNvPicPr>
+          <p:nvPr/>
+        </p:nvPicPr>
+        <p:blipFill>
+          <a:blip r:embed="rId2">
+            <a:extLst>
+              <a:ext uri="{28A0092B-C50C-407E-A947-70E740481C1C}">
+                <a14:useLocalDpi xmlns:a14="http://schemas.microsoft.com/office/drawing/2010/main" val="0"/>
+              </a:ext>
+            </a:extLst>
+          </a:blip>
+          <a:stretch>
+            <a:fillRect/>
+          </a:stretch>
+        </p:blipFill>
+        <p:spPr>
+          <a:xfrm>
+            <a:off x="4148921" y="3235433"/>
+            <a:ext cx="7878249" cy="2653343"/>
+          </a:xfrm>
+          <a:prstGeom prst="rect">
+            <a:avLst/>
+          </a:prstGeom>
+        </p:spPr>
+      </p:pic>
+      <p:pic>
+        <p:nvPicPr>
+          <p:cNvPr id="5" name="Picture 4">
+            <a:extLst>
+              <a:ext uri="{FF2B5EF4-FFF2-40B4-BE49-F238E27FC236}">
+                <a16:creationId xmlns:a16="http://schemas.microsoft.com/office/drawing/2014/main" id="{CD605A93-2E52-4F6E-9776-09530BB6FDA7}"/>
+              </a:ext>
+            </a:extLst>
+          </p:cNvPr>
+          <p:cNvPicPr>
+            <a:picLocks noChangeAspect="1"/>
+          </p:cNvPicPr>
+          <p:nvPr/>
+        </p:nvPicPr>
+        <p:blipFill>
+          <a:blip r:embed="rId3">
+            <a:extLst>
+              <a:ext uri="{28A0092B-C50C-407E-A947-70E740481C1C}">
+                <a14:useLocalDpi xmlns:a14="http://schemas.microsoft.com/office/drawing/2010/main" val="0"/>
+              </a:ext>
+            </a:extLst>
+          </a:blip>
+          <a:stretch>
+            <a:fillRect/>
+          </a:stretch>
+        </p:blipFill>
+        <p:spPr>
+          <a:xfrm>
+            <a:off x="164830" y="3771237"/>
+            <a:ext cx="2514951" cy="2152950"/>
+          </a:xfrm>
+          <a:prstGeom prst="rect">
+            <a:avLst/>
+          </a:prstGeom>
+        </p:spPr>
+      </p:pic>
+    </p:spTree>
+  </p:cSld>
+  <p:clrMapOvr>
+    <a:masterClrMapping/>
+  </p:clrMapOvr>
+  <p:timing>
+    <p:tnLst>
+      <p:par>
+        <p:cTn id="1" dur="indefinite" restart="never" nodeType="tmRoot">
+          <p:childTnLst>
+            <p:seq>
+              <p:cTn id="2" nodeType="mainSeq"/>
+              <p:prevCondLst>
+                <p:cond evt="onPrev" delay="0">
+                  <p:tgtEl>
+                    <p:sldTgt/>
+                  </p:tgtEl>
+                </p:cond>
+              </p:prevCondLst>
+              <p:nextCondLst>
+                <p:cond evt="onNext" delay="0">
+                  <p:tgtEl>
+                    <p:sldTgt/>
+                  </p:tgtEl>
+                </p:cond>
+              </p:nextCondLst>
+            </p:seq>
+          </p:childTnLst>
+        </p:cTn>
+      </p:par>
+    </p:tnLst>
+  </p:timing>
+</p:sld>
+</file>
+
+<file path=ppt/slides/slide14.xml><?xml version="1.0" encoding="utf-8"?>
+<p:sld xmlns:a="http://schemas.openxmlformats.org/drawingml/2006/main" xmlns:r="http://schemas.openxmlformats.org/officeDocument/2006/relationships" xmlns:p="http://schemas.openxmlformats.org/presentationml/2006/main">
+  <p:cSld>
+    <p:spTree>
+      <p:nvGrpSpPr>
+        <p:cNvPr id="1" name=""/>
+        <p:cNvGrpSpPr/>
+        <p:nvPr/>
+      </p:nvGrpSpPr>
+      <p:grpSpPr>
+        <a:xfrm>
+          <a:off x="0" y="0"/>
+          <a:ext cx="0" cy="0"/>
+          <a:chOff x="0" y="0"/>
+          <a:chExt cx="0" cy="0"/>
+        </a:xfrm>
+      </p:grpSpPr>
+      <p:sp>
+        <p:nvSpPr>
           <p:cNvPr id="101" name="CustomShape 1"/>
           <p:cNvSpPr/>
           <p:nvPr/>
@@ -4913,7 +5568,7 @@
 </p:sld>
 </file>
 
-<file path=ppt/slides/slide14.xml><?xml version="1.0" encoding="utf-8"?>
+<file path=ppt/slides/slide15.xml><?xml version="1.0" encoding="utf-8"?>
 <p:sld xmlns:a="http://schemas.openxmlformats.org/drawingml/2006/main" xmlns:r="http://schemas.openxmlformats.org/officeDocument/2006/relationships" xmlns:p="http://schemas.openxmlformats.org/presentationml/2006/main">
   <p:cSld>
     <p:spTree>
@@ -5542,14 +6197,20 @@
       </p:grpSpPr>
       <p:sp>
         <p:nvSpPr>
-          <p:cNvPr id="44" name="CustomShape 1"/>
+          <p:cNvPr id="6" name="Rectangle 5">
+            <a:extLst>
+              <a:ext uri="{FF2B5EF4-FFF2-40B4-BE49-F238E27FC236}">
+                <a16:creationId xmlns:a16="http://schemas.microsoft.com/office/drawing/2014/main" id="{6C07DCE1-5400-4898-9A67-73E3B6B80F31}"/>
+              </a:ext>
+            </a:extLst>
+          </p:cNvPr>
           <p:cNvSpPr/>
           <p:nvPr/>
         </p:nvSpPr>
         <p:spPr>
           <a:xfrm>
-            <a:off x="1800" y="859680"/>
-            <a:ext cx="12191760" cy="5138280"/>
+            <a:off x="1802" y="859665"/>
+            <a:ext cx="12192000" cy="5138670"/>
           </a:xfrm>
           <a:prstGeom prst="rect">
             <a:avLst/>
@@ -5573,271 +6234,82 @@
           <a:effectRef idx="0">
             <a:schemeClr val="accent1"/>
           </a:effectRef>
-          <a:fontRef idx="minor"/>
-        </p:style>
-      </p:sp>
-      <p:sp>
-        <p:nvSpPr>
-          <p:cNvPr id="45" name="CustomShape 2"/>
-          <p:cNvSpPr/>
-          <p:nvPr/>
-        </p:nvSpPr>
-        <p:spPr>
-          <a:xfrm>
-            <a:off x="4230000" y="859680"/>
-            <a:ext cx="3732120" cy="639000"/>
-          </a:xfrm>
-          <a:prstGeom prst="rect">
-            <a:avLst/>
-          </a:prstGeom>
-          <a:noFill/>
-          <a:ln>
-            <a:noFill/>
-          </a:ln>
-        </p:spPr>
-        <p:style>
-          <a:lnRef idx="0">
-            <a:scrgbClr r="0" g="0" b="0"/>
-          </a:lnRef>
-          <a:fillRef idx="0">
-            <a:scrgbClr r="0" g="0" b="0"/>
-          </a:fillRef>
-          <a:effectRef idx="0">
-            <a:scrgbClr r="0" g="0" b="0"/>
-          </a:effectRef>
-          <a:fontRef idx="minor"/>
+          <a:fontRef idx="minor">
+            <a:schemeClr val="lt1"/>
+          </a:fontRef>
         </p:style>
         <p:txBody>
-          <a:bodyPr wrap="none" lIns="90000" tIns="45000" rIns="90000" bIns="45000"/>
+          <a:bodyPr rtlCol="0" anchor="ctr"/>
           <a:lstStyle/>
           <a:p>
-            <a:pPr algn="ctr">
-              <a:lnSpc>
-                <a:spcPct val="100000"/>
-              </a:lnSpc>
-            </a:pPr>
-            <a:r>
-              <a:rPr lang="en-US" sz="3600" b="0" strike="noStrike" spc="-1">
-                <a:solidFill>
-                  <a:srgbClr val="FFFFFF"/>
-                </a:solidFill>
-                <a:uFill>
-                  <a:solidFill>
-                    <a:srgbClr val="FFFFFF"/>
-                  </a:solidFill>
-                </a:uFill>
-                <a:latin typeface="Lato"/>
-              </a:rPr>
-              <a:t>WHAT IS HTML ?</a:t>
-            </a:r>
-            <a:endParaRPr lang="en-US" sz="1800" b="0" strike="noStrike" spc="-1">
-              <a:solidFill>
-                <a:srgbClr val="000000"/>
-              </a:solidFill>
-              <a:uFill>
-                <a:solidFill>
-                  <a:srgbClr val="FFFFFF"/>
-                </a:solidFill>
-              </a:uFill>
-              <a:latin typeface="Arial"/>
+            <a:pPr algn="ctr"/>
+            <a:endParaRPr lang="en-US" sz="4800" dirty="0">
+              <a:latin typeface="Lato Black" panose="020F0A02020204030203" pitchFamily="34" charset="0"/>
+              <a:ea typeface="Open Sans ExtraBold" panose="020B0906030804020204" pitchFamily="34" charset="0"/>
+              <a:cs typeface="Open Sans ExtraBold" panose="020B0906030804020204" pitchFamily="34" charset="0"/>
             </a:endParaRPr>
           </a:p>
         </p:txBody>
       </p:sp>
       <p:sp>
         <p:nvSpPr>
-          <p:cNvPr id="46" name="CustomShape 3"/>
-          <p:cNvSpPr/>
+          <p:cNvPr id="2" name="TextBox 1">
+            <a:extLst>
+              <a:ext uri="{FF2B5EF4-FFF2-40B4-BE49-F238E27FC236}">
+                <a16:creationId xmlns:a16="http://schemas.microsoft.com/office/drawing/2014/main" id="{C7B98FD7-B2FD-4A6D-82FB-5C063DF09B5D}"/>
+              </a:ext>
+            </a:extLst>
+          </p:cNvPr>
+          <p:cNvSpPr txBox="1"/>
           <p:nvPr/>
         </p:nvSpPr>
         <p:spPr>
           <a:xfrm>
-            <a:off x="0" y="1803600"/>
-            <a:ext cx="12191760" cy="3747960"/>
+            <a:off x="2815304" y="859665"/>
+            <a:ext cx="6561413" cy="646331"/>
           </a:xfrm>
           <a:prstGeom prst="rect">
             <a:avLst/>
           </a:prstGeom>
           <a:noFill/>
-          <a:ln>
-            <a:noFill/>
-          </a:ln>
-        </p:spPr>
-        <p:style>
-          <a:lnRef idx="0">
-            <a:scrgbClr r="0" g="0" b="0"/>
-          </a:lnRef>
-          <a:fillRef idx="0">
-            <a:scrgbClr r="0" g="0" b="0"/>
-          </a:fillRef>
-          <a:effectRef idx="0">
-            <a:scrgbClr r="0" g="0" b="0"/>
-          </a:effectRef>
-          <a:fontRef idx="minor"/>
-        </p:style>
+        </p:spPr>
         <p:txBody>
-          <a:bodyPr lIns="90000" tIns="45000" rIns="90000" bIns="45000"/>
+          <a:bodyPr wrap="none" rtlCol="0">
+            <a:spAutoFit/>
+          </a:bodyPr>
           <a:lstStyle/>
           <a:p>
-            <a:pPr marL="457200" indent="-456840">
-              <a:lnSpc>
-                <a:spcPct val="150000"/>
-              </a:lnSpc>
-              <a:buClr>
-                <a:srgbClr val="FFFFFF"/>
-              </a:buClr>
-              <a:buFont typeface="Wingdings" charset="2"/>
-              <a:buChar char=""/>
-            </a:pPr>
-            <a:r>
-              <a:rPr lang="en-US" sz="2400" strike="noStrike" spc="-1" dirty="0">
-                <a:solidFill>
-                  <a:srgbClr val="FFFFFF"/>
-                </a:solidFill>
-                <a:uFill>
-                  <a:solidFill>
-                    <a:srgbClr val="FFFFFF"/>
-                  </a:solidFill>
-                </a:uFill>
-                <a:latin typeface="Lato"/>
-              </a:rPr>
-              <a:t>HTML is the standard markup language for creating Web pages – Web Page is a document which can be display in a web browser such as Firefox, Google Chrome and Website is a collection of webpages.</a:t>
-            </a:r>
-            <a:endParaRPr lang="en-US" sz="1800" strike="noStrike" spc="-1" dirty="0">
-              <a:solidFill>
-                <a:srgbClr val="000000"/>
-              </a:solidFill>
-              <a:uFill>
-                <a:solidFill>
-                  <a:srgbClr val="FFFFFF"/>
-                </a:solidFill>
-              </a:uFill>
-              <a:latin typeface="Arial"/>
-            </a:endParaRPr>
-          </a:p>
-          <a:p>
-            <a:pPr marL="457200" indent="-456840">
-              <a:lnSpc>
-                <a:spcPct val="150000"/>
-              </a:lnSpc>
-              <a:buClr>
-                <a:srgbClr val="FFFFFF"/>
-              </a:buClr>
-              <a:buFont typeface="Wingdings" charset="2"/>
-              <a:buChar char=""/>
-            </a:pPr>
-            <a:r>
-              <a:rPr lang="en-US" sz="2400" strike="noStrike" spc="-1" dirty="0">
-                <a:solidFill>
-                  <a:srgbClr val="FFFFFF"/>
-                </a:solidFill>
-                <a:uFill>
-                  <a:solidFill>
-                    <a:srgbClr val="FFFFFF"/>
-                  </a:solidFill>
-                </a:uFill>
-                <a:latin typeface="Lato"/>
-              </a:rPr>
-              <a:t>HTML stands for Hyper Text Markup Language. Extension file HTML is .html.</a:t>
-            </a:r>
-            <a:endParaRPr lang="en-US" sz="1800" strike="noStrike" spc="-1" dirty="0">
-              <a:solidFill>
-                <a:srgbClr val="000000"/>
-              </a:solidFill>
-              <a:uFill>
-                <a:solidFill>
-                  <a:srgbClr val="FFFFFF"/>
-                </a:solidFill>
-              </a:uFill>
-              <a:latin typeface="Arial"/>
-            </a:endParaRPr>
-          </a:p>
-          <a:p>
-            <a:pPr marL="457200" indent="-456840">
-              <a:lnSpc>
-                <a:spcPct val="150000"/>
-              </a:lnSpc>
-              <a:buClr>
-                <a:srgbClr val="FFFFFF"/>
-              </a:buClr>
-              <a:buFont typeface="Wingdings" charset="2"/>
-              <a:buChar char=""/>
-            </a:pPr>
-            <a:r>
-              <a:rPr lang="en-US" sz="2400" strike="noStrike" spc="-1" dirty="0">
-                <a:solidFill>
-                  <a:srgbClr val="FFFFFF"/>
-                </a:solidFill>
-                <a:uFill>
-                  <a:solidFill>
-                    <a:srgbClr val="FFFFFF"/>
-                  </a:solidFill>
-                </a:uFill>
-                <a:latin typeface="Lato"/>
-              </a:rPr>
-              <a:t>HTML elements are the building blocks of HTML pages and represented by tags.</a:t>
-            </a:r>
-            <a:endParaRPr lang="en-US" sz="1800" strike="noStrike" spc="-1" dirty="0">
-              <a:solidFill>
-                <a:srgbClr val="000000"/>
-              </a:solidFill>
-              <a:uFill>
-                <a:solidFill>
-                  <a:srgbClr val="FFFFFF"/>
-                </a:solidFill>
-              </a:uFill>
-              <a:latin typeface="Arial"/>
-            </a:endParaRPr>
-          </a:p>
-          <a:p>
-            <a:pPr marL="457200" indent="-456840">
-              <a:lnSpc>
-                <a:spcPct val="150000"/>
-              </a:lnSpc>
-              <a:buClr>
-                <a:srgbClr val="FFFFFF"/>
-              </a:buClr>
-              <a:buFont typeface="Wingdings" charset="2"/>
-              <a:buChar char=""/>
-            </a:pPr>
-            <a:r>
-              <a:rPr lang="en-US" sz="2400" strike="noStrike" spc="-1" dirty="0">
-                <a:solidFill>
-                  <a:srgbClr val="FFFFFF"/>
-                </a:solidFill>
-                <a:uFill>
-                  <a:solidFill>
-                    <a:srgbClr val="FFFFFF"/>
-                  </a:solidFill>
-                </a:uFill>
-                <a:latin typeface="Lato"/>
-              </a:rPr>
-              <a:t>Browsers do not display the HTML tags, but use them to render the content of the page.</a:t>
-            </a:r>
-            <a:endParaRPr lang="en-US" sz="1800" strike="noStrike" spc="-1" dirty="0">
-              <a:solidFill>
-                <a:srgbClr val="000000"/>
-              </a:solidFill>
-              <a:uFill>
-                <a:solidFill>
-                  <a:srgbClr val="FFFFFF"/>
-                </a:solidFill>
-              </a:uFill>
-              <a:latin typeface="Arial"/>
-            </a:endParaRPr>
+            <a:pPr algn="ctr"/>
+            <a:r>
+              <a:rPr lang="en-US" sz="3600" dirty="0">
+                <a:solidFill>
+                  <a:schemeClr val="bg1"/>
+                </a:solidFill>
+                <a:latin typeface="Lato" panose="020F0502020204030203" pitchFamily="34" charset="0"/>
+              </a:rPr>
+              <a:t>HOW THE WEBSITE WORKS ?</a:t>
+            </a:r>
           </a:p>
         </p:txBody>
       </p:sp>
-      <p:sp>
-        <p:nvSpPr>
-          <p:cNvPr id="47" name="Line 4"/>
-          <p:cNvSpPr/>
+      <p:cxnSp>
+        <p:nvCxnSpPr>
+          <p:cNvPr id="7" name="Straight Connector 6">
+            <a:extLst>
+              <a:ext uri="{FF2B5EF4-FFF2-40B4-BE49-F238E27FC236}">
+                <a16:creationId xmlns:a16="http://schemas.microsoft.com/office/drawing/2014/main" id="{FD7FED7C-0135-4B02-AEEB-688F67969057}"/>
+              </a:ext>
+            </a:extLst>
+          </p:cNvPr>
+          <p:cNvCxnSpPr>
+            <a:cxnSpLocks/>
+          </p:cNvCxnSpPr>
           <p:nvPr/>
-        </p:nvSpPr>
-        <p:spPr>
-          <a:xfrm>
-            <a:off x="0" y="1505880"/>
-            <a:ext cx="12191760" cy="360"/>
+        </p:nvCxnSpPr>
+        <p:spPr>
+          <a:xfrm>
+            <a:off x="0" y="1505996"/>
+            <a:ext cx="12192000" cy="0"/>
           </a:xfrm>
           <a:prstGeom prst="line">
             <a:avLst/>
@@ -5858,41 +6330,105 @@
           <a:effectRef idx="0">
             <a:schemeClr val="accent1"/>
           </a:effectRef>
-          <a:fontRef idx="minor"/>
+          <a:fontRef idx="minor">
+            <a:schemeClr val="tx1"/>
+          </a:fontRef>
         </p:style>
+      </p:cxnSp>
+      <p:pic>
+        <p:nvPicPr>
+          <p:cNvPr id="4" name="Picture 3">
+            <a:extLst>
+              <a:ext uri="{FF2B5EF4-FFF2-40B4-BE49-F238E27FC236}">
+                <a16:creationId xmlns:a16="http://schemas.microsoft.com/office/drawing/2014/main" id="{D477E77F-035D-4FEE-A470-6D44987E89A1}"/>
+              </a:ext>
+            </a:extLst>
+          </p:cNvPr>
+          <p:cNvPicPr>
+            <a:picLocks noChangeAspect="1"/>
+          </p:cNvPicPr>
+          <p:nvPr/>
+        </p:nvPicPr>
+        <p:blipFill>
+          <a:blip r:embed="rId2">
+            <a:extLst>
+              <a:ext uri="{28A0092B-C50C-407E-A947-70E740481C1C}">
+                <a14:useLocalDpi xmlns:a14="http://schemas.microsoft.com/office/drawing/2010/main" val="0"/>
+              </a:ext>
+            </a:extLst>
+          </a:blip>
+          <a:stretch>
+            <a:fillRect/>
+          </a:stretch>
+        </p:blipFill>
+        <p:spPr>
+          <a:xfrm>
+            <a:off x="317321" y="1729222"/>
+            <a:ext cx="4808472" cy="4031102"/>
+          </a:xfrm>
+          <a:prstGeom prst="rect">
+            <a:avLst/>
+          </a:prstGeom>
+        </p:spPr>
+      </p:pic>
+      <p:sp>
+        <p:nvSpPr>
+          <p:cNvPr id="9" name="Rectangle 8">
+            <a:extLst>
+              <a:ext uri="{FF2B5EF4-FFF2-40B4-BE49-F238E27FC236}">
+                <a16:creationId xmlns:a16="http://schemas.microsoft.com/office/drawing/2014/main" id="{EE33E163-D9BA-4223-9B19-95E938314ED4}"/>
+              </a:ext>
+            </a:extLst>
+          </p:cNvPr>
+          <p:cNvSpPr/>
+          <p:nvPr/>
+        </p:nvSpPr>
+        <p:spPr>
+          <a:xfrm>
+            <a:off x="5499279" y="1944710"/>
+            <a:ext cx="6284890" cy="3296986"/>
+          </a:xfrm>
+          <a:prstGeom prst="rect">
+            <a:avLst/>
+          </a:prstGeom>
+        </p:spPr>
+        <p:style>
+          <a:lnRef idx="2">
+            <a:schemeClr val="accent6"/>
+          </a:lnRef>
+          <a:fillRef idx="1">
+            <a:schemeClr val="lt1"/>
+          </a:fillRef>
+          <a:effectRef idx="0">
+            <a:schemeClr val="accent6"/>
+          </a:effectRef>
+          <a:fontRef idx="minor">
+            <a:schemeClr val="dk1"/>
+          </a:fontRef>
+        </p:style>
+        <p:txBody>
+          <a:bodyPr rtlCol="0" anchor="ctr"/>
+          <a:lstStyle/>
+          <a:p>
+            <a:pPr algn="ctr"/>
+            <a:endParaRPr lang="en-US">
+              <a:solidFill>
+                <a:schemeClr val="bg1"/>
+              </a:solidFill>
+            </a:endParaRPr>
+          </a:p>
+        </p:txBody>
       </p:sp>
     </p:spTree>
+    <p:extLst>
+      <p:ext uri="{BB962C8B-B14F-4D97-AF65-F5344CB8AC3E}">
+        <p14:creationId xmlns:p14="http://schemas.microsoft.com/office/powerpoint/2010/main" val="2710105719"/>
+      </p:ext>
+    </p:extLst>
   </p:cSld>
   <p:clrMapOvr>
     <a:masterClrMapping/>
   </p:clrMapOvr>
-  <p:timing>
-    <p:tnLst>
-      <p:par>
-        <p:cTn id="1" dur="indefinite" restart="never" nodeType="tmRoot">
-          <p:childTnLst>
-            <p:seq>
-              <p:cTn id="2" nodeType="mainSeq"/>
-              <p:prevCondLst>
-                <p:cond evt="onPrev" delay="0">
-                  <p:tgtEl>
-                    <p:sldTgt/>
-                  </p:tgtEl>
-                </p:cond>
-              </p:prevCondLst>
-              <p:nextCondLst>
-                <p:cond evt="onNext" delay="0">
-                  <p:tgtEl>
-                    <p:sldTgt/>
-                  </p:tgtEl>
-                </p:cond>
-              </p:nextCondLst>
-            </p:seq>
-          </p:childTnLst>
-        </p:cTn>
-      </p:par>
-    </p:tnLst>
-  </p:timing>
 </p:sld>
 </file>
 
@@ -5915,7 +6451,7 @@
       </p:grpSpPr>
       <p:sp>
         <p:nvSpPr>
-          <p:cNvPr id="48" name="CustomShape 1"/>
+          <p:cNvPr id="44" name="CustomShape 1"/>
           <p:cNvSpPr/>
           <p:nvPr/>
         </p:nvSpPr>
@@ -5951,14 +6487,14 @@
       </p:sp>
       <p:sp>
         <p:nvSpPr>
-          <p:cNvPr id="49" name="CustomShape 2"/>
+          <p:cNvPr id="45" name="CustomShape 2"/>
           <p:cNvSpPr/>
           <p:nvPr/>
         </p:nvSpPr>
         <p:spPr>
           <a:xfrm>
-            <a:off x="3983040" y="859680"/>
-            <a:ext cx="4225680" cy="639000"/>
+            <a:off x="4230000" y="859680"/>
+            <a:ext cx="3732120" cy="639000"/>
           </a:xfrm>
           <a:prstGeom prst="rect">
             <a:avLst/>
@@ -6001,7 +6537,7 @@
                 </a:uFill>
                 <a:latin typeface="Lato"/>
               </a:rPr>
-              <a:t>HTML DOCUMENT</a:t>
+              <a:t>WHAT IS HTML ?</a:t>
             </a:r>
             <a:endParaRPr lang="en-US" sz="1800" b="0" strike="noStrike" spc="-1">
               <a:solidFill>
@@ -6019,14 +6555,14 @@
       </p:sp>
       <p:sp>
         <p:nvSpPr>
-          <p:cNvPr id="50" name="CustomShape 3"/>
+          <p:cNvPr id="46" name="CustomShape 3"/>
           <p:cNvSpPr/>
           <p:nvPr/>
         </p:nvSpPr>
         <p:spPr>
           <a:xfrm>
-            <a:off x="0" y="1505880"/>
-            <a:ext cx="12191760" cy="1004760"/>
+            <a:off x="0" y="1803600"/>
+            <a:ext cx="12191760" cy="3747960"/>
           </a:xfrm>
           <a:prstGeom prst="rect">
             <a:avLst/>
@@ -6074,49 +6610,7 @@
                 </a:uFill>
                 <a:latin typeface="Lato"/>
               </a:rPr>
-              <a:t>HTML documents must start with a document type declaration : </a:t>
-            </a:r>
-            <a:r>
-              <a:rPr lang="en-US" sz="2400" b="1" strike="noStrike" spc="-1" dirty="0">
-                <a:solidFill>
-                  <a:srgbClr val="FFFF00"/>
-                </a:solidFill>
-                <a:uFill>
-                  <a:solidFill>
-                    <a:srgbClr val="FFFFFF"/>
-                  </a:solidFill>
-                </a:uFill>
-                <a:latin typeface="Lato"/>
-              </a:rPr>
-              <a:t>&lt;!DOCTYPE html&gt;</a:t>
-            </a:r>
-            <a:r>
-              <a:rPr lang="en-US" sz="2400" strike="noStrike" spc="-1" dirty="0">
-                <a:solidFill>
-                  <a:srgbClr val="FFFF00"/>
-                </a:solidFill>
-                <a:uFill>
-                  <a:solidFill>
-                    <a:srgbClr val="FFFFFF"/>
-                  </a:solidFill>
-                </a:uFill>
-                <a:latin typeface="Lato"/>
-              </a:rPr>
-              <a:t> </a:t>
-            </a:r>
-            <a:r>
-              <a:rPr lang="en-US" sz="2400" strike="noStrike" spc="-1" dirty="0">
-                <a:solidFill>
-                  <a:srgbClr val="FFFFFF"/>
-                </a:solidFill>
-                <a:uFill>
-                  <a:solidFill>
-                    <a:srgbClr val="FFFFFF"/>
-                  </a:solidFill>
-                </a:uFill>
-                <a:latin typeface="Lato"/>
-              </a:rPr>
-              <a:t>, represented for HTML5.</a:t>
+              <a:t>HTML is the standard markup language for creating Web pages – Web Page is a document which can be display in a web browser such as Firefox, Google Chrome and Website is a collection of webpages.</a:t>
             </a:r>
             <a:endParaRPr lang="en-US" sz="1800" strike="noStrike" spc="-1" dirty="0">
               <a:solidFill>
@@ -6130,11 +6624,122 @@
               <a:latin typeface="Arial"/>
             </a:endParaRPr>
           </a:p>
+          <a:p>
+            <a:pPr marL="457200" indent="-456840">
+              <a:lnSpc>
+                <a:spcPct val="150000"/>
+              </a:lnSpc>
+              <a:buClr>
+                <a:srgbClr val="FFFFFF"/>
+              </a:buClr>
+              <a:buFont typeface="Wingdings" charset="2"/>
+              <a:buChar char=""/>
+            </a:pPr>
+            <a:r>
+              <a:rPr lang="en-US" sz="2400" strike="noStrike" spc="-1" dirty="0">
+                <a:solidFill>
+                  <a:srgbClr val="FFFFFF"/>
+                </a:solidFill>
+                <a:uFill>
+                  <a:solidFill>
+                    <a:srgbClr val="FFFFFF"/>
+                  </a:solidFill>
+                </a:uFill>
+                <a:latin typeface="Lato"/>
+              </a:rPr>
+              <a:t>HTML stands for Hyper Text Markup Language. Extension file HTML is .html.</a:t>
+            </a:r>
+            <a:endParaRPr lang="en-US" sz="1800" strike="noStrike" spc="-1" dirty="0">
+              <a:solidFill>
+                <a:srgbClr val="000000"/>
+              </a:solidFill>
+              <a:uFill>
+                <a:solidFill>
+                  <a:srgbClr val="FFFFFF"/>
+                </a:solidFill>
+              </a:uFill>
+              <a:latin typeface="Arial"/>
+            </a:endParaRPr>
+          </a:p>
+          <a:p>
+            <a:pPr marL="457200" indent="-456840">
+              <a:lnSpc>
+                <a:spcPct val="150000"/>
+              </a:lnSpc>
+              <a:buClr>
+                <a:srgbClr val="FFFFFF"/>
+              </a:buClr>
+              <a:buFont typeface="Wingdings" charset="2"/>
+              <a:buChar char=""/>
+            </a:pPr>
+            <a:r>
+              <a:rPr lang="en-US" sz="2400" strike="noStrike" spc="-1" dirty="0">
+                <a:solidFill>
+                  <a:srgbClr val="FFFFFF"/>
+                </a:solidFill>
+                <a:uFill>
+                  <a:solidFill>
+                    <a:srgbClr val="FFFFFF"/>
+                  </a:solidFill>
+                </a:uFill>
+                <a:latin typeface="Lato"/>
+              </a:rPr>
+              <a:t>HTML elements are the building blocks of HTML pages and represented by tags.</a:t>
+            </a:r>
+            <a:endParaRPr lang="en-US" sz="1800" strike="noStrike" spc="-1" dirty="0">
+              <a:solidFill>
+                <a:srgbClr val="000000"/>
+              </a:solidFill>
+              <a:uFill>
+                <a:solidFill>
+                  <a:srgbClr val="FFFFFF"/>
+                </a:solidFill>
+              </a:uFill>
+              <a:latin typeface="Arial"/>
+            </a:endParaRPr>
+          </a:p>
+          <a:p>
+            <a:pPr marL="457200" indent="-456840">
+              <a:lnSpc>
+                <a:spcPct val="150000"/>
+              </a:lnSpc>
+              <a:buClr>
+                <a:srgbClr val="FFFFFF"/>
+              </a:buClr>
+              <a:buFont typeface="Wingdings" charset="2"/>
+              <a:buChar char=""/>
+            </a:pPr>
+            <a:r>
+              <a:rPr lang="en-US" sz="2400" strike="noStrike" spc="-1" dirty="0">
+                <a:solidFill>
+                  <a:srgbClr val="FFFFFF"/>
+                </a:solidFill>
+                <a:uFill>
+                  <a:solidFill>
+                    <a:srgbClr val="FFFFFF"/>
+                  </a:solidFill>
+                </a:uFill>
+                <a:latin typeface="Lato"/>
+              </a:rPr>
+              <a:t>Browsers do not display the HTML tags, but use them to render the content of the page.</a:t>
+            </a:r>
+            <a:endParaRPr lang="en-US" sz="1800" strike="noStrike" spc="-1" dirty="0">
+              <a:solidFill>
+                <a:srgbClr val="000000"/>
+              </a:solidFill>
+              <a:uFill>
+                <a:solidFill>
+                  <a:srgbClr val="FFFFFF"/>
+                </a:solidFill>
+              </a:uFill>
+              <a:latin typeface="Arial"/>
+            </a:endParaRPr>
+          </a:p>
         </p:txBody>
       </p:sp>
       <p:sp>
         <p:nvSpPr>
-          <p:cNvPr id="51" name="Line 4"/>
+          <p:cNvPr id="47" name="Line 4"/>
           <p:cNvSpPr/>
           <p:nvPr/>
         </p:nvSpPr>
@@ -6165,385 +6770,6 @@
           <a:fontRef idx="minor"/>
         </p:style>
       </p:sp>
-      <p:sp>
-        <p:nvSpPr>
-          <p:cNvPr id="52" name="CustomShape 5"/>
-          <p:cNvSpPr/>
-          <p:nvPr/>
-        </p:nvSpPr>
-        <p:spPr>
-          <a:xfrm>
-            <a:off x="-1800" y="2633400"/>
-            <a:ext cx="8643240" cy="3747240"/>
-          </a:xfrm>
-          <a:prstGeom prst="rect">
-            <a:avLst/>
-          </a:prstGeom>
-          <a:noFill/>
-          <a:ln>
-            <a:noFill/>
-          </a:ln>
-        </p:spPr>
-        <p:style>
-          <a:lnRef idx="0">
-            <a:scrgbClr r="0" g="0" b="0"/>
-          </a:lnRef>
-          <a:fillRef idx="0">
-            <a:scrgbClr r="0" g="0" b="0"/>
-          </a:fillRef>
-          <a:effectRef idx="0">
-            <a:scrgbClr r="0" g="0" b="0"/>
-          </a:effectRef>
-          <a:fontRef idx="minor"/>
-        </p:style>
-        <p:txBody>
-          <a:bodyPr lIns="90000" tIns="45000" rIns="90000" bIns="45000"/>
-          <a:lstStyle/>
-          <a:p>
-            <a:pPr marL="457200" indent="-456840">
-              <a:lnSpc>
-                <a:spcPct val="150000"/>
-              </a:lnSpc>
-              <a:buClr>
-                <a:srgbClr val="FFFFFF"/>
-              </a:buClr>
-              <a:buFont typeface="Wingdings" charset="2"/>
-              <a:buChar char=""/>
-            </a:pPr>
-            <a:r>
-              <a:rPr lang="en-US" sz="2400" strike="noStrike" spc="-1" dirty="0">
-                <a:solidFill>
-                  <a:srgbClr val="FFFFFF"/>
-                </a:solidFill>
-                <a:uFill>
-                  <a:solidFill>
-                    <a:srgbClr val="FFFFFF"/>
-                  </a:solidFill>
-                </a:uFill>
-                <a:latin typeface="Lato"/>
-              </a:rPr>
-              <a:t>The </a:t>
-            </a:r>
-            <a:r>
-              <a:rPr lang="en-US" sz="2400" b="1" strike="noStrike" spc="-1" dirty="0">
-                <a:solidFill>
-                  <a:srgbClr val="FFFF00"/>
-                </a:solidFill>
-                <a:uFill>
-                  <a:solidFill>
-                    <a:srgbClr val="FFFFFF"/>
-                  </a:solidFill>
-                </a:uFill>
-                <a:latin typeface="Lato"/>
-              </a:rPr>
-              <a:t>&lt;html&gt;</a:t>
-            </a:r>
-            <a:r>
-              <a:rPr lang="en-US" sz="2400" strike="noStrike" spc="-1" dirty="0">
-                <a:solidFill>
-                  <a:srgbClr val="FFFF00"/>
-                </a:solidFill>
-                <a:uFill>
-                  <a:solidFill>
-                    <a:srgbClr val="FFFFFF"/>
-                  </a:solidFill>
-                </a:uFill>
-                <a:latin typeface="Lato"/>
-              </a:rPr>
-              <a:t> </a:t>
-            </a:r>
-            <a:r>
-              <a:rPr lang="en-US" sz="2400" strike="noStrike" spc="-1" dirty="0">
-                <a:solidFill>
-                  <a:srgbClr val="FFFFFF"/>
-                </a:solidFill>
-                <a:uFill>
-                  <a:solidFill>
-                    <a:srgbClr val="FFFFFF"/>
-                  </a:solidFill>
-                </a:uFill>
-                <a:latin typeface="Lato"/>
-              </a:rPr>
-              <a:t>element is the root element of an HTML page and end with </a:t>
-            </a:r>
-            <a:r>
-              <a:rPr lang="en-US" sz="2400" b="1" strike="noStrike" spc="-1" dirty="0">
-                <a:solidFill>
-                  <a:srgbClr val="FFFF00"/>
-                </a:solidFill>
-                <a:uFill>
-                  <a:solidFill>
-                    <a:srgbClr val="FFFFFF"/>
-                  </a:solidFill>
-                </a:uFill>
-                <a:latin typeface="Lato"/>
-              </a:rPr>
-              <a:t>&lt;/html&gt;</a:t>
-            </a:r>
-            <a:r>
-              <a:rPr lang="en-US" sz="2400" strike="noStrike" spc="-1" dirty="0">
-                <a:solidFill>
-                  <a:srgbClr val="FFFFFF"/>
-                </a:solidFill>
-                <a:uFill>
-                  <a:solidFill>
-                    <a:srgbClr val="FFFFFF"/>
-                  </a:solidFill>
-                </a:uFill>
-                <a:latin typeface="Lato"/>
-              </a:rPr>
-              <a:t>.</a:t>
-            </a:r>
-            <a:endParaRPr lang="en-US" sz="1800" strike="noStrike" spc="-1" dirty="0">
-              <a:solidFill>
-                <a:srgbClr val="000000"/>
-              </a:solidFill>
-              <a:uFill>
-                <a:solidFill>
-                  <a:srgbClr val="FFFFFF"/>
-                </a:solidFill>
-              </a:uFill>
-              <a:latin typeface="Arial"/>
-            </a:endParaRPr>
-          </a:p>
-          <a:p>
-            <a:pPr marL="457200" indent="-456840">
-              <a:lnSpc>
-                <a:spcPct val="150000"/>
-              </a:lnSpc>
-              <a:buClr>
-                <a:srgbClr val="FFFFFF"/>
-              </a:buClr>
-              <a:buFont typeface="Wingdings" charset="2"/>
-              <a:buChar char=""/>
-            </a:pPr>
-            <a:r>
-              <a:rPr lang="en-US" sz="2400" strike="noStrike" spc="-1" dirty="0">
-                <a:solidFill>
-                  <a:srgbClr val="FFFFFF"/>
-                </a:solidFill>
-                <a:uFill>
-                  <a:solidFill>
-                    <a:srgbClr val="FFFFFF"/>
-                  </a:solidFill>
-                </a:uFill>
-                <a:latin typeface="Lato"/>
-              </a:rPr>
-              <a:t>The </a:t>
-            </a:r>
-            <a:r>
-              <a:rPr lang="en-US" sz="2400" b="1" strike="noStrike" spc="-1" dirty="0">
-                <a:solidFill>
-                  <a:srgbClr val="FFFF00"/>
-                </a:solidFill>
-                <a:uFill>
-                  <a:solidFill>
-                    <a:srgbClr val="FFFFFF"/>
-                  </a:solidFill>
-                </a:uFill>
-                <a:latin typeface="Lato"/>
-              </a:rPr>
-              <a:t>&lt;head&gt;</a:t>
-            </a:r>
-            <a:r>
-              <a:rPr lang="en-US" sz="2400" strike="noStrike" spc="-1" dirty="0">
-                <a:solidFill>
-                  <a:srgbClr val="FFFF00"/>
-                </a:solidFill>
-                <a:uFill>
-                  <a:solidFill>
-                    <a:srgbClr val="FFFFFF"/>
-                  </a:solidFill>
-                </a:uFill>
-                <a:latin typeface="Lato"/>
-              </a:rPr>
-              <a:t> </a:t>
-            </a:r>
-            <a:r>
-              <a:rPr lang="en-US" sz="2400" strike="noStrike" spc="-1" dirty="0">
-                <a:solidFill>
-                  <a:srgbClr val="FFFFFF"/>
-                </a:solidFill>
-                <a:uFill>
-                  <a:solidFill>
-                    <a:srgbClr val="FFFFFF"/>
-                  </a:solidFill>
-                </a:uFill>
-                <a:latin typeface="Lato"/>
-              </a:rPr>
-              <a:t>element contains meta information about the document.</a:t>
-            </a:r>
-            <a:endParaRPr lang="en-US" sz="1800" strike="noStrike" spc="-1" dirty="0">
-              <a:solidFill>
-                <a:srgbClr val="000000"/>
-              </a:solidFill>
-              <a:uFill>
-                <a:solidFill>
-                  <a:srgbClr val="FFFFFF"/>
-                </a:solidFill>
-              </a:uFill>
-              <a:latin typeface="Arial"/>
-            </a:endParaRPr>
-          </a:p>
-          <a:p>
-            <a:pPr marL="457200" indent="-456840">
-              <a:lnSpc>
-                <a:spcPct val="150000"/>
-              </a:lnSpc>
-              <a:buClr>
-                <a:srgbClr val="FFFFFF"/>
-              </a:buClr>
-              <a:buFont typeface="Wingdings" charset="2"/>
-              <a:buChar char=""/>
-            </a:pPr>
-            <a:r>
-              <a:rPr lang="en-US" sz="2400" strike="noStrike" spc="-1" dirty="0">
-                <a:solidFill>
-                  <a:srgbClr val="FFFFFF"/>
-                </a:solidFill>
-                <a:uFill>
-                  <a:solidFill>
-                    <a:srgbClr val="FFFFFF"/>
-                  </a:solidFill>
-                </a:uFill>
-                <a:latin typeface="Lato"/>
-              </a:rPr>
-              <a:t>The </a:t>
-            </a:r>
-            <a:r>
-              <a:rPr lang="en-US" sz="2400" b="1" strike="noStrike" spc="-1" dirty="0">
-                <a:solidFill>
-                  <a:srgbClr val="FFFF00"/>
-                </a:solidFill>
-                <a:uFill>
-                  <a:solidFill>
-                    <a:srgbClr val="FFFFFF"/>
-                  </a:solidFill>
-                </a:uFill>
-                <a:latin typeface="Lato"/>
-              </a:rPr>
-              <a:t>&lt;body&gt;</a:t>
-            </a:r>
-            <a:r>
-              <a:rPr lang="en-US" sz="2400" strike="noStrike" spc="-1" dirty="0">
-                <a:solidFill>
-                  <a:srgbClr val="FFFF00"/>
-                </a:solidFill>
-                <a:uFill>
-                  <a:solidFill>
-                    <a:srgbClr val="FFFFFF"/>
-                  </a:solidFill>
-                </a:uFill>
-                <a:latin typeface="Lato"/>
-              </a:rPr>
-              <a:t> </a:t>
-            </a:r>
-            <a:r>
-              <a:rPr lang="en-US" sz="2400" strike="noStrike" spc="-1" dirty="0">
-                <a:solidFill>
-                  <a:srgbClr val="FFFFFF"/>
-                </a:solidFill>
-                <a:uFill>
-                  <a:solidFill>
-                    <a:srgbClr val="FFFFFF"/>
-                  </a:solidFill>
-                </a:uFill>
-                <a:latin typeface="Lato"/>
-              </a:rPr>
-              <a:t>element contains the visible page content.</a:t>
-            </a:r>
-            <a:endParaRPr lang="en-US" sz="1800" strike="noStrike" spc="-1" dirty="0">
-              <a:solidFill>
-                <a:srgbClr val="000000"/>
-              </a:solidFill>
-              <a:uFill>
-                <a:solidFill>
-                  <a:srgbClr val="FFFFFF"/>
-                </a:solidFill>
-              </a:uFill>
-              <a:latin typeface="Arial"/>
-            </a:endParaRPr>
-          </a:p>
-          <a:p>
-            <a:pPr marL="457200" indent="-456840">
-              <a:lnSpc>
-                <a:spcPct val="150000"/>
-              </a:lnSpc>
-              <a:buClr>
-                <a:srgbClr val="FFFFFF"/>
-              </a:buClr>
-              <a:buFont typeface="Wingdings" charset="2"/>
-              <a:buChar char=""/>
-            </a:pPr>
-            <a:r>
-              <a:rPr lang="en-US" sz="2400" strike="noStrike" spc="-1" dirty="0">
-                <a:solidFill>
-                  <a:srgbClr val="FFFFFF"/>
-                </a:solidFill>
-                <a:uFill>
-                  <a:solidFill>
-                    <a:srgbClr val="FFFFFF"/>
-                  </a:solidFill>
-                </a:uFill>
-                <a:latin typeface="Lato"/>
-              </a:rPr>
-              <a:t>Do not care about another element. Will be learned it later.</a:t>
-            </a:r>
-            <a:endParaRPr lang="en-US" sz="1800" strike="noStrike" spc="-1" dirty="0">
-              <a:solidFill>
-                <a:srgbClr val="000000"/>
-              </a:solidFill>
-              <a:uFill>
-                <a:solidFill>
-                  <a:srgbClr val="FFFFFF"/>
-                </a:solidFill>
-              </a:uFill>
-              <a:latin typeface="Arial"/>
-            </a:endParaRPr>
-          </a:p>
-          <a:p>
-            <a:pPr>
-              <a:lnSpc>
-                <a:spcPct val="150000"/>
-              </a:lnSpc>
-            </a:pPr>
-            <a:endParaRPr lang="en-US" sz="1800" strike="noStrike" spc="-1" dirty="0">
-              <a:solidFill>
-                <a:srgbClr val="000000"/>
-              </a:solidFill>
-              <a:uFill>
-                <a:solidFill>
-                  <a:srgbClr val="FFFFFF"/>
-                </a:solidFill>
-              </a:uFill>
-              <a:latin typeface="Arial"/>
-            </a:endParaRPr>
-          </a:p>
-        </p:txBody>
-      </p:sp>
-      <p:pic>
-        <p:nvPicPr>
-          <p:cNvPr id="53" name="Picture 16"/>
-          <p:cNvPicPr/>
-          <p:nvPr/>
-        </p:nvPicPr>
-        <p:blipFill>
-          <a:blip r:embed="rId2"/>
-          <a:stretch/>
-        </p:blipFill>
-        <p:spPr>
-          <a:xfrm>
-            <a:off x="8641800" y="2532240"/>
-            <a:ext cx="3419640" cy="3286080"/>
-          </a:xfrm>
-          <a:prstGeom prst="rect">
-            <a:avLst/>
-          </a:prstGeom>
-          <a:ln>
-            <a:noFill/>
-          </a:ln>
-        </p:spPr>
-      </p:pic>
     </p:spTree>
   </p:cSld>
   <p:clrMapOvr>
@@ -6598,7 +6824,7 @@
       </p:grpSpPr>
       <p:sp>
         <p:nvSpPr>
-          <p:cNvPr id="54" name="CustomShape 1"/>
+          <p:cNvPr id="48" name="CustomShape 1"/>
           <p:cNvSpPr/>
           <p:nvPr/>
         </p:nvSpPr>
@@ -6634,14 +6860,14 @@
       </p:sp>
       <p:sp>
         <p:nvSpPr>
-          <p:cNvPr id="55" name="CustomShape 2"/>
+          <p:cNvPr id="49" name="CustomShape 2"/>
           <p:cNvSpPr/>
           <p:nvPr/>
         </p:nvSpPr>
         <p:spPr>
           <a:xfrm>
-            <a:off x="4279320" y="859680"/>
-            <a:ext cx="3633120" cy="639000"/>
+            <a:off x="3983040" y="859680"/>
+            <a:ext cx="4225680" cy="639000"/>
           </a:xfrm>
           <a:prstGeom prst="rect">
             <a:avLst/>
@@ -6684,7 +6910,7 @@
                 </a:uFill>
                 <a:latin typeface="Lato"/>
               </a:rPr>
-              <a:t>HTML ELEMENT</a:t>
+              <a:t>HTML DOCUMENT</a:t>
             </a:r>
             <a:endParaRPr lang="en-US" sz="1800" b="0" strike="noStrike" spc="-1">
               <a:solidFill>
@@ -6702,14 +6928,14 @@
       </p:sp>
       <p:sp>
         <p:nvSpPr>
-          <p:cNvPr id="56" name="CustomShape 3"/>
+          <p:cNvPr id="50" name="CustomShape 3"/>
           <p:cNvSpPr/>
           <p:nvPr/>
         </p:nvSpPr>
         <p:spPr>
           <a:xfrm>
             <a:off x="0" y="1505880"/>
-            <a:ext cx="12191760" cy="456120"/>
+            <a:ext cx="12191760" cy="1004760"/>
           </a:xfrm>
           <a:prstGeom prst="rect">
             <a:avLst/>
@@ -6757,7 +6983,49 @@
                 </a:uFill>
                 <a:latin typeface="Lato"/>
               </a:rPr>
-              <a:t>HTML tags are element names surrounded by angle brackets :</a:t>
+              <a:t>HTML documents must start with a document type declaration : </a:t>
+            </a:r>
+            <a:r>
+              <a:rPr lang="en-US" sz="2400" b="1" strike="noStrike" spc="-1" dirty="0">
+                <a:solidFill>
+                  <a:srgbClr val="FFFF00"/>
+                </a:solidFill>
+                <a:uFill>
+                  <a:solidFill>
+                    <a:srgbClr val="FFFFFF"/>
+                  </a:solidFill>
+                </a:uFill>
+                <a:latin typeface="Lato"/>
+              </a:rPr>
+              <a:t>&lt;!DOCTYPE html&gt;</a:t>
+            </a:r>
+            <a:r>
+              <a:rPr lang="en-US" sz="2400" strike="noStrike" spc="-1" dirty="0">
+                <a:solidFill>
+                  <a:srgbClr val="FFFF00"/>
+                </a:solidFill>
+                <a:uFill>
+                  <a:solidFill>
+                    <a:srgbClr val="FFFFFF"/>
+                  </a:solidFill>
+                </a:uFill>
+                <a:latin typeface="Lato"/>
+              </a:rPr>
+              <a:t> </a:t>
+            </a:r>
+            <a:r>
+              <a:rPr lang="en-US" sz="2400" strike="noStrike" spc="-1" dirty="0">
+                <a:solidFill>
+                  <a:srgbClr val="FFFFFF"/>
+                </a:solidFill>
+                <a:uFill>
+                  <a:solidFill>
+                    <a:srgbClr val="FFFFFF"/>
+                  </a:solidFill>
+                </a:uFill>
+                <a:latin typeface="Lato"/>
+              </a:rPr>
+              <a:t>, represented for HTML5.</a:t>
             </a:r>
             <a:endParaRPr lang="en-US" sz="1800" strike="noStrike" spc="-1" dirty="0">
               <a:solidFill>
@@ -6775,7 +7043,7 @@
       </p:sp>
       <p:sp>
         <p:nvSpPr>
-          <p:cNvPr id="57" name="Line 4"/>
+          <p:cNvPr id="51" name="Line 4"/>
           <p:cNvSpPr/>
           <p:nvPr/>
         </p:nvSpPr>
@@ -6806,39 +7074,16 @@
           <a:fontRef idx="minor"/>
         </p:style>
       </p:sp>
-      <p:pic>
-        <p:nvPicPr>
-          <p:cNvPr id="58" name="Picture 3"/>
-          <p:cNvPicPr/>
-          <p:nvPr/>
-        </p:nvPicPr>
-        <p:blipFill>
-          <a:blip r:embed="rId2"/>
-          <a:stretch/>
-        </p:blipFill>
-        <p:spPr>
-          <a:xfrm>
-            <a:off x="3676680" y="2149920"/>
-            <a:ext cx="4838760" cy="645840"/>
-          </a:xfrm>
-          <a:prstGeom prst="rect">
-            <a:avLst/>
-          </a:prstGeom>
-          <a:ln>
-            <a:noFill/>
-          </a:ln>
-        </p:spPr>
-      </p:pic>
       <p:sp>
         <p:nvSpPr>
-          <p:cNvPr id="59" name="CustomShape 5"/>
+          <p:cNvPr id="52" name="CustomShape 5"/>
           <p:cNvSpPr/>
           <p:nvPr/>
         </p:nvSpPr>
         <p:spPr>
           <a:xfrm>
-            <a:off x="-1800" y="2796120"/>
-            <a:ext cx="12193560" cy="3198600"/>
+            <a:off x="-1800" y="2633400"/>
+            <a:ext cx="8643240" cy="3747240"/>
           </a:xfrm>
           <a:prstGeom prst="rect">
             <a:avLst/>
@@ -6886,7 +7131,77 @@
                 </a:uFill>
                 <a:latin typeface="Lato"/>
               </a:rPr>
-              <a:t>HTML tags normally come in pairs, but sometime go alone. </a:t>
+              <a:t>The </a:t>
+            </a:r>
+            <a:r>
+              <a:rPr lang="en-US" sz="2400" b="1" strike="noStrike" spc="-1" dirty="0">
+                <a:solidFill>
+                  <a:srgbClr val="FFFF00"/>
+                </a:solidFill>
+                <a:uFill>
+                  <a:solidFill>
+                    <a:srgbClr val="FFFFFF"/>
+                  </a:solidFill>
+                </a:uFill>
+                <a:latin typeface="Lato"/>
+              </a:rPr>
+              <a:t>&lt;html&gt;</a:t>
+            </a:r>
+            <a:r>
+              <a:rPr lang="en-US" sz="2400" strike="noStrike" spc="-1" dirty="0">
+                <a:solidFill>
+                  <a:srgbClr val="FFFF00"/>
+                </a:solidFill>
+                <a:uFill>
+                  <a:solidFill>
+                    <a:srgbClr val="FFFFFF"/>
+                  </a:solidFill>
+                </a:uFill>
+                <a:latin typeface="Lato"/>
+              </a:rPr>
+              <a:t> </a:t>
+            </a:r>
+            <a:r>
+              <a:rPr lang="en-US" sz="2400" strike="noStrike" spc="-1" dirty="0">
+                <a:solidFill>
+                  <a:srgbClr val="FFFFFF"/>
+                </a:solidFill>
+                <a:uFill>
+                  <a:solidFill>
+                    <a:srgbClr val="FFFFFF"/>
+                  </a:solidFill>
+                </a:uFill>
+                <a:latin typeface="Lato"/>
+              </a:rPr>
+              <a:t>element is the root element of an HTML page and end with </a:t>
+            </a:r>
+            <a:r>
+              <a:rPr lang="en-US" sz="2400" b="1" strike="noStrike" spc="-1" dirty="0">
+                <a:solidFill>
+                  <a:srgbClr val="FFFF00"/>
+                </a:solidFill>
+                <a:uFill>
+                  <a:solidFill>
+                    <a:srgbClr val="FFFFFF"/>
+                  </a:solidFill>
+                </a:uFill>
+                <a:latin typeface="Lato"/>
+              </a:rPr>
+              <a:t>&lt;/html&gt;</a:t>
+            </a:r>
+            <a:r>
+              <a:rPr lang="en-US" sz="2400" strike="noStrike" spc="-1" dirty="0">
+                <a:solidFill>
+                  <a:srgbClr val="FFFFFF"/>
+                </a:solidFill>
+                <a:uFill>
+                  <a:solidFill>
+                    <a:srgbClr val="FFFFFF"/>
+                  </a:solidFill>
+                </a:uFill>
+                <a:latin typeface="Lato"/>
+              </a:rPr>
+              <a:t>.</a:t>
             </a:r>
             <a:endParaRPr lang="en-US" sz="1800" strike="noStrike" spc="-1" dirty="0">
               <a:solidFill>
@@ -6923,7 +7238,49 @@
                 </a:uFill>
                 <a:latin typeface="Lato"/>
               </a:rPr>
-              <a:t>The first tag is the opening tag and the other one is closing tag. Carefully with forward slash of closing tag.</a:t>
+              <a:t>The </a:t>
+            </a:r>
+            <a:r>
+              <a:rPr lang="en-US" sz="2400" b="1" strike="noStrike" spc="-1" dirty="0">
+                <a:solidFill>
+                  <a:srgbClr val="FFFF00"/>
+                </a:solidFill>
+                <a:uFill>
+                  <a:solidFill>
+                    <a:srgbClr val="FFFFFF"/>
+                  </a:solidFill>
+                </a:uFill>
+                <a:latin typeface="Lato"/>
+              </a:rPr>
+              <a:t>&lt;head&gt;</a:t>
+            </a:r>
+            <a:r>
+              <a:rPr lang="en-US" sz="2400" strike="noStrike" spc="-1" dirty="0">
+                <a:solidFill>
+                  <a:srgbClr val="FFFF00"/>
+                </a:solidFill>
+                <a:uFill>
+                  <a:solidFill>
+                    <a:srgbClr val="FFFFFF"/>
+                  </a:solidFill>
+                </a:uFill>
+                <a:latin typeface="Lato"/>
+              </a:rPr>
+              <a:t> </a:t>
+            </a:r>
+            <a:r>
+              <a:rPr lang="en-US" sz="2400" strike="noStrike" spc="-1" dirty="0">
+                <a:solidFill>
+                  <a:srgbClr val="FFFFFF"/>
+                </a:solidFill>
+                <a:uFill>
+                  <a:solidFill>
+                    <a:srgbClr val="FFFFFF"/>
+                  </a:solidFill>
+                </a:uFill>
+                <a:latin typeface="Lato"/>
+              </a:rPr>
+              <a:t>element contains meta information about the document.</a:t>
             </a:r>
             <a:endParaRPr lang="en-US" sz="1800" strike="noStrike" spc="-1" dirty="0">
               <a:solidFill>
@@ -6960,7 +7317,49 @@
                 </a:uFill>
                 <a:latin typeface="Lato"/>
               </a:rPr>
-              <a:t>Some of special tag do not have the close tag, it is called empty elements.</a:t>
+              <a:t>The </a:t>
+            </a:r>
+            <a:r>
+              <a:rPr lang="en-US" sz="2400" b="1" strike="noStrike" spc="-1" dirty="0">
+                <a:solidFill>
+                  <a:srgbClr val="FFFF00"/>
+                </a:solidFill>
+                <a:uFill>
+                  <a:solidFill>
+                    <a:srgbClr val="FFFFFF"/>
+                  </a:solidFill>
+                </a:uFill>
+                <a:latin typeface="Lato"/>
+              </a:rPr>
+              <a:t>&lt;body&gt;</a:t>
+            </a:r>
+            <a:r>
+              <a:rPr lang="en-US" sz="2400" strike="noStrike" spc="-1" dirty="0">
+                <a:solidFill>
+                  <a:srgbClr val="FFFF00"/>
+                </a:solidFill>
+                <a:uFill>
+                  <a:solidFill>
+                    <a:srgbClr val="FFFFFF"/>
+                  </a:solidFill>
+                </a:uFill>
+                <a:latin typeface="Lato"/>
+              </a:rPr>
+              <a:t> </a:t>
+            </a:r>
+            <a:r>
+              <a:rPr lang="en-US" sz="2400" strike="noStrike" spc="-1" dirty="0">
+                <a:solidFill>
+                  <a:srgbClr val="FFFFFF"/>
+                </a:solidFill>
+                <a:uFill>
+                  <a:solidFill>
+                    <a:srgbClr val="FFFFFF"/>
+                  </a:solidFill>
+                </a:uFill>
+                <a:latin typeface="Lato"/>
+              </a:rPr>
+              <a:t>element contains the visible page content.</a:t>
             </a:r>
             <a:endParaRPr lang="en-US" sz="1800" strike="noStrike" spc="-1" dirty="0">
               <a:solidFill>
@@ -6997,53 +7396,11 @@
                 </a:uFill>
                 <a:latin typeface="Lato"/>
               </a:rPr>
-              <a:t>HTML elements can be nested</a:t>
-            </a:r>
-            <a:r>
-              <a:rPr lang="vi-VN" sz="2400" strike="noStrike" spc="-1" dirty="0">
-                <a:solidFill>
-                  <a:srgbClr val="FFFFFF"/>
-                </a:solidFill>
-                <a:uFill>
-                  <a:solidFill>
-                    <a:srgbClr val="FFFFFF"/>
-                  </a:solidFill>
-                </a:uFill>
-                <a:latin typeface="Lato"/>
-              </a:rPr>
-              <a:t> : </a:t>
-            </a:r>
-            <a:r>
-              <a:rPr lang="vi-VN" sz="2400" b="1" strike="noStrike" spc="-1" dirty="0">
-                <a:solidFill>
-                  <a:srgbClr val="FFFF00"/>
-                </a:solidFill>
-                <a:uFill>
-                  <a:solidFill>
-                    <a:srgbClr val="FFFFFF"/>
-                  </a:solidFill>
-                </a:uFill>
-                <a:latin typeface="Lato"/>
-              </a:rPr>
-              <a:t>&lt;tag1&gt; &lt;tag2&gt; &lt;/tag2&gt; &lt;/tag1&gt;</a:t>
-            </a:r>
-            <a:r>
-              <a:rPr lang="vi-VN" sz="2400" b="1" strike="noStrike" spc="-1" dirty="0">
-                <a:solidFill>
-                  <a:schemeClr val="bg1"/>
-                </a:solidFill>
-                <a:uFill>
-                  <a:solidFill>
-                    <a:srgbClr val="FFFFFF"/>
-                  </a:solidFill>
-                </a:uFill>
-                <a:latin typeface="Lato"/>
-              </a:rPr>
-              <a:t>.</a:t>
-            </a:r>
-            <a:endParaRPr lang="en-US" sz="1800" b="1" strike="noStrike" spc="-1" dirty="0">
+              <a:t>Do not care about another element. Will be learned it later.</a:t>
+            </a:r>
+            <a:endParaRPr lang="en-US" sz="1800" strike="noStrike" spc="-1" dirty="0">
               <a:solidFill>
-                <a:schemeClr val="bg1"/>
+                <a:srgbClr val="000000"/>
               </a:solidFill>
               <a:uFill>
                 <a:solidFill>
@@ -7053,8 +7410,49 @@
               <a:latin typeface="Arial"/>
             </a:endParaRPr>
           </a:p>
+          <a:p>
+            <a:pPr>
+              <a:lnSpc>
+                <a:spcPct val="150000"/>
+              </a:lnSpc>
+            </a:pPr>
+            <a:endParaRPr lang="en-US" sz="1800" strike="noStrike" spc="-1" dirty="0">
+              <a:solidFill>
+                <a:srgbClr val="000000"/>
+              </a:solidFill>
+              <a:uFill>
+                <a:solidFill>
+                  <a:srgbClr val="FFFFFF"/>
+                </a:solidFill>
+              </a:uFill>
+              <a:latin typeface="Arial"/>
+            </a:endParaRPr>
+          </a:p>
         </p:txBody>
       </p:sp>
+      <p:pic>
+        <p:nvPicPr>
+          <p:cNvPr id="53" name="Picture 16"/>
+          <p:cNvPicPr/>
+          <p:nvPr/>
+        </p:nvPicPr>
+        <p:blipFill>
+          <a:blip r:embed="rId2"/>
+          <a:stretch/>
+        </p:blipFill>
+        <p:spPr>
+          <a:xfrm>
+            <a:off x="8641800" y="2532240"/>
+            <a:ext cx="3419640" cy="3286080"/>
+          </a:xfrm>
+          <a:prstGeom prst="rect">
+            <a:avLst/>
+          </a:prstGeom>
+          <a:ln>
+            <a:noFill/>
+          </a:ln>
+        </p:spPr>
+      </p:pic>
     </p:spTree>
   </p:cSld>
   <p:clrMapOvr>
@@ -7109,7 +7507,7 @@
       </p:grpSpPr>
       <p:sp>
         <p:nvSpPr>
-          <p:cNvPr id="60" name="CustomShape 1"/>
+          <p:cNvPr id="54" name="CustomShape 1"/>
           <p:cNvSpPr/>
           <p:nvPr/>
         </p:nvSpPr>
@@ -7145,14 +7543,14 @@
       </p:sp>
       <p:sp>
         <p:nvSpPr>
-          <p:cNvPr id="61" name="CustomShape 2"/>
+          <p:cNvPr id="55" name="CustomShape 2"/>
           <p:cNvSpPr/>
           <p:nvPr/>
         </p:nvSpPr>
         <p:spPr>
           <a:xfrm>
-            <a:off x="-600" y="859680"/>
-            <a:ext cx="12192600" cy="639000"/>
+            <a:off x="4279320" y="859680"/>
+            <a:ext cx="3633120" cy="639000"/>
           </a:xfrm>
           <a:prstGeom prst="rect">
             <a:avLst/>
@@ -7184,20 +7582,20 @@
               </a:lnSpc>
             </a:pPr>
             <a:r>
-              <a:rPr lang="en-US" sz="3600" b="0" strike="noStrike" spc="-1" dirty="0">
-                <a:solidFill>
-                  <a:srgbClr val="FFFFFF"/>
-                </a:solidFill>
-                <a:uFill>
-                  <a:solidFill>
-                    <a:srgbClr val="FFFFFF"/>
-                  </a:solidFill>
-                </a:uFill>
-                <a:latin typeface="Lato"/>
-              </a:rPr>
-              <a:t>HEADING &amp; PARAGRAPHS</a:t>
-            </a:r>
-            <a:endParaRPr lang="en-US" sz="1800" b="0" strike="noStrike" spc="-1" dirty="0">
+              <a:rPr lang="en-US" sz="3600" b="0" strike="noStrike" spc="-1">
+                <a:solidFill>
+                  <a:srgbClr val="FFFFFF"/>
+                </a:solidFill>
+                <a:uFill>
+                  <a:solidFill>
+                    <a:srgbClr val="FFFFFF"/>
+                  </a:solidFill>
+                </a:uFill>
+                <a:latin typeface="Lato"/>
+              </a:rPr>
+              <a:t>HTML ELEMENT</a:t>
+            </a:r>
+            <a:endParaRPr lang="en-US" sz="1800" b="0" strike="noStrike" spc="-1">
               <a:solidFill>
                 <a:srgbClr val="000000"/>
               </a:solidFill>
@@ -7213,14 +7611,14 @@
       </p:sp>
       <p:sp>
         <p:nvSpPr>
-          <p:cNvPr id="62" name="CustomShape 3"/>
+          <p:cNvPr id="56" name="CustomShape 3"/>
           <p:cNvSpPr/>
           <p:nvPr/>
         </p:nvSpPr>
         <p:spPr>
           <a:xfrm>
             <a:off x="0" y="1505880"/>
-            <a:ext cx="7893424" cy="3474473"/>
+            <a:ext cx="12191760" cy="456120"/>
           </a:xfrm>
           <a:prstGeom prst="rect">
             <a:avLst/>
@@ -7257,211 +7655,36 @@
               <a:buChar char=""/>
             </a:pPr>
             <a:r>
-              <a:rPr lang="vi-VN" sz="2400" strike="noStrike" spc="-1" dirty="0">
-                <a:solidFill>
-                  <a:srgbClr val="FFFFFF"/>
-                </a:solidFill>
-                <a:uFill>
-                  <a:solidFill>
-                    <a:srgbClr val="FFFFFF"/>
-                  </a:solidFill>
-                </a:uFill>
-                <a:latin typeface="Lato" panose="020F0502020204030203" pitchFamily="34" charset="0"/>
-                <a:ea typeface="Lato" panose="020F0502020204030203" pitchFamily="34" charset="0"/>
-                <a:cs typeface="Lato" panose="020F0502020204030203" pitchFamily="34" charset="0"/>
-              </a:rPr>
-              <a:t>Heading are defined with </a:t>
-            </a:r>
-            <a:r>
-              <a:rPr lang="vi-VN" sz="2400" b="1" strike="noStrike" spc="-1" dirty="0">
-                <a:solidFill>
-                  <a:srgbClr val="FFFF00"/>
-                </a:solidFill>
-                <a:uFill>
-                  <a:solidFill>
-                    <a:srgbClr val="FFFFFF"/>
-                  </a:solidFill>
-                </a:uFill>
-                <a:latin typeface="Lato" panose="020F0502020204030203" pitchFamily="34" charset="0"/>
-                <a:ea typeface="Lato" panose="020F0502020204030203" pitchFamily="34" charset="0"/>
-                <a:cs typeface="Lato" panose="020F0502020204030203" pitchFamily="34" charset="0"/>
-              </a:rPr>
-              <a:t>&lt;h1&gt;</a:t>
-            </a:r>
-            <a:r>
-              <a:rPr lang="vi-VN" sz="2400" strike="noStrike" spc="-1" dirty="0">
-                <a:solidFill>
-                  <a:srgbClr val="FFFFFF"/>
-                </a:solidFill>
-                <a:uFill>
-                  <a:solidFill>
-                    <a:srgbClr val="FFFFFF"/>
-                  </a:solidFill>
-                </a:uFill>
-                <a:latin typeface="Lato" panose="020F0502020204030203" pitchFamily="34" charset="0"/>
-                <a:ea typeface="Lato" panose="020F0502020204030203" pitchFamily="34" charset="0"/>
-                <a:cs typeface="Lato" panose="020F0502020204030203" pitchFamily="34" charset="0"/>
-              </a:rPr>
-              <a:t>, it is a element of HTML and a tag.</a:t>
-            </a:r>
-          </a:p>
-          <a:p>
-            <a:pPr marL="457200" indent="-456840">
-              <a:lnSpc>
-                <a:spcPct val="150000"/>
-              </a:lnSpc>
-              <a:buClr>
-                <a:srgbClr val="FFFFFF"/>
-              </a:buClr>
-              <a:buFont typeface="Wingdings" charset="2"/>
-              <a:buChar char=""/>
-            </a:pPr>
-            <a:r>
-              <a:rPr lang="vi-VN" sz="2400" spc="-1" dirty="0">
-                <a:solidFill>
-                  <a:srgbClr val="FFFFFF"/>
-                </a:solidFill>
-                <a:uFill>
-                  <a:solidFill>
-                    <a:srgbClr val="FFFFFF"/>
-                  </a:solidFill>
-                </a:uFill>
-                <a:latin typeface="Lato" panose="020F0502020204030203" pitchFamily="34" charset="0"/>
-                <a:ea typeface="Lato" panose="020F0502020204030203" pitchFamily="34" charset="0"/>
-                <a:cs typeface="Lato" panose="020F0502020204030203" pitchFamily="34" charset="0"/>
-              </a:rPr>
-              <a:t>Headings are important in the web page, it is using for title of article or something like that.</a:t>
-            </a:r>
-          </a:p>
-          <a:p>
-            <a:pPr marL="457200" indent="-456840">
-              <a:lnSpc>
-                <a:spcPct val="150000"/>
-              </a:lnSpc>
-              <a:buClr>
-                <a:srgbClr val="FFFFFF"/>
-              </a:buClr>
-              <a:buFont typeface="Wingdings" charset="2"/>
-              <a:buChar char=""/>
-            </a:pPr>
-            <a:r>
-              <a:rPr lang="vi-VN" sz="2400" spc="-1" dirty="0">
-                <a:solidFill>
-                  <a:srgbClr val="FFFFFF"/>
-                </a:solidFill>
-                <a:uFill>
-                  <a:solidFill>
-                    <a:srgbClr val="FFFFFF"/>
-                  </a:solidFill>
-                </a:uFill>
-                <a:latin typeface="Lato" panose="020F0502020204030203" pitchFamily="34" charset="0"/>
-                <a:ea typeface="Lato" panose="020F0502020204030203" pitchFamily="34" charset="0"/>
-                <a:cs typeface="Lato" panose="020F0502020204030203" pitchFamily="34" charset="0"/>
-              </a:rPr>
-              <a:t>There are </a:t>
-            </a:r>
-            <a:r>
-              <a:rPr lang="vi-VN" sz="2400" b="1" spc="-1" dirty="0">
-                <a:solidFill>
-                  <a:srgbClr val="FFFF00"/>
-                </a:solidFill>
-                <a:uFill>
-                  <a:solidFill>
-                    <a:srgbClr val="FFFFFF"/>
-                  </a:solidFill>
-                </a:uFill>
-                <a:latin typeface="Lato" panose="020F0502020204030203" pitchFamily="34" charset="0"/>
-                <a:ea typeface="Lato" panose="020F0502020204030203" pitchFamily="34" charset="0"/>
-                <a:cs typeface="Lato" panose="020F0502020204030203" pitchFamily="34" charset="0"/>
-              </a:rPr>
-              <a:t>&lt;h1&gt;</a:t>
-            </a:r>
-            <a:r>
-              <a:rPr lang="vi-VN" sz="2400" spc="-1" dirty="0">
-                <a:solidFill>
-                  <a:srgbClr val="FFFF00"/>
-                </a:solidFill>
-                <a:uFill>
-                  <a:solidFill>
-                    <a:srgbClr val="FFFFFF"/>
-                  </a:solidFill>
-                </a:uFill>
-                <a:latin typeface="Lato" panose="020F0502020204030203" pitchFamily="34" charset="0"/>
-                <a:ea typeface="Lato" panose="020F0502020204030203" pitchFamily="34" charset="0"/>
-                <a:cs typeface="Lato" panose="020F0502020204030203" pitchFamily="34" charset="0"/>
-              </a:rPr>
-              <a:t> </a:t>
-            </a:r>
-            <a:r>
-              <a:rPr lang="vi-VN" sz="2400" spc="-1" dirty="0">
-                <a:solidFill>
-                  <a:srgbClr val="FFFFFF"/>
-                </a:solidFill>
-                <a:uFill>
-                  <a:solidFill>
-                    <a:srgbClr val="FFFFFF"/>
-                  </a:solidFill>
-                </a:uFill>
-                <a:latin typeface="Lato" panose="020F0502020204030203" pitchFamily="34" charset="0"/>
-                <a:ea typeface="Lato" panose="020F0502020204030203" pitchFamily="34" charset="0"/>
-                <a:cs typeface="Lato" panose="020F0502020204030203" pitchFamily="34" charset="0"/>
-              </a:rPr>
-              <a:t>to </a:t>
-            </a:r>
-            <a:r>
-              <a:rPr lang="vi-VN" sz="2400" b="1" spc="-1" dirty="0">
-                <a:solidFill>
-                  <a:srgbClr val="FFFF00"/>
-                </a:solidFill>
-                <a:uFill>
-                  <a:solidFill>
-                    <a:srgbClr val="FFFFFF"/>
-                  </a:solidFill>
-                </a:uFill>
-                <a:latin typeface="Lato" panose="020F0502020204030203" pitchFamily="34" charset="0"/>
-                <a:ea typeface="Lato" panose="020F0502020204030203" pitchFamily="34" charset="0"/>
-                <a:cs typeface="Lato" panose="020F0502020204030203" pitchFamily="34" charset="0"/>
-              </a:rPr>
-              <a:t>&lt;h6&gt;</a:t>
-            </a:r>
-            <a:r>
-              <a:rPr lang="vi-VN" sz="2400" spc="-1" dirty="0">
-                <a:solidFill>
-                  <a:srgbClr val="FFFF00"/>
-                </a:solidFill>
-                <a:uFill>
-                  <a:solidFill>
-                    <a:srgbClr val="FFFFFF"/>
-                  </a:solidFill>
-                </a:uFill>
-                <a:latin typeface="Lato" panose="020F0502020204030203" pitchFamily="34" charset="0"/>
-                <a:ea typeface="Lato" panose="020F0502020204030203" pitchFamily="34" charset="0"/>
-                <a:cs typeface="Lato" panose="020F0502020204030203" pitchFamily="34" charset="0"/>
-              </a:rPr>
-              <a:t> </a:t>
-            </a:r>
-            <a:r>
-              <a:rPr lang="vi-VN" sz="2400" spc="-1" dirty="0">
-                <a:solidFill>
-                  <a:srgbClr val="FFFFFF"/>
-                </a:solidFill>
-                <a:uFill>
-                  <a:solidFill>
-                    <a:srgbClr val="FFFFFF"/>
-                  </a:solidFill>
-                </a:uFill>
-                <a:latin typeface="Lato" panose="020F0502020204030203" pitchFamily="34" charset="0"/>
-                <a:ea typeface="Lato" panose="020F0502020204030203" pitchFamily="34" charset="0"/>
-                <a:cs typeface="Lato" panose="020F0502020204030203" pitchFamily="34" charset="0"/>
-              </a:rPr>
-              <a:t>represented for the important of your content.</a:t>
-            </a:r>
+              <a:rPr lang="en-US" sz="2400" strike="noStrike" spc="-1" dirty="0">
+                <a:solidFill>
+                  <a:srgbClr val="FFFFFF"/>
+                </a:solidFill>
+                <a:uFill>
+                  <a:solidFill>
+                    <a:srgbClr val="FFFFFF"/>
+                  </a:solidFill>
+                </a:uFill>
+                <a:latin typeface="Lato"/>
+              </a:rPr>
+              <a:t>HTML tags are element names surrounded by angle brackets :</a:t>
+            </a:r>
+            <a:endParaRPr lang="en-US" sz="1800" strike="noStrike" spc="-1" dirty="0">
+              <a:solidFill>
+                <a:srgbClr val="000000"/>
+              </a:solidFill>
+              <a:uFill>
+                <a:solidFill>
+                  <a:srgbClr val="FFFFFF"/>
+                </a:solidFill>
+              </a:uFill>
+              <a:latin typeface="Arial"/>
+            </a:endParaRPr>
           </a:p>
         </p:txBody>
       </p:sp>
       <p:sp>
         <p:nvSpPr>
-          <p:cNvPr id="63" name="Line 4"/>
+          <p:cNvPr id="57" name="Line 4"/>
           <p:cNvSpPr/>
           <p:nvPr/>
         </p:nvSpPr>
@@ -7494,92 +7717,37 @@
       </p:sp>
       <p:pic>
         <p:nvPicPr>
-          <p:cNvPr id="3" name="Picture 2">
-            <a:extLst>
-              <a:ext uri="{FF2B5EF4-FFF2-40B4-BE49-F238E27FC236}">
-                <a16:creationId xmlns:a16="http://schemas.microsoft.com/office/drawing/2014/main" id="{B994ACC6-D575-42E4-BEA8-82CF84EAB850}"/>
-              </a:ext>
-            </a:extLst>
-          </p:cNvPr>
-          <p:cNvPicPr>
-            <a:picLocks noChangeAspect="1"/>
-          </p:cNvPicPr>
+          <p:cNvPr id="58" name="Picture 3"/>
+          <p:cNvPicPr/>
           <p:nvPr/>
         </p:nvPicPr>
         <p:blipFill>
-          <a:blip r:embed="rId2">
-            <a:extLst>
-              <a:ext uri="{28A0092B-C50C-407E-A947-70E740481C1C}">
-                <a14:useLocalDpi xmlns:a14="http://schemas.microsoft.com/office/drawing/2010/main" val="0"/>
-              </a:ext>
-            </a:extLst>
-          </a:blip>
-          <a:stretch>
-            <a:fillRect/>
-          </a:stretch>
+          <a:blip r:embed="rId2"/>
+          <a:stretch/>
         </p:blipFill>
         <p:spPr>
           <a:xfrm>
-            <a:off x="7895224" y="1659797"/>
-            <a:ext cx="4153480" cy="1600423"/>
-          </a:xfrm>
-          <a:prstGeom prst="rect">
-            <a:avLst/>
-          </a:prstGeom>
-        </p:spPr>
-      </p:pic>
-      <p:pic>
-        <p:nvPicPr>
-          <p:cNvPr id="5" name="Picture 4">
-            <a:extLst>
-              <a:ext uri="{FF2B5EF4-FFF2-40B4-BE49-F238E27FC236}">
-                <a16:creationId xmlns:a16="http://schemas.microsoft.com/office/drawing/2014/main" id="{FDB58D9D-764F-4D11-A8B6-F9E0525A0D46}"/>
-              </a:ext>
-            </a:extLst>
-          </p:cNvPr>
-          <p:cNvPicPr>
-            <a:picLocks noChangeAspect="1"/>
-          </p:cNvPicPr>
-          <p:nvPr/>
-        </p:nvPicPr>
-        <p:blipFill>
-          <a:blip r:embed="rId3">
-            <a:extLst>
-              <a:ext uri="{28A0092B-C50C-407E-A947-70E740481C1C}">
-                <a14:useLocalDpi xmlns:a14="http://schemas.microsoft.com/office/drawing/2010/main" val="0"/>
-              </a:ext>
-            </a:extLst>
-          </a:blip>
-          <a:stretch>
-            <a:fillRect/>
-          </a:stretch>
-        </p:blipFill>
-        <p:spPr>
-          <a:xfrm>
-            <a:off x="9600437" y="3332941"/>
-            <a:ext cx="2448267" cy="838317"/>
-          </a:xfrm>
-          <a:prstGeom prst="rect">
-            <a:avLst/>
-          </a:prstGeom>
+            <a:off x="3676680" y="2149920"/>
+            <a:ext cx="4838760" cy="645840"/>
+          </a:xfrm>
+          <a:prstGeom prst="rect">
+            <a:avLst/>
+          </a:prstGeom>
+          <a:ln>
+            <a:noFill/>
+          </a:ln>
         </p:spPr>
       </p:pic>
       <p:sp>
         <p:nvSpPr>
-          <p:cNvPr id="8" name="CustomShape 3">
-            <a:extLst>
-              <a:ext uri="{FF2B5EF4-FFF2-40B4-BE49-F238E27FC236}">
-                <a16:creationId xmlns:a16="http://schemas.microsoft.com/office/drawing/2014/main" id="{5816A992-A361-4551-87AD-53BB5AA477A8}"/>
-              </a:ext>
-            </a:extLst>
-          </p:cNvPr>
+          <p:cNvPr id="59" name="CustomShape 5"/>
           <p:cNvSpPr/>
           <p:nvPr/>
         </p:nvSpPr>
         <p:spPr>
           <a:xfrm>
-            <a:off x="0" y="4767708"/>
-            <a:ext cx="12048704" cy="1070201"/>
+            <a:off x="-1800" y="2796120"/>
+            <a:ext cx="12193560" cy="3198600"/>
           </a:xfrm>
           <a:prstGeom prst="rect">
             <a:avLst/>
@@ -7616,23 +7784,146 @@
               <a:buChar char=""/>
             </a:pPr>
             <a:r>
-              <a:rPr lang="vi-VN" sz="2400" spc="-1" dirty="0">
-                <a:solidFill>
-                  <a:srgbClr val="FFFFFF"/>
-                </a:solidFill>
-                <a:uFill>
-                  <a:solidFill>
-                    <a:srgbClr val="FFFFFF"/>
-                  </a:solidFill>
-                </a:uFill>
-                <a:latin typeface="Lato" panose="020F0502020204030203" pitchFamily="34" charset="0"/>
-                <a:ea typeface="Lato" panose="020F0502020204030203" pitchFamily="34" charset="0"/>
-                <a:cs typeface="Lato" panose="020F0502020204030203" pitchFamily="34" charset="0"/>
-              </a:rPr>
-              <a:t>The </a:t>
-            </a:r>
-            <a:r>
-              <a:rPr lang="vi-VN" sz="2400" b="1" spc="-1" dirty="0">
+              <a:rPr lang="en-US" sz="2400" strike="noStrike" spc="-1" dirty="0">
+                <a:solidFill>
+                  <a:srgbClr val="FFFFFF"/>
+                </a:solidFill>
+                <a:uFill>
+                  <a:solidFill>
+                    <a:srgbClr val="FFFFFF"/>
+                  </a:solidFill>
+                </a:uFill>
+                <a:latin typeface="Lato"/>
+              </a:rPr>
+              <a:t>HTML tags normally come in pairs, but sometime go alone. </a:t>
+            </a:r>
+            <a:endParaRPr lang="en-US" sz="1800" strike="noStrike" spc="-1" dirty="0">
+              <a:solidFill>
+                <a:srgbClr val="000000"/>
+              </a:solidFill>
+              <a:uFill>
+                <a:solidFill>
+                  <a:srgbClr val="FFFFFF"/>
+                </a:solidFill>
+              </a:uFill>
+              <a:latin typeface="Arial"/>
+            </a:endParaRPr>
+          </a:p>
+          <a:p>
+            <a:pPr marL="457200" indent="-456840">
+              <a:lnSpc>
+                <a:spcPct val="150000"/>
+              </a:lnSpc>
+              <a:buClr>
+                <a:srgbClr val="FFFFFF"/>
+              </a:buClr>
+              <a:buFont typeface="Wingdings" charset="2"/>
+              <a:buChar char=""/>
+            </a:pPr>
+            <a:r>
+              <a:rPr lang="en-US" sz="2400" strike="noStrike" spc="-1" dirty="0">
+                <a:solidFill>
+                  <a:srgbClr val="FFFFFF"/>
+                </a:solidFill>
+                <a:uFill>
+                  <a:solidFill>
+                    <a:srgbClr val="FFFFFF"/>
+                  </a:solidFill>
+                </a:uFill>
+                <a:latin typeface="Lato"/>
+              </a:rPr>
+              <a:t>The first tag is the opening tag and the other one is closing tag. Carefully with forward slash of closing tag.</a:t>
+            </a:r>
+            <a:endParaRPr lang="en-US" sz="1800" strike="noStrike" spc="-1" dirty="0">
+              <a:solidFill>
+                <a:srgbClr val="000000"/>
+              </a:solidFill>
+              <a:uFill>
+                <a:solidFill>
+                  <a:srgbClr val="FFFFFF"/>
+                </a:solidFill>
+              </a:uFill>
+              <a:latin typeface="Arial"/>
+            </a:endParaRPr>
+          </a:p>
+          <a:p>
+            <a:pPr marL="457200" indent="-456840">
+              <a:lnSpc>
+                <a:spcPct val="150000"/>
+              </a:lnSpc>
+              <a:buClr>
+                <a:srgbClr val="FFFFFF"/>
+              </a:buClr>
+              <a:buFont typeface="Wingdings" charset="2"/>
+              <a:buChar char=""/>
+            </a:pPr>
+            <a:r>
+              <a:rPr lang="en-US" sz="2400" strike="noStrike" spc="-1" dirty="0">
+                <a:solidFill>
+                  <a:srgbClr val="FFFFFF"/>
+                </a:solidFill>
+                <a:uFill>
+                  <a:solidFill>
+                    <a:srgbClr val="FFFFFF"/>
+                  </a:solidFill>
+                </a:uFill>
+                <a:latin typeface="Lato"/>
+              </a:rPr>
+              <a:t>Some of special tag do not have the close tag, it is called empty elements.</a:t>
+            </a:r>
+            <a:endParaRPr lang="en-US" sz="1800" strike="noStrike" spc="-1" dirty="0">
+              <a:solidFill>
+                <a:srgbClr val="000000"/>
+              </a:solidFill>
+              <a:uFill>
+                <a:solidFill>
+                  <a:srgbClr val="FFFFFF"/>
+                </a:solidFill>
+              </a:uFill>
+              <a:latin typeface="Arial"/>
+            </a:endParaRPr>
+          </a:p>
+          <a:p>
+            <a:pPr marL="457200" indent="-456840">
+              <a:lnSpc>
+                <a:spcPct val="150000"/>
+              </a:lnSpc>
+              <a:buClr>
+                <a:srgbClr val="FFFFFF"/>
+              </a:buClr>
+              <a:buFont typeface="Wingdings" charset="2"/>
+              <a:buChar char=""/>
+            </a:pPr>
+            <a:r>
+              <a:rPr lang="en-US" sz="2400" strike="noStrike" spc="-1" dirty="0">
+                <a:solidFill>
+                  <a:srgbClr val="FFFFFF"/>
+                </a:solidFill>
+                <a:uFill>
+                  <a:solidFill>
+                    <a:srgbClr val="FFFFFF"/>
+                  </a:solidFill>
+                </a:uFill>
+                <a:latin typeface="Lato"/>
+              </a:rPr>
+              <a:t>HTML elements can be nested</a:t>
+            </a:r>
+            <a:r>
+              <a:rPr lang="vi-VN" sz="2400" strike="noStrike" spc="-1" dirty="0">
+                <a:solidFill>
+                  <a:srgbClr val="FFFFFF"/>
+                </a:solidFill>
+                <a:uFill>
+                  <a:solidFill>
+                    <a:srgbClr val="FFFFFF"/>
+                  </a:solidFill>
+                </a:uFill>
+                <a:latin typeface="Lato"/>
+              </a:rPr>
+              <a:t> : </a:t>
+            </a:r>
+            <a:r>
+              <a:rPr lang="vi-VN" sz="2400" b="1" strike="noStrike" spc="-1" dirty="0">
                 <a:solidFill>
                   <a:srgbClr val="FFFF00"/>
                 </a:solidFill>
@@ -7641,30 +7932,12 @@
                     <a:srgbClr val="FFFFFF"/>
                   </a:solidFill>
                 </a:uFill>
-                <a:latin typeface="Lato" panose="020F0502020204030203" pitchFamily="34" charset="0"/>
-                <a:ea typeface="Lato" panose="020F0502020204030203" pitchFamily="34" charset="0"/>
-                <a:cs typeface="Lato" panose="020F0502020204030203" pitchFamily="34" charset="0"/>
-              </a:rPr>
-              <a:t>&lt;p&gt;</a:t>
-            </a:r>
-            <a:r>
-              <a:rPr lang="vi-VN" sz="2400" spc="-1" dirty="0">
-                <a:solidFill>
-                  <a:srgbClr val="FFFF00"/>
-                </a:solidFill>
-                <a:uFill>
-                  <a:solidFill>
-                    <a:srgbClr val="FFFFFF"/>
-                  </a:solidFill>
-                </a:uFill>
-                <a:latin typeface="Lato" panose="020F0502020204030203" pitchFamily="34" charset="0"/>
-                <a:ea typeface="Lato" panose="020F0502020204030203" pitchFamily="34" charset="0"/>
-                <a:cs typeface="Lato" panose="020F0502020204030203" pitchFamily="34" charset="0"/>
-              </a:rPr>
-              <a:t> </a:t>
-            </a:r>
-            <a:r>
-              <a:rPr lang="vi-VN" sz="2400" spc="-1" dirty="0">
+                <a:latin typeface="Lato"/>
+              </a:rPr>
+              <a:t>&lt;tag1&gt; &lt;tag2&gt; &lt;/tag2&gt; &lt;/tag1&gt;</a:t>
+            </a:r>
+            <a:r>
+              <a:rPr lang="vi-VN" sz="2400" b="1" strike="noStrike" spc="-1" dirty="0">
                 <a:solidFill>
                   <a:schemeClr val="bg1"/>
                 </a:solidFill>
@@ -7673,12 +7946,21 @@
                     <a:srgbClr val="FFFFFF"/>
                   </a:solidFill>
                 </a:uFill>
-                <a:latin typeface="Lato" panose="020F0502020204030203" pitchFamily="34" charset="0"/>
-                <a:ea typeface="Lato" panose="020F0502020204030203" pitchFamily="34" charset="0"/>
-                <a:cs typeface="Lato" panose="020F0502020204030203" pitchFamily="34" charset="0"/>
-              </a:rPr>
-              <a:t>element defines a paragraph, use it for the normal content of web page.</a:t>
-            </a:r>
+                <a:latin typeface="Lato"/>
+              </a:rPr>
+              <a:t>.</a:t>
+            </a:r>
+            <a:endParaRPr lang="en-US" sz="1800" b="1" strike="noStrike" spc="-1" dirty="0">
+              <a:solidFill>
+                <a:schemeClr val="bg1"/>
+              </a:solidFill>
+              <a:uFill>
+                <a:solidFill>
+                  <a:srgbClr val="FFFFFF"/>
+                </a:solidFill>
+              </a:uFill>
+              <a:latin typeface="Arial"/>
+            </a:endParaRPr>
           </a:p>
         </p:txBody>
       </p:sp>
@@ -7736,7 +8018,7 @@
       </p:grpSpPr>
       <p:sp>
         <p:nvSpPr>
-          <p:cNvPr id="66" name="CustomShape 1"/>
+          <p:cNvPr id="60" name="CustomShape 1"/>
           <p:cNvSpPr/>
           <p:nvPr/>
         </p:nvSpPr>
@@ -7772,14 +8054,14 @@
       </p:sp>
       <p:sp>
         <p:nvSpPr>
-          <p:cNvPr id="67" name="CustomShape 2"/>
+          <p:cNvPr id="61" name="CustomShape 2"/>
           <p:cNvSpPr/>
           <p:nvPr/>
         </p:nvSpPr>
         <p:spPr>
           <a:xfrm>
-            <a:off x="1200" y="859680"/>
-            <a:ext cx="12189000" cy="639000"/>
+            <a:off x="-600" y="859680"/>
+            <a:ext cx="12192600" cy="639000"/>
           </a:xfrm>
           <a:prstGeom prst="rect">
             <a:avLst/>
@@ -7811,18 +8093,18 @@
               </a:lnSpc>
             </a:pPr>
             <a:r>
-              <a:rPr lang="vi-VN" sz="3600" b="0" strike="noStrike" spc="-1" dirty="0">
-                <a:solidFill>
-                  <a:srgbClr val="FFFFFF"/>
-                </a:solidFill>
-                <a:uFill>
-                  <a:solidFill>
-                    <a:srgbClr val="FFFFFF"/>
-                  </a:solidFill>
-                </a:uFill>
-                <a:latin typeface="Lato"/>
-              </a:rPr>
-              <a:t>HTML ATTRIBUTES &amp; STYLES</a:t>
+              <a:rPr lang="en-US" sz="3600" b="0" strike="noStrike" spc="-1" dirty="0">
+                <a:solidFill>
+                  <a:srgbClr val="FFFFFF"/>
+                </a:solidFill>
+                <a:uFill>
+                  <a:solidFill>
+                    <a:srgbClr val="FFFFFF"/>
+                  </a:solidFill>
+                </a:uFill>
+                <a:latin typeface="Lato"/>
+              </a:rPr>
+              <a:t>HEADING &amp; PARAGRAPHS</a:t>
             </a:r>
             <a:endParaRPr lang="en-US" sz="1800" b="0" strike="noStrike" spc="-1" dirty="0">
               <a:solidFill>
@@ -7840,14 +8122,14 @@
       </p:sp>
       <p:sp>
         <p:nvSpPr>
-          <p:cNvPr id="68" name="CustomShape 3"/>
+          <p:cNvPr id="62" name="CustomShape 3"/>
           <p:cNvSpPr/>
           <p:nvPr/>
         </p:nvSpPr>
         <p:spPr>
           <a:xfrm>
-            <a:off x="-12960" y="1505880"/>
-            <a:ext cx="12204360" cy="4296600"/>
+            <a:off x="0" y="1505880"/>
+            <a:ext cx="7893424" cy="3474473"/>
           </a:xfrm>
           <a:prstGeom prst="rect">
             <a:avLst/>
@@ -7893,9 +8175,43 @@
                     <a:srgbClr val="FFFFFF"/>
                   </a:solidFill>
                 </a:uFill>
-                <a:latin typeface="Lato"/>
-              </a:rPr>
-              <a:t>Attributes provide additional information about HTML elements.</a:t>
+                <a:latin typeface="Lato" panose="020F0502020204030203" pitchFamily="34" charset="0"/>
+                <a:ea typeface="Lato" panose="020F0502020204030203" pitchFamily="34" charset="0"/>
+                <a:cs typeface="Lato" panose="020F0502020204030203" pitchFamily="34" charset="0"/>
+              </a:rPr>
+              <a:t>Heading are defined with </a:t>
+            </a:r>
+            <a:r>
+              <a:rPr lang="vi-VN" sz="2400" b="1" strike="noStrike" spc="-1" dirty="0">
+                <a:solidFill>
+                  <a:srgbClr val="FFFF00"/>
+                </a:solidFill>
+                <a:uFill>
+                  <a:solidFill>
+                    <a:srgbClr val="FFFFFF"/>
+                  </a:solidFill>
+                </a:uFill>
+                <a:latin typeface="Lato" panose="020F0502020204030203" pitchFamily="34" charset="0"/>
+                <a:ea typeface="Lato" panose="020F0502020204030203" pitchFamily="34" charset="0"/>
+                <a:cs typeface="Lato" panose="020F0502020204030203" pitchFamily="34" charset="0"/>
+              </a:rPr>
+              <a:t>&lt;h1&gt;</a:t>
+            </a:r>
+            <a:r>
+              <a:rPr lang="vi-VN" sz="2400" strike="noStrike" spc="-1" dirty="0">
+                <a:solidFill>
+                  <a:srgbClr val="FFFFFF"/>
+                </a:solidFill>
+                <a:uFill>
+                  <a:solidFill>
+                    <a:srgbClr val="FFFFFF"/>
+                  </a:solidFill>
+                </a:uFill>
+                <a:latin typeface="Lato" panose="020F0502020204030203" pitchFamily="34" charset="0"/>
+                <a:ea typeface="Lato" panose="020F0502020204030203" pitchFamily="34" charset="0"/>
+                <a:cs typeface="Lato" panose="020F0502020204030203" pitchFamily="34" charset="0"/>
+              </a:rPr>
+              <a:t>, it is a element of HTML and a tag.</a:t>
             </a:r>
           </a:p>
           <a:p>
@@ -7919,9 +8235,11 @@
                     <a:srgbClr val="FFFFFF"/>
                   </a:solidFill>
                 </a:uFill>
-                <a:latin typeface="Lato"/>
-              </a:rPr>
-              <a:t>All HTML elements can have attributes.</a:t>
+                <a:latin typeface="Lato" panose="020F0502020204030203" pitchFamily="34" charset="0"/>
+                <a:ea typeface="Lato" panose="020F0502020204030203" pitchFamily="34" charset="0"/>
+                <a:cs typeface="Lato" panose="020F0502020204030203" pitchFamily="34" charset="0"/>
+              </a:rPr>
+              <a:t>Headings are important in the web page, it is using for title of article or something like that.</a:t>
             </a:r>
           </a:p>
           <a:p>
@@ -7936,20 +8254,6 @@
               <a:buChar char=""/>
             </a:pPr>
             <a:r>
-              <a:rPr lang="vi-VN" sz="2400" strike="noStrike" spc="-1" dirty="0">
-                <a:solidFill>
-                  <a:srgbClr val="FFFFFF"/>
-                </a:solidFill>
-                <a:uFill>
-                  <a:solidFill>
-                    <a:srgbClr val="FFFFFF"/>
-                  </a:solidFill>
-                </a:uFill>
-                <a:latin typeface="Lato"/>
-              </a:rPr>
-              <a:t>Attributes are always specified in the start tag</a:t>
-            </a:r>
-            <a:r>
               <a:rPr lang="vi-VN" sz="2400" spc="-1" dirty="0">
                 <a:solidFill>
                   <a:srgbClr val="FFFFFF"/>
@@ -7959,38 +8263,14 @@
                     <a:srgbClr val="FFFFFF"/>
                   </a:solidFill>
                 </a:uFill>
-                <a:latin typeface="Lato"/>
-              </a:rPr>
-              <a:t>.</a:t>
-            </a:r>
-          </a:p>
-          <a:p>
-            <a:pPr marL="457200" indent="-456840">
-              <a:lnSpc>
-                <a:spcPct val="150000"/>
-              </a:lnSpc>
-              <a:buClr>
-                <a:srgbClr val="FFFFFF"/>
-              </a:buClr>
-              <a:buFont typeface="Wingdings" charset="2"/>
-              <a:buChar char=""/>
-            </a:pPr>
-            <a:r>
-              <a:rPr lang="vi-VN" sz="2400" strike="noStrike" spc="-1" dirty="0">
-                <a:solidFill>
-                  <a:srgbClr val="FFFFFF"/>
-                </a:solidFill>
-                <a:uFill>
-                  <a:solidFill>
-                    <a:srgbClr val="FFFFFF"/>
-                  </a:solidFill>
-                </a:uFill>
-                <a:latin typeface="Lato"/>
-              </a:rPr>
-              <a:t>Attributes usually come in name/value pairs like : </a:t>
-            </a:r>
-            <a:r>
-              <a:rPr lang="vi-VN" sz="2400" b="1" strike="noStrike" spc="-1" dirty="0">
+                <a:latin typeface="Lato" panose="020F0502020204030203" pitchFamily="34" charset="0"/>
+                <a:ea typeface="Lato" panose="020F0502020204030203" pitchFamily="34" charset="0"/>
+                <a:cs typeface="Lato" panose="020F0502020204030203" pitchFamily="34" charset="0"/>
+              </a:rPr>
+              <a:t>There are </a:t>
+            </a:r>
+            <a:r>
+              <a:rPr lang="vi-VN" sz="2400" b="1" spc="-1" dirty="0">
                 <a:solidFill>
                   <a:srgbClr val="FFFF00"/>
                 </a:solidFill>
@@ -7999,206 +8279,98 @@
                     <a:srgbClr val="FFFFFF"/>
                   </a:solidFill>
                 </a:uFill>
-                <a:latin typeface="Lato"/>
-              </a:rPr>
-              <a:t>name=“value”</a:t>
-            </a:r>
-            <a:r>
-              <a:rPr lang="vi-VN" sz="2400" strike="noStrike" spc="-1" dirty="0">
-                <a:solidFill>
-                  <a:srgbClr val="FFFFFF"/>
-                </a:solidFill>
-                <a:uFill>
-                  <a:solidFill>
-                    <a:srgbClr val="FFFFFF"/>
-                  </a:solidFill>
-                </a:uFill>
-                <a:latin typeface="Lato"/>
-              </a:rPr>
-              <a:t>.</a:t>
-            </a:r>
-          </a:p>
-          <a:p>
-            <a:pPr marL="457200" indent="-456840">
-              <a:lnSpc>
-                <a:spcPct val="150000"/>
-              </a:lnSpc>
-              <a:buClr>
-                <a:srgbClr val="FFFFFF"/>
-              </a:buClr>
-              <a:buFont typeface="Wingdings" charset="2"/>
-              <a:buChar char=""/>
-            </a:pPr>
+                <a:latin typeface="Lato" panose="020F0502020204030203" pitchFamily="34" charset="0"/>
+                <a:ea typeface="Lato" panose="020F0502020204030203" pitchFamily="34" charset="0"/>
+                <a:cs typeface="Lato" panose="020F0502020204030203" pitchFamily="34" charset="0"/>
+              </a:rPr>
+              <a:t>&lt;h1&gt;</a:t>
+            </a:r>
             <a:r>
               <a:rPr lang="vi-VN" sz="2400" spc="-1" dirty="0">
                 <a:solidFill>
-                  <a:srgbClr val="FFFFFF"/>
-                </a:solidFill>
-                <a:uFill>
-                  <a:solidFill>
-                    <a:srgbClr val="FFFFFF"/>
-                  </a:solidFill>
-                </a:uFill>
-                <a:latin typeface="Lato"/>
-              </a:rPr>
-              <a:t>Using </a:t>
+                  <a:srgbClr val="FFFF00"/>
+                </a:solidFill>
+                <a:uFill>
+                  <a:solidFill>
+                    <a:srgbClr val="FFFFFF"/>
+                  </a:solidFill>
+                </a:uFill>
+                <a:latin typeface="Lato" panose="020F0502020204030203" pitchFamily="34" charset="0"/>
+                <a:ea typeface="Lato" panose="020F0502020204030203" pitchFamily="34" charset="0"/>
+                <a:cs typeface="Lato" panose="020F0502020204030203" pitchFamily="34" charset="0"/>
+              </a:rPr>
+              <a:t> </a:t>
             </a:r>
             <a:r>
               <a:rPr lang="vi-VN" sz="2400" spc="-1" dirty="0">
                 <a:solidFill>
-                  <a:schemeClr val="bg1"/>
-                </a:solidFill>
-                <a:uFill>
-                  <a:solidFill>
-                    <a:srgbClr val="FFFFFF"/>
-                  </a:solidFill>
-                </a:uFill>
-                <a:latin typeface="Lato"/>
-              </a:rPr>
-              <a:t>style</a:t>
+                  <a:srgbClr val="FFFFFF"/>
+                </a:solidFill>
+                <a:uFill>
+                  <a:solidFill>
+                    <a:srgbClr val="FFFFFF"/>
+                  </a:solidFill>
+                </a:uFill>
+                <a:latin typeface="Lato" panose="020F0502020204030203" pitchFamily="34" charset="0"/>
+                <a:ea typeface="Lato" panose="020F0502020204030203" pitchFamily="34" charset="0"/>
+                <a:cs typeface="Lato" panose="020F0502020204030203" pitchFamily="34" charset="0"/>
+              </a:rPr>
+              <a:t>to </a:t>
+            </a:r>
+            <a:r>
+              <a:rPr lang="vi-VN" sz="2400" b="1" spc="-1" dirty="0">
+                <a:solidFill>
+                  <a:srgbClr val="FFFF00"/>
+                </a:solidFill>
+                <a:uFill>
+                  <a:solidFill>
+                    <a:srgbClr val="FFFFFF"/>
+                  </a:solidFill>
+                </a:uFill>
+                <a:latin typeface="Lato" panose="020F0502020204030203" pitchFamily="34" charset="0"/>
+                <a:ea typeface="Lato" panose="020F0502020204030203" pitchFamily="34" charset="0"/>
+                <a:cs typeface="Lato" panose="020F0502020204030203" pitchFamily="34" charset="0"/>
+              </a:rPr>
+              <a:t>&lt;h6&gt;</a:t>
             </a:r>
             <a:r>
               <a:rPr lang="vi-VN" sz="2400" spc="-1" dirty="0">
                 <a:solidFill>
-                  <a:srgbClr val="FFFFFF"/>
-                </a:solidFill>
-                <a:uFill>
-                  <a:solidFill>
-                    <a:srgbClr val="FFFFFF"/>
-                  </a:solidFill>
-                </a:uFill>
-                <a:latin typeface="Lato"/>
-              </a:rPr>
-              <a:t> attribute to setting the style of an HTML element.</a:t>
-            </a:r>
-          </a:p>
-          <a:p>
-            <a:pPr marL="457200" indent="-456840">
-              <a:lnSpc>
-                <a:spcPct val="150000"/>
-              </a:lnSpc>
-              <a:buClr>
-                <a:srgbClr val="FFFFFF"/>
-              </a:buClr>
-              <a:buFont typeface="Wingdings" charset="2"/>
-              <a:buChar char=""/>
-            </a:pPr>
+                  <a:srgbClr val="FFFF00"/>
+                </a:solidFill>
+                <a:uFill>
+                  <a:solidFill>
+                    <a:srgbClr val="FFFFFF"/>
+                  </a:solidFill>
+                </a:uFill>
+                <a:latin typeface="Lato" panose="020F0502020204030203" pitchFamily="34" charset="0"/>
+                <a:ea typeface="Lato" panose="020F0502020204030203" pitchFamily="34" charset="0"/>
+                <a:cs typeface="Lato" panose="020F0502020204030203" pitchFamily="34" charset="0"/>
+              </a:rPr>
+              <a:t> </a:t>
+            </a:r>
             <a:r>
               <a:rPr lang="vi-VN" sz="2400" spc="-1" dirty="0">
                 <a:solidFill>
-                  <a:schemeClr val="bg1"/>
-                </a:solidFill>
-                <a:uFill>
-                  <a:solidFill>
-                    <a:srgbClr val="FFFFFF"/>
-                  </a:solidFill>
-                </a:uFill>
-                <a:latin typeface="Lato"/>
-              </a:rPr>
-              <a:t>Style</a:t>
-            </a:r>
-            <a:r>
-              <a:rPr lang="vi-VN" sz="2400" spc="-1" dirty="0">
-                <a:solidFill>
-                  <a:srgbClr val="FFFF00"/>
-                </a:solidFill>
-                <a:uFill>
-                  <a:solidFill>
-                    <a:srgbClr val="FFFFFF"/>
-                  </a:solidFill>
-                </a:uFill>
-                <a:latin typeface="Lato"/>
-              </a:rPr>
-              <a:t> </a:t>
-            </a:r>
-            <a:r>
-              <a:rPr lang="vi-VN" sz="2400" spc="-1" dirty="0">
-                <a:solidFill>
-                  <a:schemeClr val="bg1"/>
-                </a:solidFill>
-                <a:uFill>
-                  <a:solidFill>
-                    <a:srgbClr val="FFFFFF"/>
-                  </a:solidFill>
-                </a:uFill>
-                <a:latin typeface="Lato"/>
-              </a:rPr>
-              <a:t>attribute has syn tax : </a:t>
-            </a:r>
-            <a:r>
-              <a:rPr lang="vi-VN" sz="2400" b="1" spc="-1" dirty="0">
-                <a:solidFill>
-                  <a:srgbClr val="FFFF00"/>
-                </a:solidFill>
-                <a:uFill>
-                  <a:solidFill>
-                    <a:srgbClr val="FFFFFF"/>
-                  </a:solidFill>
-                </a:uFill>
-                <a:latin typeface="Lato"/>
-              </a:rPr>
-              <a:t>&lt;tagname style="property:value;"&gt;</a:t>
-            </a:r>
-            <a:r>
-              <a:rPr lang="vi-VN" sz="2400" spc="-1" dirty="0">
-                <a:solidFill>
-                  <a:srgbClr val="FFFF00"/>
-                </a:solidFill>
-                <a:uFill>
-                  <a:solidFill>
-                    <a:srgbClr val="FFFFFF"/>
-                  </a:solidFill>
-                </a:uFill>
-                <a:latin typeface="Lato"/>
-              </a:rPr>
-              <a:t>, </a:t>
-            </a:r>
-            <a:r>
-              <a:rPr lang="vi-VN" sz="2400" spc="-1" dirty="0">
-                <a:solidFill>
-                  <a:schemeClr val="bg1"/>
-                </a:solidFill>
-                <a:uFill>
-                  <a:solidFill>
-                    <a:srgbClr val="FFFFFF"/>
-                  </a:solidFill>
-                </a:uFill>
-                <a:latin typeface="Lato"/>
-              </a:rPr>
-              <a:t>property is a CSS property, value is a CSS value.</a:t>
-            </a:r>
-          </a:p>
-          <a:p>
-            <a:pPr marL="457200" indent="-456840">
-              <a:lnSpc>
-                <a:spcPct val="150000"/>
-              </a:lnSpc>
-              <a:buClr>
-                <a:srgbClr val="FFFFFF"/>
-              </a:buClr>
-              <a:buFont typeface="Wingdings" charset="2"/>
-              <a:buChar char=""/>
-            </a:pPr>
-            <a:r>
-              <a:rPr lang="vi-VN" sz="2400" spc="-1" dirty="0">
-                <a:solidFill>
-                  <a:schemeClr val="bg1"/>
-                </a:solidFill>
-                <a:uFill>
-                  <a:solidFill>
-                    <a:srgbClr val="FFFFFF"/>
-                  </a:solidFill>
-                </a:uFill>
-                <a:latin typeface="Lato"/>
-              </a:rPr>
-              <a:t>Will be learned CSS later.</a:t>
+                  <a:srgbClr val="FFFFFF"/>
+                </a:solidFill>
+                <a:uFill>
+                  <a:solidFill>
+                    <a:srgbClr val="FFFFFF"/>
+                  </a:solidFill>
+                </a:uFill>
+                <a:latin typeface="Lato" panose="020F0502020204030203" pitchFamily="34" charset="0"/>
+                <a:ea typeface="Lato" panose="020F0502020204030203" pitchFamily="34" charset="0"/>
+                <a:cs typeface="Lato" panose="020F0502020204030203" pitchFamily="34" charset="0"/>
+              </a:rPr>
+              <a:t>represented for the important of your content.</a:t>
             </a:r>
           </a:p>
         </p:txBody>
       </p:sp>
       <p:sp>
         <p:nvSpPr>
-          <p:cNvPr id="69" name="Line 4"/>
+          <p:cNvPr id="63" name="Line 4"/>
           <p:cNvSpPr/>
           <p:nvPr/>
         </p:nvSpPr>
@@ -8234,7 +8406,7 @@
           <p:cNvPr id="3" name="Picture 2">
             <a:extLst>
               <a:ext uri="{FF2B5EF4-FFF2-40B4-BE49-F238E27FC236}">
-                <a16:creationId xmlns:a16="http://schemas.microsoft.com/office/drawing/2014/main" id="{EA361CF3-FA6E-4B61-AE91-96C5C34E7AB3}"/>
+                <a16:creationId xmlns:a16="http://schemas.microsoft.com/office/drawing/2014/main" id="{B994ACC6-D575-42E4-BEA8-82CF84EAB850}"/>
               </a:ext>
             </a:extLst>
           </p:cNvPr>
@@ -8257,14 +8429,168 @@
         </p:blipFill>
         <p:spPr>
           <a:xfrm>
-            <a:off x="4860421" y="4980889"/>
-            <a:ext cx="7220958" cy="828791"/>
+            <a:off x="7895224" y="1659797"/>
+            <a:ext cx="4153480" cy="1600423"/>
           </a:xfrm>
           <a:prstGeom prst="rect">
             <a:avLst/>
           </a:prstGeom>
         </p:spPr>
       </p:pic>
+      <p:pic>
+        <p:nvPicPr>
+          <p:cNvPr id="5" name="Picture 4">
+            <a:extLst>
+              <a:ext uri="{FF2B5EF4-FFF2-40B4-BE49-F238E27FC236}">
+                <a16:creationId xmlns:a16="http://schemas.microsoft.com/office/drawing/2014/main" id="{FDB58D9D-764F-4D11-A8B6-F9E0525A0D46}"/>
+              </a:ext>
+            </a:extLst>
+          </p:cNvPr>
+          <p:cNvPicPr>
+            <a:picLocks noChangeAspect="1"/>
+          </p:cNvPicPr>
+          <p:nvPr/>
+        </p:nvPicPr>
+        <p:blipFill>
+          <a:blip r:embed="rId3">
+            <a:extLst>
+              <a:ext uri="{28A0092B-C50C-407E-A947-70E740481C1C}">
+                <a14:useLocalDpi xmlns:a14="http://schemas.microsoft.com/office/drawing/2010/main" val="0"/>
+              </a:ext>
+            </a:extLst>
+          </a:blip>
+          <a:stretch>
+            <a:fillRect/>
+          </a:stretch>
+        </p:blipFill>
+        <p:spPr>
+          <a:xfrm>
+            <a:off x="9600437" y="3332941"/>
+            <a:ext cx="2448267" cy="838317"/>
+          </a:xfrm>
+          <a:prstGeom prst="rect">
+            <a:avLst/>
+          </a:prstGeom>
+        </p:spPr>
+      </p:pic>
+      <p:sp>
+        <p:nvSpPr>
+          <p:cNvPr id="8" name="CustomShape 3">
+            <a:extLst>
+              <a:ext uri="{FF2B5EF4-FFF2-40B4-BE49-F238E27FC236}">
+                <a16:creationId xmlns:a16="http://schemas.microsoft.com/office/drawing/2014/main" id="{5816A992-A361-4551-87AD-53BB5AA477A8}"/>
+              </a:ext>
+            </a:extLst>
+          </p:cNvPr>
+          <p:cNvSpPr/>
+          <p:nvPr/>
+        </p:nvSpPr>
+        <p:spPr>
+          <a:xfrm>
+            <a:off x="0" y="4767708"/>
+            <a:ext cx="12048704" cy="1070201"/>
+          </a:xfrm>
+          <a:prstGeom prst="rect">
+            <a:avLst/>
+          </a:prstGeom>
+          <a:noFill/>
+          <a:ln>
+            <a:noFill/>
+          </a:ln>
+        </p:spPr>
+        <p:style>
+          <a:lnRef idx="0">
+            <a:scrgbClr r="0" g="0" b="0"/>
+          </a:lnRef>
+          <a:fillRef idx="0">
+            <a:scrgbClr r="0" g="0" b="0"/>
+          </a:fillRef>
+          <a:effectRef idx="0">
+            <a:scrgbClr r="0" g="0" b="0"/>
+          </a:effectRef>
+          <a:fontRef idx="minor"/>
+        </p:style>
+        <p:txBody>
+          <a:bodyPr lIns="90000" tIns="45000" rIns="90000" bIns="45000"/>
+          <a:lstStyle/>
+          <a:p>
+            <a:pPr marL="457200" indent="-456840">
+              <a:lnSpc>
+                <a:spcPct val="150000"/>
+              </a:lnSpc>
+              <a:buClr>
+                <a:srgbClr val="FFFFFF"/>
+              </a:buClr>
+              <a:buFont typeface="Wingdings" charset="2"/>
+              <a:buChar char=""/>
+            </a:pPr>
+            <a:r>
+              <a:rPr lang="vi-VN" sz="2400" spc="-1" dirty="0">
+                <a:solidFill>
+                  <a:srgbClr val="FFFFFF"/>
+                </a:solidFill>
+                <a:uFill>
+                  <a:solidFill>
+                    <a:srgbClr val="FFFFFF"/>
+                  </a:solidFill>
+                </a:uFill>
+                <a:latin typeface="Lato" panose="020F0502020204030203" pitchFamily="34" charset="0"/>
+                <a:ea typeface="Lato" panose="020F0502020204030203" pitchFamily="34" charset="0"/>
+                <a:cs typeface="Lato" panose="020F0502020204030203" pitchFamily="34" charset="0"/>
+              </a:rPr>
+              <a:t>The </a:t>
+            </a:r>
+            <a:r>
+              <a:rPr lang="vi-VN" sz="2400" b="1" spc="-1" dirty="0">
+                <a:solidFill>
+                  <a:srgbClr val="FFFF00"/>
+                </a:solidFill>
+                <a:uFill>
+                  <a:solidFill>
+                    <a:srgbClr val="FFFFFF"/>
+                  </a:solidFill>
+                </a:uFill>
+                <a:latin typeface="Lato" panose="020F0502020204030203" pitchFamily="34" charset="0"/>
+                <a:ea typeface="Lato" panose="020F0502020204030203" pitchFamily="34" charset="0"/>
+                <a:cs typeface="Lato" panose="020F0502020204030203" pitchFamily="34" charset="0"/>
+              </a:rPr>
+              <a:t>&lt;p&gt;</a:t>
+            </a:r>
+            <a:r>
+              <a:rPr lang="vi-VN" sz="2400" spc="-1" dirty="0">
+                <a:solidFill>
+                  <a:srgbClr val="FFFF00"/>
+                </a:solidFill>
+                <a:uFill>
+                  <a:solidFill>
+                    <a:srgbClr val="FFFFFF"/>
+                  </a:solidFill>
+                </a:uFill>
+                <a:latin typeface="Lato" panose="020F0502020204030203" pitchFamily="34" charset="0"/>
+                <a:ea typeface="Lato" panose="020F0502020204030203" pitchFamily="34" charset="0"/>
+                <a:cs typeface="Lato" panose="020F0502020204030203" pitchFamily="34" charset="0"/>
+              </a:rPr>
+              <a:t> </a:t>
+            </a:r>
+            <a:r>
+              <a:rPr lang="vi-VN" sz="2400" spc="-1" dirty="0">
+                <a:solidFill>
+                  <a:schemeClr val="bg1"/>
+                </a:solidFill>
+                <a:uFill>
+                  <a:solidFill>
+                    <a:srgbClr val="FFFFFF"/>
+                  </a:solidFill>
+                </a:uFill>
+                <a:latin typeface="Lato" panose="020F0502020204030203" pitchFamily="34" charset="0"/>
+                <a:ea typeface="Lato" panose="020F0502020204030203" pitchFamily="34" charset="0"/>
+                <a:cs typeface="Lato" panose="020F0502020204030203" pitchFamily="34" charset="0"/>
+              </a:rPr>
+              <a:t>element defines a paragraph, use it for the normal content of web page.</a:t>
+            </a:r>
+          </a:p>
+        </p:txBody>
+      </p:sp>
     </p:spTree>
   </p:cSld>
   <p:clrMapOvr>
@@ -8319,7 +8645,7 @@
       </p:grpSpPr>
       <p:sp>
         <p:nvSpPr>
-          <p:cNvPr id="71" name="CustomShape 1"/>
+          <p:cNvPr id="66" name="CustomShape 1"/>
           <p:cNvSpPr/>
           <p:nvPr/>
         </p:nvSpPr>
@@ -8355,14 +8681,14 @@
       </p:sp>
       <p:sp>
         <p:nvSpPr>
-          <p:cNvPr id="72" name="CustomShape 2"/>
+          <p:cNvPr id="67" name="CustomShape 2"/>
           <p:cNvSpPr/>
           <p:nvPr/>
         </p:nvSpPr>
         <p:spPr>
           <a:xfrm>
-            <a:off x="1560" y="859680"/>
-            <a:ext cx="12188640" cy="639000"/>
+            <a:off x="1200" y="859680"/>
+            <a:ext cx="12189000" cy="639000"/>
           </a:xfrm>
           <a:prstGeom prst="rect">
             <a:avLst/>
@@ -8394,18 +8720,18 @@
               </a:lnSpc>
             </a:pPr>
             <a:r>
-              <a:rPr lang="en-US" sz="3600" b="0" strike="noStrike" spc="-1" dirty="0">
-                <a:solidFill>
-                  <a:srgbClr val="FFFFFF"/>
-                </a:solidFill>
-                <a:uFill>
-                  <a:solidFill>
-                    <a:srgbClr val="FFFFFF"/>
-                  </a:solidFill>
-                </a:uFill>
-                <a:latin typeface="Lato"/>
-              </a:rPr>
-              <a:t>HTML FORMATTING</a:t>
+              <a:rPr lang="vi-VN" sz="3600" b="0" strike="noStrike" spc="-1" dirty="0">
+                <a:solidFill>
+                  <a:srgbClr val="FFFFFF"/>
+                </a:solidFill>
+                <a:uFill>
+                  <a:solidFill>
+                    <a:srgbClr val="FFFFFF"/>
+                  </a:solidFill>
+                </a:uFill>
+                <a:latin typeface="Lato"/>
+              </a:rPr>
+              <a:t>HTML ATTRIBUTES &amp; STYLES</a:t>
             </a:r>
             <a:endParaRPr lang="en-US" sz="1800" b="0" strike="noStrike" spc="-1" dirty="0">
               <a:solidFill>
@@ -8423,14 +8749,14 @@
       </p:sp>
       <p:sp>
         <p:nvSpPr>
-          <p:cNvPr id="73" name="CustomShape 3"/>
+          <p:cNvPr id="68" name="CustomShape 3"/>
           <p:cNvSpPr/>
           <p:nvPr/>
         </p:nvSpPr>
         <p:spPr>
           <a:xfrm>
             <a:off x="-12960" y="1505880"/>
-            <a:ext cx="12204360" cy="1913580"/>
+            <a:ext cx="12204360" cy="4296600"/>
           </a:xfrm>
           <a:prstGeom prst="rect">
             <a:avLst/>
@@ -8467,18 +8793,18 @@
               <a:buChar char=""/>
             </a:pPr>
             <a:r>
-              <a:rPr lang="en-US" sz="2400" b="0" strike="noStrike" spc="-1" dirty="0">
-                <a:solidFill>
-                  <a:srgbClr val="FFFFFF"/>
-                </a:solidFill>
-                <a:uFill>
-                  <a:solidFill>
-                    <a:srgbClr val="FFFFFF"/>
-                  </a:solidFill>
-                </a:uFill>
-                <a:latin typeface="Lato"/>
-              </a:rPr>
-              <a:t>There are some special HTML elements for defining text with a special meaning.</a:t>
+              <a:rPr lang="vi-VN" sz="2400" strike="noStrike" spc="-1" dirty="0">
+                <a:solidFill>
+                  <a:srgbClr val="FFFFFF"/>
+                </a:solidFill>
+                <a:uFill>
+                  <a:solidFill>
+                    <a:srgbClr val="FFFFFF"/>
+                  </a:solidFill>
+                </a:uFill>
+                <a:latin typeface="Lato"/>
+              </a:rPr>
+              <a:t>Attributes provide additional information about HTML elements.</a:t>
             </a:r>
           </a:p>
           <a:p>
@@ -8493,142 +8819,19 @@
               <a:buChar char=""/>
             </a:pPr>
             <a:r>
-              <a:rPr lang="en-US" sz="2400" spc="-1" dirty="0">
-                <a:solidFill>
-                  <a:srgbClr val="FFFFFF"/>
-                </a:solidFill>
-                <a:uFill>
-                  <a:solidFill>
-                    <a:srgbClr val="FFFFFF"/>
-                  </a:solidFill>
-                </a:uFill>
-                <a:latin typeface="Lato"/>
-              </a:rPr>
-              <a:t>The </a:t>
-            </a:r>
-            <a:r>
-              <a:rPr lang="en-US" sz="2400" b="1" spc="-1" dirty="0">
-                <a:solidFill>
-                  <a:srgbClr val="FFFF00"/>
-                </a:solidFill>
-                <a:uFill>
-                  <a:solidFill>
-                    <a:srgbClr val="FFFFFF"/>
-                  </a:solidFill>
-                </a:uFill>
-                <a:latin typeface="Lato"/>
-              </a:rPr>
-              <a:t>&lt;</a:t>
-            </a:r>
-            <a:r>
-              <a:rPr lang="en-US" sz="2400" b="1" spc="-1" dirty="0" err="1">
-                <a:solidFill>
-                  <a:srgbClr val="FFFF00"/>
-                </a:solidFill>
-                <a:uFill>
-                  <a:solidFill>
-                    <a:srgbClr val="FFFFFF"/>
-                  </a:solidFill>
-                </a:uFill>
-                <a:latin typeface="Lato"/>
-              </a:rPr>
-              <a:t>br</a:t>
-            </a:r>
-            <a:r>
-              <a:rPr lang="en-US" sz="2400" b="1" spc="-1" dirty="0">
-                <a:solidFill>
-                  <a:srgbClr val="FFFF00"/>
-                </a:solidFill>
-                <a:uFill>
-                  <a:solidFill>
-                    <a:srgbClr val="FFFFFF"/>
-                  </a:solidFill>
-                </a:uFill>
-                <a:latin typeface="Lato"/>
-              </a:rPr>
-              <a:t>&gt; </a:t>
-            </a:r>
-            <a:r>
-              <a:rPr lang="en-US" sz="2400" spc="-1" dirty="0">
-                <a:solidFill>
-                  <a:srgbClr val="FFFFFF"/>
-                </a:solidFill>
-                <a:uFill>
-                  <a:solidFill>
-                    <a:srgbClr val="FFFFFF"/>
-                  </a:solidFill>
-                </a:uFill>
-                <a:latin typeface="Lato"/>
-              </a:rPr>
-              <a:t>tag breaks line and the </a:t>
-            </a:r>
-            <a:r>
-              <a:rPr lang="en-US" sz="2400" b="1" spc="-1" dirty="0">
-                <a:solidFill>
-                  <a:srgbClr val="FFFF00"/>
-                </a:solidFill>
-                <a:uFill>
-                  <a:solidFill>
-                    <a:srgbClr val="FFFFFF"/>
-                  </a:solidFill>
-                </a:uFill>
-                <a:latin typeface="Lato"/>
-              </a:rPr>
-              <a:t>&lt;</a:t>
-            </a:r>
-            <a:r>
-              <a:rPr lang="en-US" sz="2400" b="1" spc="-1" dirty="0" err="1">
-                <a:solidFill>
-                  <a:srgbClr val="FFFF00"/>
-                </a:solidFill>
-                <a:uFill>
-                  <a:solidFill>
-                    <a:srgbClr val="FFFFFF"/>
-                  </a:solidFill>
-                </a:uFill>
-                <a:latin typeface="Lato"/>
-              </a:rPr>
-              <a:t>hr</a:t>
-            </a:r>
-            <a:r>
-              <a:rPr lang="en-US" sz="2400" b="1" spc="-1" dirty="0">
-                <a:solidFill>
-                  <a:srgbClr val="FFFF00"/>
-                </a:solidFill>
-                <a:uFill>
-                  <a:solidFill>
-                    <a:srgbClr val="FFFFFF"/>
-                  </a:solidFill>
-                </a:uFill>
-                <a:latin typeface="Lato"/>
-              </a:rPr>
-              <a:t>&gt;</a:t>
-            </a:r>
-            <a:r>
-              <a:rPr lang="en-US" sz="2400" spc="-1" dirty="0">
-                <a:solidFill>
-                  <a:srgbClr val="FFFFFF"/>
-                </a:solidFill>
-                <a:uFill>
-                  <a:solidFill>
-                    <a:srgbClr val="FFFFFF"/>
-                  </a:solidFill>
-                </a:uFill>
-                <a:latin typeface="Lato"/>
-              </a:rPr>
-              <a:t> tag separate content with a horizontal rule.</a:t>
-            </a:r>
-            <a:endParaRPr lang="en-US" sz="2400" b="0" strike="noStrike" spc="-1" dirty="0">
-              <a:solidFill>
-                <a:srgbClr val="FFFFFF"/>
-              </a:solidFill>
-              <a:uFill>
-                <a:solidFill>
-                  <a:srgbClr val="FFFFFF"/>
-                </a:solidFill>
-              </a:uFill>
-              <a:latin typeface="Lato"/>
-            </a:endParaRPr>
+              <a:rPr lang="vi-VN" sz="2400" spc="-1" dirty="0">
+                <a:solidFill>
+                  <a:srgbClr val="FFFFFF"/>
+                </a:solidFill>
+                <a:uFill>
+                  <a:solidFill>
+                    <a:srgbClr val="FFFFFF"/>
+                  </a:solidFill>
+                </a:uFill>
+                <a:latin typeface="Lato"/>
+              </a:rPr>
+              <a:t>All HTML elements can have attributes.</a:t>
+            </a:r>
           </a:p>
           <a:p>
             <a:pPr marL="457200" indent="-456840">
@@ -8642,21 +8845,61 @@
               <a:buChar char=""/>
             </a:pPr>
             <a:r>
-              <a:rPr lang="en-US" sz="2400" spc="-1" dirty="0">
-                <a:solidFill>
-                  <a:srgbClr val="FFFFFF"/>
-                </a:solidFill>
-                <a:uFill>
-                  <a:solidFill>
-                    <a:srgbClr val="FFFFFF"/>
-                  </a:solidFill>
-                </a:uFill>
-                <a:latin typeface="Lato"/>
-              </a:rPr>
-              <a:t>HTML uses elements like </a:t>
-            </a:r>
-            <a:r>
-              <a:rPr lang="en-US" sz="2400" b="1" spc="-1" dirty="0">
+              <a:rPr lang="vi-VN" sz="2400" strike="noStrike" spc="-1" dirty="0">
+                <a:solidFill>
+                  <a:srgbClr val="FFFFFF"/>
+                </a:solidFill>
+                <a:uFill>
+                  <a:solidFill>
+                    <a:srgbClr val="FFFFFF"/>
+                  </a:solidFill>
+                </a:uFill>
+                <a:latin typeface="Lato"/>
+              </a:rPr>
+              <a:t>Attributes are always specified in the start tag</a:t>
+            </a:r>
+            <a:r>
+              <a:rPr lang="vi-VN" sz="2400" spc="-1" dirty="0">
+                <a:solidFill>
+                  <a:srgbClr val="FFFFFF"/>
+                </a:solidFill>
+                <a:uFill>
+                  <a:solidFill>
+                    <a:srgbClr val="FFFFFF"/>
+                  </a:solidFill>
+                </a:uFill>
+                <a:latin typeface="Lato"/>
+              </a:rPr>
+              <a:t>.</a:t>
+            </a:r>
+          </a:p>
+          <a:p>
+            <a:pPr marL="457200" indent="-456840">
+              <a:lnSpc>
+                <a:spcPct val="150000"/>
+              </a:lnSpc>
+              <a:buClr>
+                <a:srgbClr val="FFFFFF"/>
+              </a:buClr>
+              <a:buFont typeface="Wingdings" charset="2"/>
+              <a:buChar char=""/>
+            </a:pPr>
+            <a:r>
+              <a:rPr lang="vi-VN" sz="2400" strike="noStrike" spc="-1" dirty="0">
+                <a:solidFill>
+                  <a:srgbClr val="FFFFFF"/>
+                </a:solidFill>
+                <a:uFill>
+                  <a:solidFill>
+                    <a:srgbClr val="FFFFFF"/>
+                  </a:solidFill>
+                </a:uFill>
+                <a:latin typeface="Lato"/>
+              </a:rPr>
+              <a:t>Attributes usually come in name/value pairs like : </a:t>
+            </a:r>
+            <a:r>
+              <a:rPr lang="vi-VN" sz="2400" b="1" strike="noStrike" spc="-1" dirty="0">
                 <a:solidFill>
                   <a:srgbClr val="FFFF00"/>
                 </a:solidFill>
@@ -8667,24 +8910,104 @@
                 </a:uFill>
                 <a:latin typeface="Lato"/>
               </a:rPr>
-              <a:t>&lt;b&gt;</a:t>
-            </a:r>
-            <a:r>
-              <a:rPr lang="en-US" sz="2400" spc="-1" dirty="0">
-                <a:solidFill>
-                  <a:srgbClr val="FFFFFF"/>
-                </a:solidFill>
-                <a:uFill>
-                  <a:solidFill>
-                    <a:srgbClr val="FFFFFF"/>
-                  </a:solidFill>
-                </a:uFill>
-                <a:latin typeface="Lato"/>
-              </a:rPr>
-              <a:t> and </a:t>
-            </a:r>
-            <a:r>
-              <a:rPr lang="en-US" sz="2400" spc="-1" dirty="0">
+              <a:t>name=“value”</a:t>
+            </a:r>
+            <a:r>
+              <a:rPr lang="vi-VN" sz="2400" strike="noStrike" spc="-1" dirty="0">
+                <a:solidFill>
+                  <a:srgbClr val="FFFFFF"/>
+                </a:solidFill>
+                <a:uFill>
+                  <a:solidFill>
+                    <a:srgbClr val="FFFFFF"/>
+                  </a:solidFill>
+                </a:uFill>
+                <a:latin typeface="Lato"/>
+              </a:rPr>
+              <a:t>.</a:t>
+            </a:r>
+          </a:p>
+          <a:p>
+            <a:pPr marL="457200" indent="-456840">
+              <a:lnSpc>
+                <a:spcPct val="150000"/>
+              </a:lnSpc>
+              <a:buClr>
+                <a:srgbClr val="FFFFFF"/>
+              </a:buClr>
+              <a:buFont typeface="Wingdings" charset="2"/>
+              <a:buChar char=""/>
+            </a:pPr>
+            <a:r>
+              <a:rPr lang="vi-VN" sz="2400" spc="-1" dirty="0">
+                <a:solidFill>
+                  <a:srgbClr val="FFFFFF"/>
+                </a:solidFill>
+                <a:uFill>
+                  <a:solidFill>
+                    <a:srgbClr val="FFFFFF"/>
+                  </a:solidFill>
+                </a:uFill>
+                <a:latin typeface="Lato"/>
+              </a:rPr>
+              <a:t>Using </a:t>
+            </a:r>
+            <a:r>
+              <a:rPr lang="vi-VN" sz="2400" spc="-1" dirty="0">
+                <a:solidFill>
+                  <a:schemeClr val="bg1"/>
+                </a:solidFill>
+                <a:uFill>
+                  <a:solidFill>
+                    <a:srgbClr val="FFFFFF"/>
+                  </a:solidFill>
+                </a:uFill>
+                <a:latin typeface="Lato"/>
+              </a:rPr>
+              <a:t>style</a:t>
+            </a:r>
+            <a:r>
+              <a:rPr lang="vi-VN" sz="2400" spc="-1" dirty="0">
+                <a:solidFill>
+                  <a:srgbClr val="FFFFFF"/>
+                </a:solidFill>
+                <a:uFill>
+                  <a:solidFill>
+                    <a:srgbClr val="FFFFFF"/>
+                  </a:solidFill>
+                </a:uFill>
+                <a:latin typeface="Lato"/>
+              </a:rPr>
+              <a:t> attribute to setting the style of an HTML element.</a:t>
+            </a:r>
+          </a:p>
+          <a:p>
+            <a:pPr marL="457200" indent="-456840">
+              <a:lnSpc>
+                <a:spcPct val="150000"/>
+              </a:lnSpc>
+              <a:buClr>
+                <a:srgbClr val="FFFFFF"/>
+              </a:buClr>
+              <a:buFont typeface="Wingdings" charset="2"/>
+              <a:buChar char=""/>
+            </a:pPr>
+            <a:r>
+              <a:rPr lang="vi-VN" sz="2400" spc="-1" dirty="0">
+                <a:solidFill>
+                  <a:schemeClr val="bg1"/>
+                </a:solidFill>
+                <a:uFill>
+                  <a:solidFill>
+                    <a:srgbClr val="FFFFFF"/>
+                  </a:solidFill>
+                </a:uFill>
+                <a:latin typeface="Lato"/>
+              </a:rPr>
+              <a:t>Style</a:t>
+            </a:r>
+            <a:r>
+              <a:rPr lang="vi-VN" sz="2400" spc="-1" dirty="0">
                 <a:solidFill>
                   <a:srgbClr val="FFFF00"/>
                 </a:solidFill>
@@ -8695,10 +9018,24 @@
                 </a:uFill>
                 <a:latin typeface="Lato"/>
               </a:rPr>
-              <a:t>&lt;</a:t>
-            </a:r>
-            <a:r>
-              <a:rPr lang="en-US" sz="2400" spc="-1" dirty="0" err="1">
+              <a:t> </a:t>
+            </a:r>
+            <a:r>
+              <a:rPr lang="vi-VN" sz="2400" spc="-1" dirty="0">
+                <a:solidFill>
+                  <a:schemeClr val="bg1"/>
+                </a:solidFill>
+                <a:uFill>
+                  <a:solidFill>
+                    <a:srgbClr val="FFFFFF"/>
+                  </a:solidFill>
+                </a:uFill>
+                <a:latin typeface="Lato"/>
+              </a:rPr>
+              <a:t>attribute has syn tax : </a:t>
+            </a:r>
+            <a:r>
+              <a:rPr lang="vi-VN" sz="2400" b="1" spc="-1" dirty="0">
                 <a:solidFill>
                   <a:srgbClr val="FFFF00"/>
                 </a:solidFill>
@@ -8709,10 +9046,10 @@
                 </a:uFill>
                 <a:latin typeface="Lato"/>
               </a:rPr>
-              <a:t>i</a:t>
-            </a:r>
-            <a:r>
-              <a:rPr lang="en-US" sz="2400" spc="-1" dirty="0">
+              <a:t>&lt;tagname style="property:value;"&gt;</a:t>
+            </a:r>
+            <a:r>
+              <a:rPr lang="vi-VN" sz="2400" spc="-1" dirty="0">
                 <a:solidFill>
                   <a:srgbClr val="FFFF00"/>
                 </a:solidFill>
@@ -8723,39 +9060,54 @@
                 </a:uFill>
                 <a:latin typeface="Lato"/>
               </a:rPr>
-              <a:t>&gt;</a:t>
-            </a:r>
-            <a:r>
-              <a:rPr lang="en-US" sz="2400" spc="-1" dirty="0">
-                <a:solidFill>
-                  <a:srgbClr val="FFFFFF"/>
-                </a:solidFill>
-                <a:uFill>
-                  <a:solidFill>
-                    <a:srgbClr val="FFFFFF"/>
-                  </a:solidFill>
-                </a:uFill>
-                <a:latin typeface="Lato"/>
-              </a:rPr>
-              <a:t> for formatting output, like bold or italic text.</a:t>
-            </a:r>
-            <a:endParaRPr lang="en-US" sz="1800" b="0" strike="noStrike" spc="-1" dirty="0">
-              <a:solidFill>
-                <a:srgbClr val="000000"/>
-              </a:solidFill>
-              <a:uFill>
-                <a:solidFill>
-                  <a:srgbClr val="FFFFFF"/>
-                </a:solidFill>
-              </a:uFill>
-              <a:latin typeface="Arial"/>
-            </a:endParaRPr>
+              <a:t>, </a:t>
+            </a:r>
+            <a:r>
+              <a:rPr lang="vi-VN" sz="2400" spc="-1" dirty="0">
+                <a:solidFill>
+                  <a:schemeClr val="bg1"/>
+                </a:solidFill>
+                <a:uFill>
+                  <a:solidFill>
+                    <a:srgbClr val="FFFFFF"/>
+                  </a:solidFill>
+                </a:uFill>
+                <a:latin typeface="Lato"/>
+              </a:rPr>
+              <a:t>property is a CSS property, value is a CSS value.</a:t>
+            </a:r>
+          </a:p>
+          <a:p>
+            <a:pPr marL="457200" indent="-456840">
+              <a:lnSpc>
+                <a:spcPct val="150000"/>
+              </a:lnSpc>
+              <a:buClr>
+                <a:srgbClr val="FFFFFF"/>
+              </a:buClr>
+              <a:buFont typeface="Wingdings" charset="2"/>
+              <a:buChar char=""/>
+            </a:pPr>
+            <a:r>
+              <a:rPr lang="vi-VN" sz="2400" spc="-1" dirty="0">
+                <a:solidFill>
+                  <a:schemeClr val="bg1"/>
+                </a:solidFill>
+                <a:uFill>
+                  <a:solidFill>
+                    <a:srgbClr val="FFFFFF"/>
+                  </a:solidFill>
+                </a:uFill>
+                <a:latin typeface="Lato"/>
+              </a:rPr>
+              <a:t>Will be learned CSS later.</a:t>
+            </a:r>
           </a:p>
         </p:txBody>
       </p:sp>
       <p:sp>
         <p:nvSpPr>
-          <p:cNvPr id="74" name="Line 4"/>
+          <p:cNvPr id="69" name="Line 4"/>
           <p:cNvSpPr/>
           <p:nvPr/>
         </p:nvSpPr>
@@ -8791,7 +9143,7 @@
           <p:cNvPr id="3" name="Picture 2">
             <a:extLst>
               <a:ext uri="{FF2B5EF4-FFF2-40B4-BE49-F238E27FC236}">
-                <a16:creationId xmlns:a16="http://schemas.microsoft.com/office/drawing/2014/main" id="{585C7DF0-E3AF-4508-9A41-DE7A720C39EE}"/>
+                <a16:creationId xmlns:a16="http://schemas.microsoft.com/office/drawing/2014/main" id="{EA361CF3-FA6E-4B61-AE91-96C5C34E7AB3}"/>
               </a:ext>
             </a:extLst>
           </p:cNvPr>
@@ -8814,80 +9166,8 @@
         </p:blipFill>
         <p:spPr>
           <a:xfrm>
-            <a:off x="3290511" y="3309948"/>
-            <a:ext cx="2095792" cy="2333951"/>
-          </a:xfrm>
-          <a:prstGeom prst="rect">
-            <a:avLst/>
-          </a:prstGeom>
-        </p:spPr>
-      </p:pic>
-      <p:pic>
-        <p:nvPicPr>
-          <p:cNvPr id="5" name="Picture 4">
-            <a:extLst>
-              <a:ext uri="{FF2B5EF4-FFF2-40B4-BE49-F238E27FC236}">
-                <a16:creationId xmlns:a16="http://schemas.microsoft.com/office/drawing/2014/main" id="{38982366-906B-40EE-96FA-B661745FABBE}"/>
-              </a:ext>
-            </a:extLst>
-          </p:cNvPr>
-          <p:cNvPicPr>
-            <a:picLocks noChangeAspect="1"/>
-          </p:cNvPicPr>
-          <p:nvPr/>
-        </p:nvPicPr>
-        <p:blipFill>
-          <a:blip r:embed="rId3">
-            <a:extLst>
-              <a:ext uri="{28A0092B-C50C-407E-A947-70E740481C1C}">
-                <a14:useLocalDpi xmlns:a14="http://schemas.microsoft.com/office/drawing/2010/main" val="0"/>
-              </a:ext>
-            </a:extLst>
-          </a:blip>
-          <a:stretch>
-            <a:fillRect/>
-          </a:stretch>
-        </p:blipFill>
-        <p:spPr>
-          <a:xfrm>
-            <a:off x="5660138" y="3309948"/>
-            <a:ext cx="4405479" cy="2565737"/>
-          </a:xfrm>
-          <a:prstGeom prst="rect">
-            <a:avLst/>
-          </a:prstGeom>
-        </p:spPr>
-      </p:pic>
-      <p:pic>
-        <p:nvPicPr>
-          <p:cNvPr id="7" name="Picture 6">
-            <a:extLst>
-              <a:ext uri="{FF2B5EF4-FFF2-40B4-BE49-F238E27FC236}">
-                <a16:creationId xmlns:a16="http://schemas.microsoft.com/office/drawing/2014/main" id="{263B08E1-63B7-475A-8AA5-6F9CC7F76152}"/>
-              </a:ext>
-            </a:extLst>
-          </p:cNvPr>
-          <p:cNvPicPr>
-            <a:picLocks noChangeAspect="1"/>
-          </p:cNvPicPr>
-          <p:nvPr/>
-        </p:nvPicPr>
-        <p:blipFill>
-          <a:blip r:embed="rId4">
-            <a:extLst>
-              <a:ext uri="{28A0092B-C50C-407E-A947-70E740481C1C}">
-                <a14:useLocalDpi xmlns:a14="http://schemas.microsoft.com/office/drawing/2010/main" val="0"/>
-              </a:ext>
-            </a:extLst>
-          </a:blip>
-          <a:stretch>
-            <a:fillRect/>
-          </a:stretch>
-        </p:blipFill>
-        <p:spPr>
-          <a:xfrm>
-            <a:off x="10240307" y="3309948"/>
-            <a:ext cx="1581371" cy="1276528"/>
+            <a:off x="4860421" y="4980889"/>
+            <a:ext cx="7220958" cy="828791"/>
           </a:xfrm>
           <a:prstGeom prst="rect">
             <a:avLst/>
@@ -8948,7 +9228,7 @@
       </p:grpSpPr>
       <p:sp>
         <p:nvSpPr>
-          <p:cNvPr id="77" name="CustomShape 1"/>
+          <p:cNvPr id="71" name="CustomShape 1"/>
           <p:cNvSpPr/>
           <p:nvPr/>
         </p:nvSpPr>
@@ -8984,7 +9264,7 @@
       </p:sp>
       <p:sp>
         <p:nvSpPr>
-          <p:cNvPr id="78" name="CustomShape 2"/>
+          <p:cNvPr id="72" name="CustomShape 2"/>
           <p:cNvSpPr/>
           <p:nvPr/>
         </p:nvSpPr>
@@ -9034,7 +9314,7 @@
                 </a:uFill>
                 <a:latin typeface="Lato"/>
               </a:rPr>
-              <a:t>HTML LINKS</a:t>
+              <a:t>HTML FORMATTING</a:t>
             </a:r>
             <a:endParaRPr lang="en-US" sz="1800" b="0" strike="noStrike" spc="-1" dirty="0">
               <a:solidFill>
@@ -9052,14 +9332,14 @@
       </p:sp>
       <p:sp>
         <p:nvSpPr>
-          <p:cNvPr id="79" name="CustomShape 3"/>
+          <p:cNvPr id="73" name="CustomShape 3"/>
           <p:cNvSpPr/>
           <p:nvPr/>
         </p:nvSpPr>
         <p:spPr>
           <a:xfrm>
             <a:off x="-12960" y="1505880"/>
-            <a:ext cx="12204360" cy="3366010"/>
+            <a:ext cx="12204360" cy="1913580"/>
           </a:xfrm>
           <a:prstGeom prst="rect">
             <a:avLst/>
@@ -9096,18 +9376,18 @@
               <a:buChar char=""/>
             </a:pPr>
             <a:r>
-              <a:rPr lang="en-US" sz="2400" spc="-1" dirty="0">
-                <a:solidFill>
-                  <a:srgbClr val="FFFFFF"/>
-                </a:solidFill>
-                <a:uFill>
-                  <a:solidFill>
-                    <a:srgbClr val="FFFFFF"/>
-                  </a:solidFill>
-                </a:uFill>
-                <a:latin typeface="Lato"/>
-              </a:rPr>
-              <a:t>HTML Links element are hyperlinks and allow users to click their way from page to page.</a:t>
+              <a:rPr lang="en-US" sz="2400" b="0" strike="noStrike" spc="-1" dirty="0">
+                <a:solidFill>
+                  <a:srgbClr val="FFFFFF"/>
+                </a:solidFill>
+                <a:uFill>
+                  <a:solidFill>
+                    <a:srgbClr val="FFFFFF"/>
+                  </a:solidFill>
+                </a:uFill>
+                <a:latin typeface="Lato"/>
+              </a:rPr>
+              <a:t>There are some special HTML elements for defining text with a special meaning.</a:t>
             </a:r>
           </a:p>
           <a:p>
@@ -9133,7 +9413,7 @@
                 </a:uFill>
                 <a:latin typeface="Lato"/>
               </a:rPr>
-              <a:t>Links are defined with the </a:t>
+              <a:t>The </a:t>
             </a:r>
             <a:r>
               <a:rPr lang="en-US" sz="2400" b="1" spc="-1" dirty="0">
@@ -9147,7 +9427,35 @@
                 </a:uFill>
                 <a:latin typeface="Lato"/>
               </a:rPr>
-              <a:t>&lt;a&gt;</a:t>
+              <a:t>&lt;</a:t>
+            </a:r>
+            <a:r>
+              <a:rPr lang="en-US" sz="2400" b="1" spc="-1" dirty="0" err="1">
+                <a:solidFill>
+                  <a:srgbClr val="FFFF00"/>
+                </a:solidFill>
+                <a:uFill>
+                  <a:solidFill>
+                    <a:srgbClr val="FFFFFF"/>
+                  </a:solidFill>
+                </a:uFill>
+                <a:latin typeface="Lato"/>
+              </a:rPr>
+              <a:t>br</a:t>
+            </a:r>
+            <a:r>
+              <a:rPr lang="en-US" sz="2400" b="1" spc="-1" dirty="0">
+                <a:solidFill>
+                  <a:srgbClr val="FFFF00"/>
+                </a:solidFill>
+                <a:uFill>
+                  <a:solidFill>
+                    <a:srgbClr val="FFFFFF"/>
+                  </a:solidFill>
+                </a:uFill>
+                <a:latin typeface="Lato"/>
+              </a:rPr>
+              <a:t>&gt; </a:t>
             </a:r>
             <a:r>
               <a:rPr lang="en-US" sz="2400" spc="-1" dirty="0">
@@ -9161,8 +9469,75 @@
                 </a:uFill>
                 <a:latin typeface="Lato"/>
               </a:rPr>
-              <a:t> tag.</a:t>
-            </a:r>
+              <a:t>tag breaks line and the </a:t>
+            </a:r>
+            <a:r>
+              <a:rPr lang="en-US" sz="2400" b="1" spc="-1" dirty="0">
+                <a:solidFill>
+                  <a:srgbClr val="FFFF00"/>
+                </a:solidFill>
+                <a:uFill>
+                  <a:solidFill>
+                    <a:srgbClr val="FFFFFF"/>
+                  </a:solidFill>
+                </a:uFill>
+                <a:latin typeface="Lato"/>
+              </a:rPr>
+              <a:t>&lt;</a:t>
+            </a:r>
+            <a:r>
+              <a:rPr lang="en-US" sz="2400" b="1" spc="-1" dirty="0" err="1">
+                <a:solidFill>
+                  <a:srgbClr val="FFFF00"/>
+                </a:solidFill>
+                <a:uFill>
+                  <a:solidFill>
+                    <a:srgbClr val="FFFFFF"/>
+                  </a:solidFill>
+                </a:uFill>
+                <a:latin typeface="Lato"/>
+              </a:rPr>
+              <a:t>hr</a:t>
+            </a:r>
+            <a:r>
+              <a:rPr lang="en-US" sz="2400" b="1" spc="-1" dirty="0">
+                <a:solidFill>
+                  <a:srgbClr val="FFFF00"/>
+                </a:solidFill>
+                <a:uFill>
+                  <a:solidFill>
+                    <a:srgbClr val="FFFFFF"/>
+                  </a:solidFill>
+                </a:uFill>
+                <a:latin typeface="Lato"/>
+              </a:rPr>
+              <a:t>&gt;</a:t>
+            </a:r>
+            <a:r>
+              <a:rPr lang="en-US" sz="2400" spc="-1" dirty="0">
+                <a:solidFill>
+                  <a:srgbClr val="FFFFFF"/>
+                </a:solidFill>
+                <a:uFill>
+                  <a:solidFill>
+                    <a:srgbClr val="FFFFFF"/>
+                  </a:solidFill>
+                </a:uFill>
+                <a:latin typeface="Lato"/>
+              </a:rPr>
+              <a:t> tag separate content with a horizontal rule.</a:t>
+            </a:r>
+            <a:endParaRPr lang="en-US" sz="2400" b="0" strike="noStrike" spc="-1" dirty="0">
+              <a:solidFill>
+                <a:srgbClr val="FFFFFF"/>
+              </a:solidFill>
+              <a:uFill>
+                <a:solidFill>
+                  <a:srgbClr val="FFFFFF"/>
+                </a:solidFill>
+              </a:uFill>
+              <a:latin typeface="Lato"/>
+            </a:endParaRPr>
           </a:p>
           <a:p>
             <a:pPr marL="457200" indent="-456840">
@@ -9175,6 +9550,104 @@
               <a:buFont typeface="Wingdings" charset="2"/>
               <a:buChar char=""/>
             </a:pPr>
+            <a:r>
+              <a:rPr lang="en-US" sz="2400" spc="-1" dirty="0">
+                <a:solidFill>
+                  <a:srgbClr val="FFFFFF"/>
+                </a:solidFill>
+                <a:uFill>
+                  <a:solidFill>
+                    <a:srgbClr val="FFFFFF"/>
+                  </a:solidFill>
+                </a:uFill>
+                <a:latin typeface="Lato"/>
+              </a:rPr>
+              <a:t>HTML uses elements like </a:t>
+            </a:r>
+            <a:r>
+              <a:rPr lang="en-US" sz="2400" b="1" spc="-1" dirty="0">
+                <a:solidFill>
+                  <a:srgbClr val="FFFF00"/>
+                </a:solidFill>
+                <a:uFill>
+                  <a:solidFill>
+                    <a:srgbClr val="FFFFFF"/>
+                  </a:solidFill>
+                </a:uFill>
+                <a:latin typeface="Lato"/>
+              </a:rPr>
+              <a:t>&lt;b&gt;</a:t>
+            </a:r>
+            <a:r>
+              <a:rPr lang="en-US" sz="2400" spc="-1" dirty="0">
+                <a:solidFill>
+                  <a:srgbClr val="FFFFFF"/>
+                </a:solidFill>
+                <a:uFill>
+                  <a:solidFill>
+                    <a:srgbClr val="FFFFFF"/>
+                  </a:solidFill>
+                </a:uFill>
+                <a:latin typeface="Lato"/>
+              </a:rPr>
+              <a:t> and </a:t>
+            </a:r>
+            <a:r>
+              <a:rPr lang="en-US" sz="2400" spc="-1" dirty="0">
+                <a:solidFill>
+                  <a:srgbClr val="FFFF00"/>
+                </a:solidFill>
+                <a:uFill>
+                  <a:solidFill>
+                    <a:srgbClr val="FFFFFF"/>
+                  </a:solidFill>
+                </a:uFill>
+                <a:latin typeface="Lato"/>
+              </a:rPr>
+              <a:t>&lt;</a:t>
+            </a:r>
+            <a:r>
+              <a:rPr lang="en-US" sz="2400" spc="-1" dirty="0" err="1">
+                <a:solidFill>
+                  <a:srgbClr val="FFFF00"/>
+                </a:solidFill>
+                <a:uFill>
+                  <a:solidFill>
+                    <a:srgbClr val="FFFFFF"/>
+                  </a:solidFill>
+                </a:uFill>
+                <a:latin typeface="Lato"/>
+              </a:rPr>
+              <a:t>i</a:t>
+            </a:r>
+            <a:r>
+              <a:rPr lang="en-US" sz="2400" spc="-1" dirty="0">
+                <a:solidFill>
+                  <a:srgbClr val="FFFF00"/>
+                </a:solidFill>
+                <a:uFill>
+                  <a:solidFill>
+                    <a:srgbClr val="FFFFFF"/>
+                  </a:solidFill>
+                </a:uFill>
+                <a:latin typeface="Lato"/>
+              </a:rPr>
+              <a:t>&gt;</a:t>
+            </a:r>
+            <a:r>
+              <a:rPr lang="en-US" sz="2400" spc="-1" dirty="0">
+                <a:solidFill>
+                  <a:srgbClr val="FFFFFF"/>
+                </a:solidFill>
+                <a:uFill>
+                  <a:solidFill>
+                    <a:srgbClr val="FFFFFF"/>
+                  </a:solidFill>
+                </a:uFill>
+                <a:latin typeface="Lato"/>
+              </a:rPr>
+              <a:t> for formatting output, like bold or italic text.</a:t>
+            </a:r>
             <a:endParaRPr lang="en-US" sz="1800" b="0" strike="noStrike" spc="-1" dirty="0">
               <a:solidFill>
                 <a:srgbClr val="000000"/>
@@ -9191,7 +9664,7 @@
       </p:sp>
       <p:sp>
         <p:nvSpPr>
-          <p:cNvPr id="80" name="Line 4"/>
+          <p:cNvPr id="74" name="Line 4"/>
           <p:cNvSpPr/>
           <p:nvPr/>
         </p:nvSpPr>
@@ -9227,7 +9700,7 @@
           <p:cNvPr id="3" name="Picture 2">
             <a:extLst>
               <a:ext uri="{FF2B5EF4-FFF2-40B4-BE49-F238E27FC236}">
-                <a16:creationId xmlns:a16="http://schemas.microsoft.com/office/drawing/2014/main" id="{DDD9ED7C-A717-4162-8EB3-9CFD11291638}"/>
+                <a16:creationId xmlns:a16="http://schemas.microsoft.com/office/drawing/2014/main" id="{585C7DF0-E3AF-4508-9A41-DE7A720C39EE}"/>
               </a:ext>
             </a:extLst>
           </p:cNvPr>
@@ -9250,273 +9723,86 @@
         </p:blipFill>
         <p:spPr>
           <a:xfrm>
-            <a:off x="450522" y="3226381"/>
-            <a:ext cx="11277396" cy="917138"/>
+            <a:off x="3290511" y="3309948"/>
+            <a:ext cx="2095792" cy="2333951"/>
           </a:xfrm>
           <a:prstGeom prst="rect">
             <a:avLst/>
           </a:prstGeom>
         </p:spPr>
       </p:pic>
-      <p:sp>
-        <p:nvSpPr>
-          <p:cNvPr id="9" name="CustomShape 3">
+      <p:pic>
+        <p:nvPicPr>
+          <p:cNvPr id="5" name="Picture 4">
             <a:extLst>
               <a:ext uri="{FF2B5EF4-FFF2-40B4-BE49-F238E27FC236}">
-                <a16:creationId xmlns:a16="http://schemas.microsoft.com/office/drawing/2014/main" id="{33A49FE1-E933-4126-A0F3-EEA482FA842F}"/>
+                <a16:creationId xmlns:a16="http://schemas.microsoft.com/office/drawing/2014/main" id="{38982366-906B-40EE-96FA-B661745FABBE}"/>
               </a:ext>
             </a:extLst>
           </p:cNvPr>
-          <p:cNvSpPr/>
+          <p:cNvPicPr>
+            <a:picLocks noChangeAspect="1"/>
+          </p:cNvPicPr>
           <p:nvPr/>
-        </p:nvSpPr>
-        <p:spPr>
-          <a:xfrm>
-            <a:off x="-15120" y="4192846"/>
-            <a:ext cx="12204360" cy="1804755"/>
-          </a:xfrm>
-          <a:prstGeom prst="rect">
-            <a:avLst/>
-          </a:prstGeom>
-          <a:noFill/>
-          <a:ln>
-            <a:noFill/>
-          </a:ln>
-        </p:spPr>
-        <p:style>
-          <a:lnRef idx="0">
-            <a:scrgbClr r="0" g="0" b="0"/>
-          </a:lnRef>
-          <a:fillRef idx="0">
-            <a:scrgbClr r="0" g="0" b="0"/>
-          </a:fillRef>
-          <a:effectRef idx="0">
-            <a:scrgbClr r="0" g="0" b="0"/>
-          </a:effectRef>
-          <a:fontRef idx="minor"/>
-        </p:style>
-        <p:txBody>
-          <a:bodyPr lIns="90000" tIns="45000" rIns="90000" bIns="45000"/>
-          <a:lstStyle/>
-          <a:p>
-            <a:pPr marL="457200" indent="-456840">
-              <a:lnSpc>
-                <a:spcPct val="150000"/>
-              </a:lnSpc>
-              <a:buClr>
-                <a:srgbClr val="FFFFFF"/>
-              </a:buClr>
-              <a:buFont typeface="Wingdings" charset="2"/>
-              <a:buChar char=""/>
-            </a:pPr>
-            <a:r>
-              <a:rPr lang="en-US" sz="2400" spc="-1" dirty="0">
-                <a:solidFill>
-                  <a:srgbClr val="FFFFFF"/>
-                </a:solidFill>
-                <a:uFill>
-                  <a:solidFill>
-                    <a:srgbClr val="FFFFFF"/>
-                  </a:solidFill>
-                </a:uFill>
-                <a:latin typeface="Lato"/>
-              </a:rPr>
-              <a:t>The </a:t>
-            </a:r>
-            <a:r>
-              <a:rPr lang="en-US" sz="2400" b="1" spc="-1" dirty="0" err="1">
-                <a:solidFill>
-                  <a:srgbClr val="FFFF00"/>
-                </a:solidFill>
-                <a:uFill>
-                  <a:solidFill>
-                    <a:srgbClr val="FFFFFF"/>
-                  </a:solidFill>
-                </a:uFill>
-                <a:latin typeface="Lato"/>
-              </a:rPr>
-              <a:t>href</a:t>
-            </a:r>
-            <a:r>
-              <a:rPr lang="en-US" sz="2400" spc="-1" dirty="0">
-                <a:solidFill>
-                  <a:srgbClr val="FFFFFF"/>
-                </a:solidFill>
-                <a:uFill>
-                  <a:solidFill>
-                    <a:srgbClr val="FFFFFF"/>
-                  </a:solidFill>
-                </a:uFill>
-                <a:latin typeface="Lato"/>
-              </a:rPr>
-              <a:t> attribute specifies the destination address. </a:t>
-            </a:r>
-            <a:r>
-              <a:rPr lang="en-US" sz="2400" b="1" spc="-1" dirty="0" err="1">
-                <a:solidFill>
-                  <a:srgbClr val="FFFF00"/>
-                </a:solidFill>
-                <a:uFill>
-                  <a:solidFill>
-                    <a:srgbClr val="FFFFFF"/>
-                  </a:solidFill>
-                </a:uFill>
-                <a:latin typeface="Lato"/>
-              </a:rPr>
-              <a:t>Href</a:t>
-            </a:r>
-            <a:r>
-              <a:rPr lang="en-US" sz="2400" spc="-1" dirty="0">
-                <a:solidFill>
-                  <a:srgbClr val="FFFFFF"/>
-                </a:solidFill>
-                <a:uFill>
-                  <a:solidFill>
-                    <a:srgbClr val="FFFFFF"/>
-                  </a:solidFill>
-                </a:uFill>
-                <a:latin typeface="Lato"/>
-              </a:rPr>
-              <a:t> is stand for </a:t>
-            </a:r>
-            <a:r>
-              <a:rPr lang="en-US" sz="2400" spc="-1" dirty="0" err="1">
-                <a:solidFill>
-                  <a:srgbClr val="FFFFFF"/>
-                </a:solidFill>
-                <a:uFill>
-                  <a:solidFill>
-                    <a:srgbClr val="FFFFFF"/>
-                  </a:solidFill>
-                </a:uFill>
-                <a:latin typeface="Lato"/>
-              </a:rPr>
-              <a:t>HyperText</a:t>
-            </a:r>
-            <a:r>
-              <a:rPr lang="en-US" sz="2400" spc="-1" dirty="0">
-                <a:solidFill>
-                  <a:srgbClr val="FFFFFF"/>
-                </a:solidFill>
-                <a:uFill>
-                  <a:solidFill>
-                    <a:srgbClr val="FFFFFF"/>
-                  </a:solidFill>
-                </a:uFill>
-                <a:latin typeface="Lato"/>
-              </a:rPr>
-              <a:t> Reference.</a:t>
-            </a:r>
-          </a:p>
-          <a:p>
-            <a:pPr marL="457200" indent="-456840">
-              <a:lnSpc>
-                <a:spcPct val="150000"/>
-              </a:lnSpc>
-              <a:buClr>
-                <a:srgbClr val="FFFFFF"/>
-              </a:buClr>
-              <a:buFont typeface="Wingdings" charset="2"/>
-              <a:buChar char=""/>
-            </a:pPr>
-            <a:r>
-              <a:rPr lang="en-US" sz="2400" b="0" strike="noStrike" spc="-1" dirty="0">
-                <a:solidFill>
-                  <a:srgbClr val="FFFFFF"/>
-                </a:solidFill>
-                <a:uFill>
-                  <a:solidFill>
-                    <a:srgbClr val="FFFFFF"/>
-                  </a:solidFill>
-                </a:uFill>
-                <a:latin typeface="Lato"/>
-              </a:rPr>
-              <a:t>The </a:t>
-            </a:r>
-            <a:r>
-              <a:rPr lang="en-US" sz="2400" b="1" strike="noStrike" spc="-1" dirty="0">
-                <a:solidFill>
-                  <a:srgbClr val="FFFF00"/>
-                </a:solidFill>
-                <a:uFill>
-                  <a:solidFill>
-                    <a:srgbClr val="FFFFFF"/>
-                  </a:solidFill>
-                </a:uFill>
-                <a:latin typeface="Lato"/>
-              </a:rPr>
-              <a:t>target=“</a:t>
-            </a:r>
-            <a:r>
-              <a:rPr lang="en-US" sz="2400" b="1" spc="-1" dirty="0">
-                <a:solidFill>
-                  <a:srgbClr val="FFFF00"/>
-                </a:solidFill>
-                <a:uFill>
-                  <a:solidFill>
-                    <a:srgbClr val="FFFFFF"/>
-                  </a:solidFill>
-                </a:uFill>
-                <a:latin typeface="Lato"/>
-              </a:rPr>
-              <a:t>_blank</a:t>
-            </a:r>
-            <a:r>
-              <a:rPr lang="en-US" sz="2400" b="1" strike="noStrike" spc="-1" dirty="0">
-                <a:solidFill>
-                  <a:srgbClr val="FFFF00"/>
-                </a:solidFill>
-                <a:uFill>
-                  <a:solidFill>
-                    <a:srgbClr val="FFFFFF"/>
-                  </a:solidFill>
-                </a:uFill>
-                <a:latin typeface="Lato"/>
-              </a:rPr>
-              <a:t>”</a:t>
-            </a:r>
-            <a:r>
-              <a:rPr lang="en-US" sz="2400" b="0" strike="noStrike" spc="-1" dirty="0">
-                <a:solidFill>
-                  <a:srgbClr val="FFFFFF"/>
-                </a:solidFill>
-                <a:uFill>
-                  <a:solidFill>
-                    <a:srgbClr val="FFFFFF"/>
-                  </a:solidFill>
-                </a:uFill>
-                <a:latin typeface="Lato"/>
-              </a:rPr>
-              <a:t> attribute </a:t>
-            </a:r>
-            <a:r>
-              <a:rPr lang="en-US" sz="2400" spc="-1" dirty="0">
-                <a:solidFill>
-                  <a:srgbClr val="FFFFFF"/>
-                </a:solidFill>
-                <a:uFill>
-                  <a:solidFill>
-                    <a:srgbClr val="FFFFFF"/>
-                  </a:solidFill>
-                </a:uFill>
-                <a:latin typeface="Lato"/>
-              </a:rPr>
-              <a:t>specifies open new window in browser.</a:t>
-            </a:r>
-            <a:endParaRPr lang="en-US" sz="1800" b="0" strike="noStrike" spc="-1" dirty="0">
-              <a:solidFill>
-                <a:srgbClr val="000000"/>
-              </a:solidFill>
-              <a:uFill>
-                <a:solidFill>
-                  <a:srgbClr val="FFFFFF"/>
-                </a:solidFill>
-              </a:uFill>
-              <a:latin typeface="Arial"/>
-            </a:endParaRPr>
-          </a:p>
-        </p:txBody>
-      </p:sp>
+        </p:nvPicPr>
+        <p:blipFill>
+          <a:blip r:embed="rId3">
+            <a:extLst>
+              <a:ext uri="{28A0092B-C50C-407E-A947-70E740481C1C}">
+                <a14:useLocalDpi xmlns:a14="http://schemas.microsoft.com/office/drawing/2010/main" val="0"/>
+              </a:ext>
+            </a:extLst>
+          </a:blip>
+          <a:stretch>
+            <a:fillRect/>
+          </a:stretch>
+        </p:blipFill>
+        <p:spPr>
+          <a:xfrm>
+            <a:off x="5660138" y="3309948"/>
+            <a:ext cx="4405479" cy="2565737"/>
+          </a:xfrm>
+          <a:prstGeom prst="rect">
+            <a:avLst/>
+          </a:prstGeom>
+        </p:spPr>
+      </p:pic>
+      <p:pic>
+        <p:nvPicPr>
+          <p:cNvPr id="7" name="Picture 6">
+            <a:extLst>
+              <a:ext uri="{FF2B5EF4-FFF2-40B4-BE49-F238E27FC236}">
+                <a16:creationId xmlns:a16="http://schemas.microsoft.com/office/drawing/2014/main" id="{263B08E1-63B7-475A-8AA5-6F9CC7F76152}"/>
+              </a:ext>
+            </a:extLst>
+          </p:cNvPr>
+          <p:cNvPicPr>
+            <a:picLocks noChangeAspect="1"/>
+          </p:cNvPicPr>
+          <p:nvPr/>
+        </p:nvPicPr>
+        <p:blipFill>
+          <a:blip r:embed="rId4">
+            <a:extLst>
+              <a:ext uri="{28A0092B-C50C-407E-A947-70E740481C1C}">
+                <a14:useLocalDpi xmlns:a14="http://schemas.microsoft.com/office/drawing/2010/main" val="0"/>
+              </a:ext>
+            </a:extLst>
+          </a:blip>
+          <a:stretch>
+            <a:fillRect/>
+          </a:stretch>
+        </p:blipFill>
+        <p:spPr>
+          <a:xfrm>
+            <a:off x="10240307" y="3309948"/>
+            <a:ext cx="1581371" cy="1276528"/>
+          </a:xfrm>
+          <a:prstGeom prst="rect">
+            <a:avLst/>
+          </a:prstGeom>
+        </p:spPr>
+      </p:pic>
     </p:spTree>
   </p:cSld>
   <p:clrMapOvr>
